--- a/User Stories.pptx
+++ b/User Stories.pptx
@@ -163,6 +163,10 @@
 </p:presentation>
 </file>
 
+<file path=ppt/revisionInfo.xml><?xml version="1.0" encoding="utf-8"?>
+<p1510:revInfo xmlns:a="http://schemas.openxmlformats.org/drawingml/2006/main" xmlns:r="http://schemas.openxmlformats.org/officeDocument/2006/relationships" xmlns:p1510="http://schemas.microsoft.com/office/powerpoint/2015/10/main"/>
+</file>
+
 <file path=ppt/slideLayouts/slideLayout1.xml><?xml version="1.0" encoding="utf-8"?>
 <p:sldLayout xmlns:a="http://schemas.openxmlformats.org/drawingml/2006/main" xmlns:r="http://schemas.openxmlformats.org/officeDocument/2006/relationships" xmlns:p="http://schemas.openxmlformats.org/presentationml/2006/main" type="title" preserve="1">
   <p:cSld name="Title Slide">
@@ -345,7 +349,7 @@
             <a:fld id="{1585DAA5-6BE2-467A-90B2-00E985D86198}" type="datetimeFigureOut">
               <a:rPr lang="en-AU" smtClean="0"/>
               <a:pPr/>
-              <a:t>15/8/17</a:t>
+              <a:t>19/08/2017</a:t>
             </a:fld>
             <a:endParaRPr lang="en-AU"/>
           </a:p>
@@ -512,7 +516,7 @@
             <a:fld id="{1585DAA5-6BE2-467A-90B2-00E985D86198}" type="datetimeFigureOut">
               <a:rPr lang="en-AU" smtClean="0"/>
               <a:pPr/>
-              <a:t>15/8/17</a:t>
+              <a:t>19/08/2017</a:t>
             </a:fld>
             <a:endParaRPr lang="en-AU"/>
           </a:p>
@@ -689,7 +693,7 @@
             <a:fld id="{1585DAA5-6BE2-467A-90B2-00E985D86198}" type="datetimeFigureOut">
               <a:rPr lang="en-AU" smtClean="0"/>
               <a:pPr/>
-              <a:t>15/8/17</a:t>
+              <a:t>19/08/2017</a:t>
             </a:fld>
             <a:endParaRPr lang="en-AU"/>
           </a:p>
@@ -856,7 +860,7 @@
             <a:fld id="{1585DAA5-6BE2-467A-90B2-00E985D86198}" type="datetimeFigureOut">
               <a:rPr lang="en-AU" smtClean="0"/>
               <a:pPr/>
-              <a:t>15/8/17</a:t>
+              <a:t>19/08/2017</a:t>
             </a:fld>
             <a:endParaRPr lang="en-AU"/>
           </a:p>
@@ -1099,7 +1103,7 @@
             <a:fld id="{1585DAA5-6BE2-467A-90B2-00E985D86198}" type="datetimeFigureOut">
               <a:rPr lang="en-AU" smtClean="0"/>
               <a:pPr/>
-              <a:t>15/8/17</a:t>
+              <a:t>19/08/2017</a:t>
             </a:fld>
             <a:endParaRPr lang="en-AU"/>
           </a:p>
@@ -1384,7 +1388,7 @@
             <a:fld id="{1585DAA5-6BE2-467A-90B2-00E985D86198}" type="datetimeFigureOut">
               <a:rPr lang="en-AU" smtClean="0"/>
               <a:pPr/>
-              <a:t>15/8/17</a:t>
+              <a:t>19/08/2017</a:t>
             </a:fld>
             <a:endParaRPr lang="en-AU"/>
           </a:p>
@@ -1803,7 +1807,7 @@
             <a:fld id="{1585DAA5-6BE2-467A-90B2-00E985D86198}" type="datetimeFigureOut">
               <a:rPr lang="en-AU" smtClean="0"/>
               <a:pPr/>
-              <a:t>15/8/17</a:t>
+              <a:t>19/08/2017</a:t>
             </a:fld>
             <a:endParaRPr lang="en-AU"/>
           </a:p>
@@ -1918,7 +1922,7 @@
             <a:fld id="{1585DAA5-6BE2-467A-90B2-00E985D86198}" type="datetimeFigureOut">
               <a:rPr lang="en-AU" smtClean="0"/>
               <a:pPr/>
-              <a:t>15/8/17</a:t>
+              <a:t>19/08/2017</a:t>
             </a:fld>
             <a:endParaRPr lang="en-AU"/>
           </a:p>
@@ -2010,7 +2014,7 @@
             <a:fld id="{1585DAA5-6BE2-467A-90B2-00E985D86198}" type="datetimeFigureOut">
               <a:rPr lang="en-AU" smtClean="0"/>
               <a:pPr/>
-              <a:t>15/8/17</a:t>
+              <a:t>19/08/2017</a:t>
             </a:fld>
             <a:endParaRPr lang="en-AU"/>
           </a:p>
@@ -2284,7 +2288,7 @@
             <a:fld id="{1585DAA5-6BE2-467A-90B2-00E985D86198}" type="datetimeFigureOut">
               <a:rPr lang="en-AU" smtClean="0"/>
               <a:pPr/>
-              <a:t>15/8/17</a:t>
+              <a:t>19/08/2017</a:t>
             </a:fld>
             <a:endParaRPr lang="en-AU"/>
           </a:p>
@@ -2534,7 +2538,7 @@
             <a:fld id="{1585DAA5-6BE2-467A-90B2-00E985D86198}" type="datetimeFigureOut">
               <a:rPr lang="en-AU" smtClean="0"/>
               <a:pPr/>
-              <a:t>15/8/17</a:t>
+              <a:t>19/08/2017</a:t>
             </a:fld>
             <a:endParaRPr lang="en-AU"/>
           </a:p>
@@ -2744,7 +2748,7 @@
             <a:fld id="{1585DAA5-6BE2-467A-90B2-00E985D86198}" type="datetimeFigureOut">
               <a:rPr lang="en-AU" smtClean="0"/>
               <a:pPr/>
-              <a:t>15/8/17</a:t>
+              <a:t>19/08/2017</a:t>
             </a:fld>
             <a:endParaRPr lang="en-AU"/>
           </a:p>
@@ -3149,13 +3153,8 @@
             </a:r>
             <a:r>
               <a:rPr lang="en-AU" sz="2000" dirty="0"/>
-              <a:t> – </a:t>
-            </a:r>
-            <a:r>
-              <a:rPr lang="en-AU" sz="2000" dirty="0" smtClean="0"/>
-              <a:t>Student</a:t>
-            </a:r>
-            <a:endParaRPr lang="en-AU" sz="2000" dirty="0"/>
+              <a:t> – Student</a:t>
+            </a:r>
           </a:p>
           <a:p>
             <a:pPr marL="0" indent="0">
@@ -3170,11 +3169,7 @@
             </a:r>
             <a:r>
               <a:rPr lang="en-AU" sz="2000" dirty="0"/>
-              <a:t> – </a:t>
-            </a:r>
-            <a:r>
-              <a:rPr lang="en-AU" sz="2000" dirty="0" smtClean="0"/>
-              <a:t>Tourist</a:t>
+              <a:t> – Tourist</a:t>
             </a:r>
           </a:p>
           <a:p>
@@ -3185,15 +3180,15 @@
               <a:buNone/>
             </a:pPr>
             <a:r>
-              <a:rPr lang="en-AU" sz="2000" u="sng" dirty="0" smtClean="0"/>
+              <a:rPr lang="en-AU" sz="2000" u="sng" dirty="0"/>
               <a:t>Role 3 </a:t>
             </a:r>
             <a:r>
-              <a:rPr lang="mr-IN" sz="2000" dirty="0" smtClean="0"/>
+              <a:rPr lang="mr-IN" sz="2000" dirty="0"/>
               <a:t>–</a:t>
             </a:r>
             <a:r>
-              <a:rPr lang="en-AU" sz="2000" dirty="0" smtClean="0"/>
+              <a:rPr lang="en-AU" sz="2000" dirty="0"/>
               <a:t> Businessmen</a:t>
             </a:r>
           </a:p>
@@ -3205,15 +3200,15 @@
               <a:buNone/>
             </a:pPr>
             <a:r>
-              <a:rPr lang="en-AU" sz="2000" u="sng" dirty="0" smtClean="0"/>
+              <a:rPr lang="en-AU" sz="2000" u="sng" dirty="0"/>
               <a:t>Role 4 </a:t>
             </a:r>
             <a:r>
-              <a:rPr lang="mr-IN" sz="2000" dirty="0" smtClean="0"/>
+              <a:rPr lang="mr-IN" sz="2000" dirty="0"/>
               <a:t>–</a:t>
             </a:r>
             <a:r>
-              <a:rPr lang="en-AU" sz="2000" dirty="0" smtClean="0"/>
+              <a:rPr lang="en-AU" sz="2000" dirty="0"/>
               <a:t> Administrator</a:t>
             </a:r>
           </a:p>
@@ -3358,21 +3353,8 @@
                   <a:schemeClr val="tx1"/>
                 </a:solidFill>
               </a:rPr>
-              <a:t>Story </a:t>
-            </a:r>
-            <a:r>
-              <a:rPr lang="en-AU" sz="2000" dirty="0" smtClean="0">
-                <a:solidFill>
-                  <a:schemeClr val="tx1"/>
-                </a:solidFill>
-              </a:rPr>
-              <a:t>ID 9</a:t>
-            </a:r>
-            <a:endParaRPr lang="en-AU" sz="2000" dirty="0">
-              <a:solidFill>
-                <a:schemeClr val="tx1"/>
-              </a:solidFill>
-            </a:endParaRPr>
+              <a:t>Story ID 9</a:t>
+            </a:r>
           </a:p>
         </p:txBody>
       </p:sp>
@@ -3420,10 +3402,9 @@
           <a:p>
             <a:pPr algn="ctr"/>
             <a:r>
-              <a:rPr lang="en-AU" sz="2800" dirty="0" smtClean="0"/>
+              <a:rPr lang="en-AU" sz="2800" dirty="0"/>
               <a:t>Events Page</a:t>
             </a:r>
-            <a:endParaRPr lang="en-AU" sz="2800" dirty="0"/>
           </a:p>
         </p:txBody>
       </p:sp>
@@ -3481,23 +3462,7 @@
                   <a:schemeClr val="tx1"/>
                 </a:solidFill>
               </a:rPr>
-              <a:t>As a </a:t>
-            </a:r>
-            <a:r>
-              <a:rPr lang="en-AU" sz="2400" dirty="0" smtClean="0">
-                <a:solidFill>
-                  <a:schemeClr val="tx1"/>
-                </a:solidFill>
-              </a:rPr>
-              <a:t>student </a:t>
-            </a:r>
-            <a:r>
-              <a:rPr lang="en-AU" sz="2400" dirty="0">
-                <a:solidFill>
-                  <a:schemeClr val="tx1"/>
-                </a:solidFill>
-              </a:rPr>
-              <a:t>I want to know about events happening in the city so that I can plan what I will do in my free time.</a:t>
+              <a:t>As a student I want to know about events happening in the city so that I can plan what I will do in my free time.</a:t>
             </a:r>
           </a:p>
         </p:txBody>
@@ -3638,18 +3603,13 @@
           <a:p>
             <a:pPr algn="ctr"/>
             <a:r>
-              <a:rPr lang="en-AU" sz="2000" dirty="0" smtClean="0">
+              <a:rPr lang="en-AU" sz="2000" dirty="0">
                 <a:solidFill>
                   <a:schemeClr val="tx1"/>
                 </a:solidFill>
               </a:rPr>
               <a:t>2</a:t>
             </a:r>
-            <a:endParaRPr lang="en-AU" sz="2000" dirty="0">
-              <a:solidFill>
-                <a:schemeClr val="tx1"/>
-              </a:solidFill>
-            </a:endParaRPr>
           </a:p>
         </p:txBody>
       </p:sp>
@@ -3773,7 +3733,7 @@
               <a:buChar char="•"/>
             </a:pPr>
             <a:r>
-              <a:rPr lang="en-AU" sz="2000" dirty="0">
+              <a:rPr lang="en-AU" dirty="0">
                 <a:solidFill>
                   <a:schemeClr val="tx1"/>
                 </a:solidFill>
@@ -3787,7 +3747,7 @@
               <a:buChar char="•"/>
             </a:pPr>
             <a:r>
-              <a:rPr lang="en-AU" sz="2000" dirty="0">
+              <a:rPr lang="en-AU" dirty="0">
                 <a:solidFill>
                   <a:schemeClr val="tx1"/>
                 </a:solidFill>
@@ -3801,12 +3761,26 @@
               <a:buChar char="•"/>
             </a:pPr>
             <a:r>
-              <a:rPr lang="en-AU" sz="2000" dirty="0">
+              <a:rPr lang="en-AU" dirty="0">
                 <a:solidFill>
                   <a:schemeClr val="tx1"/>
                 </a:solidFill>
               </a:rPr>
               <a:t>Maybe show events that are most relevant to students such as open days and drinking events</a:t>
+            </a:r>
+          </a:p>
+          <a:p>
+            <a:pPr marL="179388" indent="-179388">
+              <a:buFont typeface="Arial" pitchFamily="34" charset="0"/>
+              <a:buChar char="•"/>
+            </a:pPr>
+            <a:r>
+              <a:rPr lang="en-AU" dirty="0">
+                <a:solidFill>
+                  <a:schemeClr val="tx1"/>
+                </a:solidFill>
+              </a:rPr>
+              <a:t>Time to implement 4-6 hours</a:t>
             </a:r>
           </a:p>
           <a:p>
@@ -3906,21 +3880,8 @@
                   <a:schemeClr val="tx1"/>
                 </a:solidFill>
               </a:rPr>
-              <a:t>Story </a:t>
-            </a:r>
-            <a:r>
-              <a:rPr lang="en-AU" sz="2000" dirty="0" smtClean="0">
-                <a:solidFill>
-                  <a:schemeClr val="tx1"/>
-                </a:solidFill>
-              </a:rPr>
-              <a:t>ID 10</a:t>
-            </a:r>
-            <a:endParaRPr lang="en-AU" sz="2000" dirty="0">
-              <a:solidFill>
-                <a:schemeClr val="tx1"/>
-              </a:solidFill>
-            </a:endParaRPr>
+              <a:t>Story ID 10</a:t>
+            </a:r>
           </a:p>
         </p:txBody>
       </p:sp>
@@ -3968,10 +3929,9 @@
           <a:p>
             <a:pPr algn="ctr"/>
             <a:r>
-              <a:rPr lang="en-AU" sz="2800" dirty="0" smtClean="0"/>
+              <a:rPr lang="en-AU" sz="2800" dirty="0"/>
               <a:t>Colleges Web Links</a:t>
             </a:r>
-            <a:endParaRPr lang="en-AU" sz="2800" dirty="0"/>
           </a:p>
         </p:txBody>
       </p:sp>
@@ -4029,23 +3989,7 @@
                   <a:schemeClr val="tx1"/>
                 </a:solidFill>
               </a:rPr>
-              <a:t>As a </a:t>
-            </a:r>
-            <a:r>
-              <a:rPr lang="en-AU" sz="2400" dirty="0" smtClean="0">
-                <a:solidFill>
-                  <a:schemeClr val="tx1"/>
-                </a:solidFill>
-              </a:rPr>
-              <a:t>student </a:t>
-            </a:r>
-            <a:r>
-              <a:rPr lang="en-AU" sz="2400" dirty="0">
-                <a:solidFill>
-                  <a:schemeClr val="tx1"/>
-                </a:solidFill>
-              </a:rPr>
-              <a:t>I want a link to colleges website so that I can easily do more research about the college.</a:t>
+              <a:t>As a student I want a link to colleges website so that I can easily do more research about the college.</a:t>
             </a:r>
           </a:p>
         </p:txBody>
@@ -4172,18 +4116,13 @@
           <a:p>
             <a:pPr algn="ctr"/>
             <a:r>
-              <a:rPr lang="en-AU" sz="2000" dirty="0" smtClean="0">
+              <a:rPr lang="en-AU" sz="2000" dirty="0">
                 <a:solidFill>
                   <a:schemeClr val="tx1"/>
                 </a:solidFill>
               </a:rPr>
               <a:t>2</a:t>
             </a:r>
-            <a:endParaRPr lang="en-AU" sz="2000" dirty="0">
-              <a:solidFill>
-                <a:schemeClr val="tx1"/>
-              </a:solidFill>
-            </a:endParaRPr>
           </a:p>
         </p:txBody>
       </p:sp>
@@ -4430,21 +4369,8 @@
                   <a:schemeClr val="tx1"/>
                 </a:solidFill>
               </a:rPr>
-              <a:t>Story ID </a:t>
-            </a:r>
-            <a:r>
-              <a:rPr lang="en-AU" sz="2000" dirty="0" smtClean="0">
-                <a:solidFill>
-                  <a:schemeClr val="tx1"/>
-                </a:solidFill>
-              </a:rPr>
-              <a:t>11</a:t>
-            </a:r>
-            <a:endParaRPr lang="en-AU" sz="2000" dirty="0">
-              <a:solidFill>
-                <a:schemeClr val="tx1"/>
-              </a:solidFill>
-            </a:endParaRPr>
+              <a:t>Story ID 11</a:t>
+            </a:r>
           </a:p>
         </p:txBody>
       </p:sp>
@@ -4552,23 +4478,7 @@
                   <a:schemeClr val="tx1"/>
                 </a:solidFill>
               </a:rPr>
-              <a:t>As a </a:t>
-            </a:r>
-            <a:r>
-              <a:rPr lang="en-AU" sz="2400" dirty="0" smtClean="0">
-                <a:solidFill>
-                  <a:schemeClr val="tx1"/>
-                </a:solidFill>
-              </a:rPr>
-              <a:t>tourist, </a:t>
-            </a:r>
-            <a:r>
-              <a:rPr lang="en-AU" sz="2400" dirty="0">
-                <a:solidFill>
-                  <a:schemeClr val="tx1"/>
-                </a:solidFill>
-              </a:rPr>
-              <a:t>I want to be able to get information of the hotels in the city I am in so that I can make the necessary booking.</a:t>
+              <a:t>As a tourist, I want to be able to get information of the hotels in the city I am in so that I can make the necessary booking.</a:t>
             </a:r>
           </a:p>
         </p:txBody>
@@ -4709,18 +4619,13 @@
           <a:p>
             <a:pPr algn="ctr"/>
             <a:r>
-              <a:rPr lang="en-AU" sz="2000" dirty="0" smtClean="0">
+              <a:rPr lang="en-AU" sz="2000" dirty="0">
                 <a:solidFill>
                   <a:schemeClr val="tx1"/>
                 </a:solidFill>
               </a:rPr>
               <a:t>4</a:t>
             </a:r>
-            <a:endParaRPr lang="en-AU" sz="2000" dirty="0">
-              <a:solidFill>
-                <a:schemeClr val="tx1"/>
-              </a:solidFill>
-            </a:endParaRPr>
           </a:p>
         </p:txBody>
       </p:sp>
@@ -4967,21 +4872,8 @@
                   <a:schemeClr val="tx1"/>
                 </a:solidFill>
               </a:rPr>
-              <a:t>Story </a:t>
-            </a:r>
-            <a:r>
-              <a:rPr lang="en-AU" sz="2000" dirty="0" smtClean="0">
-                <a:solidFill>
-                  <a:schemeClr val="tx1"/>
-                </a:solidFill>
-              </a:rPr>
-              <a:t>ID 12</a:t>
-            </a:r>
-            <a:endParaRPr lang="en-AU" sz="2000" dirty="0">
-              <a:solidFill>
-                <a:schemeClr val="tx1"/>
-              </a:solidFill>
-            </a:endParaRPr>
+              <a:t>Story ID 12</a:t>
+            </a:r>
           </a:p>
         </p:txBody>
       </p:sp>
@@ -5089,23 +4981,7 @@
                   <a:schemeClr val="tx1"/>
                 </a:solidFill>
               </a:rPr>
-              <a:t>As a </a:t>
-            </a:r>
-            <a:r>
-              <a:rPr lang="en-AU" sz="2400" dirty="0" smtClean="0">
-                <a:solidFill>
-                  <a:schemeClr val="tx1"/>
-                </a:solidFill>
-              </a:rPr>
-              <a:t>tourist, </a:t>
-            </a:r>
-            <a:r>
-              <a:rPr lang="en-AU" sz="2400" dirty="0">
-                <a:solidFill>
-                  <a:schemeClr val="tx1"/>
-                </a:solidFill>
-              </a:rPr>
-              <a:t>I want the system to show me a map of the city I am in so that I can navigate myself towards selected hotels and places (Parks, Zoos, Museums, Malls, Restaurants)</a:t>
+              <a:t>As a tourist, I want the system to show me a map of the city I am in so that I can navigate myself towards selected hotels and places (Parks, Zoos, Museums, Malls, Restaurants)</a:t>
             </a:r>
           </a:p>
         </p:txBody>
@@ -5246,18 +5122,13 @@
           <a:p>
             <a:pPr algn="ctr"/>
             <a:r>
-              <a:rPr lang="en-AU" sz="2000" dirty="0" smtClean="0">
+              <a:rPr lang="en-AU" sz="2000" dirty="0">
                 <a:solidFill>
                   <a:schemeClr val="tx1"/>
                 </a:solidFill>
               </a:rPr>
               <a:t>3</a:t>
             </a:r>
-            <a:endParaRPr lang="en-AU" sz="2000" dirty="0">
-              <a:solidFill>
-                <a:schemeClr val="tx1"/>
-              </a:solidFill>
-            </a:endParaRPr>
           </a:p>
         </p:txBody>
       </p:sp>
@@ -5476,21 +5347,8 @@
                   <a:schemeClr val="tx1"/>
                 </a:solidFill>
               </a:rPr>
-              <a:t>Story ID </a:t>
-            </a:r>
-            <a:r>
-              <a:rPr lang="en-AU" sz="2000" dirty="0" smtClean="0">
-                <a:solidFill>
-                  <a:schemeClr val="tx1"/>
-                </a:solidFill>
-              </a:rPr>
-              <a:t>13</a:t>
-            </a:r>
-            <a:endParaRPr lang="en-AU" sz="2000" dirty="0">
-              <a:solidFill>
-                <a:schemeClr val="tx1"/>
-              </a:solidFill>
-            </a:endParaRPr>
+              <a:t>Story ID 13</a:t>
+            </a:r>
           </a:p>
         </p:txBody>
       </p:sp>
@@ -5598,23 +5456,7 @@
                   <a:schemeClr val="tx1"/>
                 </a:solidFill>
               </a:rPr>
-              <a:t>As a </a:t>
-            </a:r>
-            <a:r>
-              <a:rPr lang="en-AU" sz="2400" dirty="0" smtClean="0">
-                <a:solidFill>
-                  <a:schemeClr val="tx1"/>
-                </a:solidFill>
-              </a:rPr>
-              <a:t>tourist, I </a:t>
-            </a:r>
-            <a:r>
-              <a:rPr lang="en-AU" sz="2400" dirty="0">
-                <a:solidFill>
-                  <a:schemeClr val="tx1"/>
-                </a:solidFill>
-              </a:rPr>
-              <a:t>want the system to provide me with selected city information (Parks, zoos, museums, malls and restaurants) so that I can get the address, phone number and email of selected tourist sites.</a:t>
+              <a:t>As a tourist, I want the system to provide me with selected city information (Parks, zoos, museums, malls and restaurants) so that I can get the address, phone number and email of selected tourist sites.</a:t>
             </a:r>
           </a:p>
         </p:txBody>
@@ -5755,18 +5597,13 @@
           <a:p>
             <a:pPr algn="ctr"/>
             <a:r>
-              <a:rPr lang="en-AU" sz="2000" dirty="0" smtClean="0">
+              <a:rPr lang="en-AU" sz="2000" dirty="0">
                 <a:solidFill>
                   <a:schemeClr val="tx1"/>
                 </a:solidFill>
               </a:rPr>
               <a:t>3</a:t>
             </a:r>
-            <a:endParaRPr lang="en-AU" sz="2000" dirty="0">
-              <a:solidFill>
-                <a:schemeClr val="tx1"/>
-              </a:solidFill>
-            </a:endParaRPr>
           </a:p>
         </p:txBody>
       </p:sp>
@@ -5985,21 +5822,8 @@
                   <a:schemeClr val="tx1"/>
                 </a:solidFill>
               </a:rPr>
-              <a:t>Story ID </a:t>
-            </a:r>
-            <a:r>
-              <a:rPr lang="en-AU" sz="2000" dirty="0" smtClean="0">
-                <a:solidFill>
-                  <a:schemeClr val="tx1"/>
-                </a:solidFill>
-              </a:rPr>
-              <a:t>14</a:t>
-            </a:r>
-            <a:endParaRPr lang="en-AU" sz="2000" dirty="0">
-              <a:solidFill>
-                <a:schemeClr val="tx1"/>
-              </a:solidFill>
-            </a:endParaRPr>
+              <a:t>Story ID 14</a:t>
+            </a:r>
           </a:p>
         </p:txBody>
       </p:sp>
@@ -6107,39 +5931,7 @@
                   <a:schemeClr val="tx1"/>
                 </a:solidFill>
               </a:rPr>
-              <a:t>As a </a:t>
-            </a:r>
-            <a:r>
-              <a:rPr lang="en-AU" sz="2400" dirty="0" smtClean="0">
-                <a:solidFill>
-                  <a:schemeClr val="tx1"/>
-                </a:solidFill>
-              </a:rPr>
-              <a:t>tourist, </a:t>
-            </a:r>
-            <a:r>
-              <a:rPr lang="en-AU" sz="2400" dirty="0">
-                <a:solidFill>
-                  <a:schemeClr val="tx1"/>
-                </a:solidFill>
-              </a:rPr>
-              <a:t>I want the system to allow me to sign up </a:t>
-            </a:r>
-            <a:r>
-              <a:rPr lang="en-AU" sz="2400" dirty="0" smtClean="0">
-                <a:solidFill>
-                  <a:schemeClr val="tx1"/>
-                </a:solidFill>
-              </a:rPr>
-              <a:t>on the website as a new user, so </a:t>
-            </a:r>
-            <a:r>
-              <a:rPr lang="en-AU" sz="2400" dirty="0">
-                <a:solidFill>
-                  <a:schemeClr val="tx1"/>
-                </a:solidFill>
-              </a:rPr>
-              <a:t>I can access the website.</a:t>
+              <a:t>As a tourist, I want the system to allow me to sign up on the website as a new user, so I can access the website.</a:t>
             </a:r>
           </a:p>
         </p:txBody>
@@ -6294,18 +6086,13 @@
           <a:p>
             <a:pPr algn="ctr"/>
             <a:r>
-              <a:rPr lang="en-AU" sz="2000" dirty="0" smtClean="0">
+              <a:rPr lang="en-AU" sz="2000" dirty="0">
                 <a:solidFill>
                   <a:schemeClr val="tx1"/>
                 </a:solidFill>
               </a:rPr>
               <a:t>4</a:t>
             </a:r>
-            <a:endParaRPr lang="en-AU" sz="2000" dirty="0">
-              <a:solidFill>
-                <a:schemeClr val="tx1"/>
-              </a:solidFill>
-            </a:endParaRPr>
           </a:p>
         </p:txBody>
       </p:sp>
@@ -6550,21 +6337,8 @@
                   <a:schemeClr val="tx1"/>
                 </a:solidFill>
               </a:rPr>
-              <a:t>Story </a:t>
-            </a:r>
-            <a:r>
-              <a:rPr lang="en-AU" sz="2000" dirty="0" smtClean="0">
-                <a:solidFill>
-                  <a:schemeClr val="tx1"/>
-                </a:solidFill>
-              </a:rPr>
-              <a:t>ID 15</a:t>
-            </a:r>
-            <a:endParaRPr lang="en-AU" sz="2000" dirty="0">
-              <a:solidFill>
-                <a:schemeClr val="tx1"/>
-              </a:solidFill>
-            </a:endParaRPr>
+              <a:t>Story ID 15</a:t>
+            </a:r>
           </a:p>
         </p:txBody>
       </p:sp>
@@ -6672,23 +6446,7 @@
                   <a:schemeClr val="tx1"/>
                 </a:solidFill>
               </a:rPr>
-              <a:t>As a </a:t>
-            </a:r>
-            <a:r>
-              <a:rPr lang="en-AU" sz="2400" dirty="0" smtClean="0">
-                <a:solidFill>
-                  <a:schemeClr val="tx1"/>
-                </a:solidFill>
-              </a:rPr>
-              <a:t>tourist </a:t>
-            </a:r>
-            <a:r>
-              <a:rPr lang="en-AU" sz="2400" dirty="0">
-                <a:solidFill>
-                  <a:schemeClr val="tx1"/>
-                </a:solidFill>
-              </a:rPr>
-              <a:t>I want the system to log me in securely to the website using the username I have registered with.</a:t>
+              <a:t>As a tourist I want the system to log me in securely to the website using the username I have registered with.</a:t>
             </a:r>
           </a:p>
         </p:txBody>
@@ -6854,18 +6612,13 @@
           <a:p>
             <a:pPr algn="ctr"/>
             <a:r>
-              <a:rPr lang="en-AU" sz="2000" dirty="0" smtClean="0">
+              <a:rPr lang="en-AU" sz="2000" dirty="0">
                 <a:solidFill>
                   <a:schemeClr val="tx1"/>
                 </a:solidFill>
               </a:rPr>
               <a:t>2</a:t>
             </a:r>
-            <a:endParaRPr lang="en-AU" sz="2000" dirty="0">
-              <a:solidFill>
-                <a:schemeClr val="tx1"/>
-              </a:solidFill>
-            </a:endParaRPr>
           </a:p>
         </p:txBody>
       </p:sp>
@@ -7110,21 +6863,8 @@
                   <a:schemeClr val="tx1"/>
                 </a:solidFill>
               </a:rPr>
-              <a:t>Story ID </a:t>
-            </a:r>
-            <a:r>
-              <a:rPr lang="en-AU" sz="2000" dirty="0" smtClean="0">
-                <a:solidFill>
-                  <a:schemeClr val="tx1"/>
-                </a:solidFill>
-              </a:rPr>
-              <a:t>16</a:t>
-            </a:r>
-            <a:endParaRPr lang="en-AU" sz="2000" dirty="0">
-              <a:solidFill>
-                <a:schemeClr val="tx1"/>
-              </a:solidFill>
-            </a:endParaRPr>
+              <a:t>Story ID 16</a:t>
+            </a:r>
           </a:p>
         </p:txBody>
       </p:sp>
@@ -7232,23 +6972,7 @@
                   <a:schemeClr val="tx1"/>
                 </a:solidFill>
               </a:rPr>
-              <a:t>As a </a:t>
-            </a:r>
-            <a:r>
-              <a:rPr lang="en-AU" sz="2400" dirty="0" smtClean="0">
-                <a:solidFill>
-                  <a:schemeClr val="tx1"/>
-                </a:solidFill>
-              </a:rPr>
-              <a:t>tourist, </a:t>
-            </a:r>
-            <a:r>
-              <a:rPr lang="en-AU" sz="2400" dirty="0">
-                <a:solidFill>
-                  <a:schemeClr val="tx1"/>
-                </a:solidFill>
-              </a:rPr>
-              <a:t>I want my main page to show only hotels and city information so that I can search for what I need.</a:t>
+              <a:t>As a tourist, I want my main page to show only hotels and city information so that I can search for what I need.</a:t>
             </a:r>
           </a:p>
         </p:txBody>
@@ -7413,18 +7137,13 @@
           <a:p>
             <a:pPr algn="ctr"/>
             <a:r>
-              <a:rPr lang="en-AU" sz="2000" dirty="0" smtClean="0">
+              <a:rPr lang="en-AU" sz="2000" dirty="0">
                 <a:solidFill>
                   <a:schemeClr val="tx1"/>
                 </a:solidFill>
               </a:rPr>
               <a:t>1</a:t>
             </a:r>
-            <a:endParaRPr lang="en-AU" sz="2000" dirty="0">
-              <a:solidFill>
-                <a:schemeClr val="tx1"/>
-              </a:solidFill>
-            </a:endParaRPr>
           </a:p>
         </p:txBody>
       </p:sp>
@@ -7478,20 +7197,12 @@
           <a:p>
             <a:pPr algn="ctr"/>
             <a:r>
-              <a:rPr lang="en-AU" sz="2000" dirty="0" smtClean="0">
-                <a:solidFill>
-                  <a:schemeClr val="tx1"/>
-                </a:solidFill>
-              </a:rPr>
-              <a:t>   Must</a:t>
-            </a:r>
-            <a:r>
-              <a:rPr lang="en-AU" sz="2000" dirty="0">
-                <a:solidFill>
-                  <a:schemeClr val="tx1"/>
-                </a:solidFill>
-              </a:rPr>
-              <a:t>		</a:t>
+              <a:rPr lang="en-AU" sz="2000" dirty="0">
+                <a:solidFill>
+                  <a:schemeClr val="tx1"/>
+                </a:solidFill>
+              </a:rPr>
+              <a:t>   Must		</a:t>
             </a:r>
           </a:p>
         </p:txBody>
@@ -7691,21 +7402,8 @@
                   <a:schemeClr val="tx1"/>
                 </a:solidFill>
               </a:rPr>
-              <a:t>Story ID </a:t>
-            </a:r>
-            <a:r>
-              <a:rPr lang="en-AU" sz="2000" dirty="0" smtClean="0">
-                <a:solidFill>
-                  <a:schemeClr val="tx1"/>
-                </a:solidFill>
-              </a:rPr>
-              <a:t>17</a:t>
-            </a:r>
-            <a:endParaRPr lang="en-AU" sz="2000" dirty="0">
-              <a:solidFill>
-                <a:schemeClr val="tx1"/>
-              </a:solidFill>
-            </a:endParaRPr>
+              <a:t>Story ID 17</a:t>
+            </a:r>
           </a:p>
         </p:txBody>
       </p:sp>
@@ -7813,23 +7511,7 @@
                   <a:schemeClr val="tx1"/>
                 </a:solidFill>
               </a:rPr>
-              <a:t>As a </a:t>
-            </a:r>
-            <a:r>
-              <a:rPr lang="en-AU" sz="2400" dirty="0" smtClean="0">
-                <a:solidFill>
-                  <a:schemeClr val="tx1"/>
-                </a:solidFill>
-              </a:rPr>
-              <a:t>tourist, </a:t>
-            </a:r>
-            <a:r>
-              <a:rPr lang="en-AU" sz="2400" dirty="0">
-                <a:solidFill>
-                  <a:schemeClr val="tx1"/>
-                </a:solidFill>
-              </a:rPr>
-              <a:t>I want the system to allow me to change my city whenever I need to so that I can search for different places of interest in different cities</a:t>
+              <a:t>As a tourist, I want the system to allow me to change my city whenever I need to so that I can search for different places of interest in different cities</a:t>
             </a:r>
           </a:p>
         </p:txBody>
@@ -7981,18 +7663,13 @@
           <a:p>
             <a:pPr algn="ctr"/>
             <a:r>
-              <a:rPr lang="en-AU" sz="2000" dirty="0" smtClean="0">
+              <a:rPr lang="en-AU" sz="2000" dirty="0">
                 <a:solidFill>
                   <a:schemeClr val="tx1"/>
                 </a:solidFill>
               </a:rPr>
               <a:t>2</a:t>
             </a:r>
-            <a:endParaRPr lang="en-AU" sz="2000" dirty="0">
-              <a:solidFill>
-                <a:schemeClr val="tx1"/>
-              </a:solidFill>
-            </a:endParaRPr>
           </a:p>
         </p:txBody>
       </p:sp>
@@ -8237,21 +7914,8 @@
                   <a:schemeClr val="tx1"/>
                 </a:solidFill>
               </a:rPr>
-              <a:t>Story ID </a:t>
-            </a:r>
-            <a:r>
-              <a:rPr lang="en-AU" sz="2000" dirty="0" smtClean="0">
-                <a:solidFill>
-                  <a:schemeClr val="tx1"/>
-                </a:solidFill>
-              </a:rPr>
-              <a:t>18</a:t>
-            </a:r>
-            <a:endParaRPr lang="en-AU" sz="2000" dirty="0">
-              <a:solidFill>
-                <a:schemeClr val="tx1"/>
-              </a:solidFill>
-            </a:endParaRPr>
+              <a:t>Story ID 18</a:t>
+            </a:r>
           </a:p>
         </p:txBody>
       </p:sp>
@@ -8359,23 +8023,7 @@
                   <a:schemeClr val="tx1"/>
                 </a:solidFill>
               </a:rPr>
-              <a:t>As a </a:t>
-            </a:r>
-            <a:r>
-              <a:rPr lang="en-AU" sz="2400" dirty="0" smtClean="0">
-                <a:solidFill>
-                  <a:schemeClr val="tx1"/>
-                </a:solidFill>
-              </a:rPr>
-              <a:t>tourist, </a:t>
-            </a:r>
-            <a:r>
-              <a:rPr lang="en-AU" sz="2400" dirty="0">
-                <a:solidFill>
-                  <a:schemeClr val="tx1"/>
-                </a:solidFill>
-              </a:rPr>
-              <a:t>after logging into the website, I want to be able to log out after I am done so that my account will be secured when I am not using.</a:t>
+              <a:t>As a tourist, after logging into the website, I want to be able to log out after I am done so that my account will be secured when I am not using.</a:t>
             </a:r>
           </a:p>
         </p:txBody>
@@ -8516,18 +8164,13 @@
           <a:p>
             <a:pPr algn="ctr"/>
             <a:r>
-              <a:rPr lang="en-AU" sz="2000" dirty="0" smtClean="0">
+              <a:rPr lang="en-AU" sz="2000" dirty="0">
                 <a:solidFill>
                   <a:schemeClr val="tx1"/>
                 </a:solidFill>
               </a:rPr>
               <a:t>1</a:t>
             </a:r>
-            <a:endParaRPr lang="en-AU" sz="2000" dirty="0">
-              <a:solidFill>
-                <a:schemeClr val="tx1"/>
-              </a:solidFill>
-            </a:endParaRPr>
           </a:p>
         </p:txBody>
       </p:sp>
@@ -8772,21 +8415,8 @@
                   <a:schemeClr val="tx1"/>
                 </a:solidFill>
               </a:rPr>
-              <a:t>Story </a:t>
-            </a:r>
-            <a:r>
-              <a:rPr lang="en-AU" sz="2000" dirty="0" smtClean="0">
-                <a:solidFill>
-                  <a:schemeClr val="tx1"/>
-                </a:solidFill>
-              </a:rPr>
-              <a:t>ID 1</a:t>
-            </a:r>
-            <a:endParaRPr lang="en-AU" sz="2000" dirty="0">
-              <a:solidFill>
-                <a:schemeClr val="tx1"/>
-              </a:solidFill>
-            </a:endParaRPr>
+              <a:t>Story ID 1</a:t>
+            </a:r>
           </a:p>
         </p:txBody>
       </p:sp>
@@ -8835,13 +8465,8 @@
             <a:pPr algn="ctr"/>
             <a:r>
               <a:rPr lang="en-AU" sz="2800" dirty="0"/>
-              <a:t>Student </a:t>
-            </a:r>
-            <a:r>
-              <a:rPr lang="en-AU" sz="2800" dirty="0" smtClean="0"/>
-              <a:t>Discounts Page</a:t>
-            </a:r>
-            <a:endParaRPr lang="en-AU" sz="2800" dirty="0"/>
+              <a:t>Student Discounts Page</a:t>
+            </a:r>
           </a:p>
         </p:txBody>
       </p:sp>
@@ -8853,7 +8478,7 @@
         </p:nvSpPr>
         <p:spPr>
           <a:xfrm>
-            <a:off x="39153" y="822470"/>
+            <a:off x="39153" y="832409"/>
             <a:ext cx="9828000" cy="2340000"/>
           </a:xfrm>
           <a:prstGeom prst="rect">
@@ -8975,186 +8600,6 @@
               <a:t> After Student login it can list places where discounts are available in city information Tab</a:t>
             </a:r>
           </a:p>
-        </p:txBody>
-      </p:sp>
-      <p:sp>
-        <p:nvSpPr>
-          <p:cNvPr id="11" name="Rectangle 10"/>
-          <p:cNvSpPr/>
-          <p:nvPr/>
-        </p:nvSpPr>
-        <p:spPr>
-          <a:xfrm>
-            <a:off x="9147153" y="109410"/>
-            <a:ext cx="720000" cy="540000"/>
-          </a:xfrm>
-          <a:prstGeom prst="rect">
-            <a:avLst/>
-          </a:prstGeom>
-          <a:solidFill>
-            <a:srgbClr val="CCF0CD">
-              <a:alpha val="20000"/>
-            </a:srgbClr>
-          </a:solidFill>
-          <a:ln>
-            <a:solidFill>
-              <a:schemeClr val="accent1">
-                <a:lumMod val="50000"/>
-              </a:schemeClr>
-            </a:solidFill>
-          </a:ln>
-        </p:spPr>
-        <p:style>
-          <a:lnRef idx="2">
-            <a:schemeClr val="accent1">
-              <a:shade val="50000"/>
-            </a:schemeClr>
-          </a:lnRef>
-          <a:fillRef idx="1">
-            <a:schemeClr val="accent1"/>
-          </a:fillRef>
-          <a:effectRef idx="0">
-            <a:schemeClr val="accent1"/>
-          </a:effectRef>
-          <a:fontRef idx="minor">
-            <a:schemeClr val="lt1"/>
-          </a:fontRef>
-        </p:style>
-        <p:txBody>
-          <a:bodyPr wrap="square" lIns="0" rIns="0" rtlCol="0" anchor="ctr"/>
-          <a:lstStyle/>
-          <a:p>
-            <a:pPr algn="ctr"/>
-            <a:r>
-              <a:rPr lang="en-AU" sz="2000" dirty="0" smtClean="0">
-                <a:solidFill>
-                  <a:schemeClr val="tx1"/>
-                </a:solidFill>
-              </a:rPr>
-              <a:t>2</a:t>
-            </a:r>
-            <a:endParaRPr lang="en-AU" sz="2000" dirty="0">
-              <a:solidFill>
-                <a:schemeClr val="tx1"/>
-              </a:solidFill>
-            </a:endParaRPr>
-          </a:p>
-        </p:txBody>
-      </p:sp>
-      <p:sp>
-        <p:nvSpPr>
-          <p:cNvPr id="12" name="Rectangle 11"/>
-          <p:cNvSpPr/>
-          <p:nvPr/>
-        </p:nvSpPr>
-        <p:spPr>
-          <a:xfrm>
-            <a:off x="8283153" y="109410"/>
-            <a:ext cx="792000" cy="540000"/>
-          </a:xfrm>
-          <a:prstGeom prst="rect">
-            <a:avLst/>
-          </a:prstGeom>
-          <a:solidFill>
-            <a:schemeClr val="accent4">
-              <a:lumMod val="20000"/>
-              <a:lumOff val="80000"/>
-            </a:schemeClr>
-          </a:solidFill>
-          <a:ln>
-            <a:solidFill>
-              <a:schemeClr val="accent1">
-                <a:lumMod val="50000"/>
-              </a:schemeClr>
-            </a:solidFill>
-          </a:ln>
-        </p:spPr>
-        <p:style>
-          <a:lnRef idx="2">
-            <a:schemeClr val="accent1">
-              <a:shade val="50000"/>
-            </a:schemeClr>
-          </a:lnRef>
-          <a:fillRef idx="1">
-            <a:schemeClr val="accent1"/>
-          </a:fillRef>
-          <a:effectRef idx="0">
-            <a:schemeClr val="accent1"/>
-          </a:effectRef>
-          <a:fontRef idx="minor">
-            <a:schemeClr val="lt1"/>
-          </a:fontRef>
-        </p:style>
-        <p:txBody>
-          <a:bodyPr wrap="none" lIns="0" rIns="0" rtlCol="0" anchor="ctr"/>
-          <a:lstStyle/>
-          <a:p>
-            <a:pPr algn="ctr"/>
-            <a:r>
-              <a:rPr lang="en-AU" sz="2000" dirty="0">
-                <a:solidFill>
-                  <a:schemeClr val="tx1"/>
-                </a:solidFill>
-              </a:rPr>
-              <a:t>Must</a:t>
-            </a:r>
-          </a:p>
-        </p:txBody>
-      </p:sp>
-      <p:sp>
-        <p:nvSpPr>
-          <p:cNvPr id="13" name="Rectangle 12"/>
-          <p:cNvSpPr/>
-          <p:nvPr/>
-        </p:nvSpPr>
-        <p:spPr>
-          <a:xfrm>
-            <a:off x="39153" y="5128590"/>
-            <a:ext cx="9828000" cy="1620000"/>
-          </a:xfrm>
-          <a:prstGeom prst="rect">
-            <a:avLst/>
-          </a:prstGeom>
-          <a:solidFill>
-            <a:schemeClr val="bg1"/>
-          </a:solidFill>
-          <a:ln>
-            <a:solidFill>
-              <a:schemeClr val="accent1">
-                <a:lumMod val="50000"/>
-              </a:schemeClr>
-            </a:solidFill>
-          </a:ln>
-        </p:spPr>
-        <p:style>
-          <a:lnRef idx="2">
-            <a:schemeClr val="accent1">
-              <a:shade val="50000"/>
-            </a:schemeClr>
-          </a:lnRef>
-          <a:fillRef idx="1">
-            <a:schemeClr val="accent1"/>
-          </a:fillRef>
-          <a:effectRef idx="0">
-            <a:schemeClr val="accent1"/>
-          </a:effectRef>
-          <a:fontRef idx="minor">
-            <a:schemeClr val="lt1"/>
-          </a:fontRef>
-        </p:style>
-        <p:txBody>
-          <a:bodyPr tIns="36000" rtlCol="0" anchor="t" anchorCtr="0"/>
-          <a:lstStyle/>
-          <a:p>
-            <a:r>
-              <a:rPr lang="en-AU" sz="2000" dirty="0">
-                <a:solidFill>
-                  <a:schemeClr val="tx1"/>
-                </a:solidFill>
-              </a:rPr>
-              <a:t>Notes</a:t>
-            </a:r>
-          </a:p>
           <a:p>
             <a:pPr marL="179388" indent="-179388">
               <a:buFont typeface="Arial" pitchFamily="34" charset="0"/>
@@ -9166,7 +8611,182 @@
                   <a:schemeClr val="tx1"/>
                 </a:solidFill>
               </a:rPr>
-              <a:t> This could be added through the administration login</a:t>
+              <a:t>This is feasible within time limits (in scope)</a:t>
+            </a:r>
+          </a:p>
+        </p:txBody>
+      </p:sp>
+      <p:sp>
+        <p:nvSpPr>
+          <p:cNvPr id="11" name="Rectangle 10"/>
+          <p:cNvSpPr/>
+          <p:nvPr/>
+        </p:nvSpPr>
+        <p:spPr>
+          <a:xfrm>
+            <a:off x="9147153" y="109410"/>
+            <a:ext cx="720000" cy="540000"/>
+          </a:xfrm>
+          <a:prstGeom prst="rect">
+            <a:avLst/>
+          </a:prstGeom>
+          <a:solidFill>
+            <a:srgbClr val="CCF0CD">
+              <a:alpha val="20000"/>
+            </a:srgbClr>
+          </a:solidFill>
+          <a:ln>
+            <a:solidFill>
+              <a:schemeClr val="accent1">
+                <a:lumMod val="50000"/>
+              </a:schemeClr>
+            </a:solidFill>
+          </a:ln>
+        </p:spPr>
+        <p:style>
+          <a:lnRef idx="2">
+            <a:schemeClr val="accent1">
+              <a:shade val="50000"/>
+            </a:schemeClr>
+          </a:lnRef>
+          <a:fillRef idx="1">
+            <a:schemeClr val="accent1"/>
+          </a:fillRef>
+          <a:effectRef idx="0">
+            <a:schemeClr val="accent1"/>
+          </a:effectRef>
+          <a:fontRef idx="minor">
+            <a:schemeClr val="lt1"/>
+          </a:fontRef>
+        </p:style>
+        <p:txBody>
+          <a:bodyPr wrap="square" lIns="0" rIns="0" rtlCol="0" anchor="ctr"/>
+          <a:lstStyle/>
+          <a:p>
+            <a:pPr algn="ctr"/>
+            <a:r>
+              <a:rPr lang="en-AU" sz="2000" dirty="0">
+                <a:solidFill>
+                  <a:schemeClr val="tx1"/>
+                </a:solidFill>
+              </a:rPr>
+              <a:t>2</a:t>
+            </a:r>
+          </a:p>
+        </p:txBody>
+      </p:sp>
+      <p:sp>
+        <p:nvSpPr>
+          <p:cNvPr id="12" name="Rectangle 11"/>
+          <p:cNvSpPr/>
+          <p:nvPr/>
+        </p:nvSpPr>
+        <p:spPr>
+          <a:xfrm>
+            <a:off x="8283153" y="109410"/>
+            <a:ext cx="792000" cy="540000"/>
+          </a:xfrm>
+          <a:prstGeom prst="rect">
+            <a:avLst/>
+          </a:prstGeom>
+          <a:solidFill>
+            <a:schemeClr val="accent4">
+              <a:lumMod val="20000"/>
+              <a:lumOff val="80000"/>
+            </a:schemeClr>
+          </a:solidFill>
+          <a:ln>
+            <a:solidFill>
+              <a:schemeClr val="accent1">
+                <a:lumMod val="50000"/>
+              </a:schemeClr>
+            </a:solidFill>
+          </a:ln>
+        </p:spPr>
+        <p:style>
+          <a:lnRef idx="2">
+            <a:schemeClr val="accent1">
+              <a:shade val="50000"/>
+            </a:schemeClr>
+          </a:lnRef>
+          <a:fillRef idx="1">
+            <a:schemeClr val="accent1"/>
+          </a:fillRef>
+          <a:effectRef idx="0">
+            <a:schemeClr val="accent1"/>
+          </a:effectRef>
+          <a:fontRef idx="minor">
+            <a:schemeClr val="lt1"/>
+          </a:fontRef>
+        </p:style>
+        <p:txBody>
+          <a:bodyPr wrap="none" lIns="0" rIns="0" rtlCol="0" anchor="ctr"/>
+          <a:lstStyle/>
+          <a:p>
+            <a:pPr algn="ctr"/>
+            <a:r>
+              <a:rPr lang="en-AU" sz="2000" dirty="0">
+                <a:solidFill>
+                  <a:schemeClr val="tx1"/>
+                </a:solidFill>
+              </a:rPr>
+              <a:t>Could</a:t>
+            </a:r>
+          </a:p>
+        </p:txBody>
+      </p:sp>
+      <p:sp>
+        <p:nvSpPr>
+          <p:cNvPr id="13" name="Rectangle 12"/>
+          <p:cNvSpPr/>
+          <p:nvPr/>
+        </p:nvSpPr>
+        <p:spPr>
+          <a:xfrm>
+            <a:off x="39153" y="5128590"/>
+            <a:ext cx="9828000" cy="1620000"/>
+          </a:xfrm>
+          <a:prstGeom prst="rect">
+            <a:avLst/>
+          </a:prstGeom>
+          <a:solidFill>
+            <a:schemeClr val="bg1"/>
+          </a:solidFill>
+          <a:ln>
+            <a:solidFill>
+              <a:schemeClr val="accent1">
+                <a:lumMod val="50000"/>
+              </a:schemeClr>
+            </a:solidFill>
+          </a:ln>
+        </p:spPr>
+        <p:style>
+          <a:lnRef idx="2">
+            <a:schemeClr val="accent1">
+              <a:shade val="50000"/>
+            </a:schemeClr>
+          </a:lnRef>
+          <a:fillRef idx="1">
+            <a:schemeClr val="accent1"/>
+          </a:fillRef>
+          <a:effectRef idx="0">
+            <a:schemeClr val="accent1"/>
+          </a:effectRef>
+          <a:fontRef idx="minor">
+            <a:schemeClr val="lt1"/>
+          </a:fontRef>
+        </p:style>
+        <p:txBody>
+          <a:bodyPr tIns="36000" rtlCol="0" anchor="t" anchorCtr="0"/>
+          <a:lstStyle/>
+          <a:p>
+            <a:r>
+              <a:rPr lang="en-AU" sz="2000" dirty="0">
+                <a:solidFill>
+                  <a:schemeClr val="tx1"/>
+                </a:solidFill>
+              </a:rPr>
+              <a:t>Notes</a:t>
             </a:r>
           </a:p>
           <a:p>
@@ -9180,7 +8800,35 @@
                   <a:schemeClr val="tx1"/>
                 </a:solidFill>
               </a:rPr>
-              <a:t>Time for Implementation 4 hours. </a:t>
+              <a:t> This could be added through the administration login</a:t>
+            </a:r>
+          </a:p>
+          <a:p>
+            <a:pPr marL="179388" indent="-179388">
+              <a:buFont typeface="Arial" pitchFamily="34" charset="0"/>
+              <a:buChar char="•"/>
+            </a:pPr>
+            <a:r>
+              <a:rPr lang="en-AU" sz="2000" dirty="0">
+                <a:solidFill>
+                  <a:schemeClr val="tx1"/>
+                </a:solidFill>
+              </a:rPr>
+              <a:t>Time for Implementation 2-4 hours. </a:t>
+            </a:r>
+          </a:p>
+          <a:p>
+            <a:pPr marL="179388" indent="-179388">
+              <a:buFont typeface="Arial" pitchFamily="34" charset="0"/>
+              <a:buChar char="•"/>
+            </a:pPr>
+            <a:r>
+              <a:rPr lang="en-AU" sz="2000" dirty="0">
+                <a:solidFill>
+                  <a:schemeClr val="tx1"/>
+                </a:solidFill>
+              </a:rPr>
+              <a:t>Or if to hard to implement could just have a link to site with discounts already listed</a:t>
             </a:r>
           </a:p>
         </p:txBody>
@@ -9265,21 +8913,8 @@
                   <a:schemeClr val="tx1"/>
                 </a:solidFill>
               </a:rPr>
-              <a:t>Story ID </a:t>
-            </a:r>
-            <a:r>
-              <a:rPr lang="en-AU" sz="2000" dirty="0" smtClean="0">
-                <a:solidFill>
-                  <a:schemeClr val="tx1"/>
-                </a:solidFill>
-              </a:rPr>
-              <a:t>19</a:t>
-            </a:r>
-            <a:endParaRPr lang="en-AU" sz="2000" dirty="0">
-              <a:solidFill>
-                <a:schemeClr val="tx1"/>
-              </a:solidFill>
-            </a:endParaRPr>
+              <a:t>Story ID 19</a:t>
+            </a:r>
           </a:p>
         </p:txBody>
       </p:sp>
@@ -9387,23 +9022,7 @@
                   <a:schemeClr val="tx1"/>
                 </a:solidFill>
               </a:rPr>
-              <a:t>As a tourist, I want the website to </a:t>
-            </a:r>
-            <a:r>
-              <a:rPr lang="en-AU" sz="2400" dirty="0" smtClean="0">
-                <a:solidFill>
-                  <a:schemeClr val="tx1"/>
-                </a:solidFill>
-              </a:rPr>
-              <a:t>show me the nearest </a:t>
-            </a:r>
-            <a:r>
-              <a:rPr lang="en-AU" sz="2400" dirty="0">
-                <a:solidFill>
-                  <a:schemeClr val="tx1"/>
-                </a:solidFill>
-              </a:rPr>
-              <a:t>route from my current location to my selected destination.</a:t>
+              <a:t>As a tourist, I want the website to show me the nearest route from my current location to my selected destination.</a:t>
             </a:r>
           </a:p>
         </p:txBody>
@@ -9569,18 +9188,13 @@
           <a:p>
             <a:pPr algn="ctr"/>
             <a:r>
-              <a:rPr lang="en-AU" sz="2000" dirty="0" smtClean="0">
+              <a:rPr lang="en-AU" sz="2000" dirty="0">
                 <a:solidFill>
                   <a:schemeClr val="tx1"/>
                 </a:solidFill>
               </a:rPr>
               <a:t>4</a:t>
             </a:r>
-            <a:endParaRPr lang="en-AU" sz="2000" dirty="0">
-              <a:solidFill>
-                <a:schemeClr val="tx1"/>
-              </a:solidFill>
-            </a:endParaRPr>
           </a:p>
         </p:txBody>
       </p:sp>
@@ -9839,21 +9453,8 @@
                   <a:schemeClr val="tx1"/>
                 </a:solidFill>
               </a:rPr>
-              <a:t>Story ID </a:t>
-            </a:r>
-            <a:r>
-              <a:rPr lang="en-AU" sz="2000" dirty="0" smtClean="0">
-                <a:solidFill>
-                  <a:schemeClr val="tx1"/>
-                </a:solidFill>
-              </a:rPr>
-              <a:t>20</a:t>
-            </a:r>
-            <a:endParaRPr lang="en-AU" sz="2000" dirty="0">
-              <a:solidFill>
-                <a:schemeClr val="tx1"/>
-              </a:solidFill>
-            </a:endParaRPr>
+              <a:t>Story ID 20</a:t>
+            </a:r>
           </a:p>
         </p:txBody>
       </p:sp>
@@ -10113,18 +9714,13 @@
           <a:p>
             <a:pPr algn="ctr"/>
             <a:r>
-              <a:rPr lang="en-AU" sz="2000" dirty="0" smtClean="0">
+              <a:rPr lang="en-AU" sz="2000" dirty="0">
                 <a:solidFill>
                   <a:schemeClr val="tx1"/>
                 </a:solidFill>
               </a:rPr>
               <a:t>4</a:t>
             </a:r>
-            <a:endParaRPr lang="en-AU" sz="2000" dirty="0">
-              <a:solidFill>
-                <a:schemeClr val="tx1"/>
-              </a:solidFill>
-            </a:endParaRPr>
           </a:p>
         </p:txBody>
       </p:sp>
@@ -10369,21 +9965,8 @@
                   <a:schemeClr val="tx1"/>
                 </a:solidFill>
               </a:rPr>
-              <a:t>Story ID </a:t>
-            </a:r>
-            <a:r>
-              <a:rPr lang="en-AU" sz="2000" dirty="0" smtClean="0">
-                <a:solidFill>
-                  <a:schemeClr val="tx1"/>
-                </a:solidFill>
-              </a:rPr>
-              <a:t>21</a:t>
-            </a:r>
-            <a:endParaRPr lang="en-AU" sz="2000" dirty="0">
-              <a:solidFill>
-                <a:schemeClr val="tx1"/>
-              </a:solidFill>
-            </a:endParaRPr>
+              <a:t>Story ID 21</a:t>
+            </a:r>
           </a:p>
         </p:txBody>
       </p:sp>
@@ -10431,10 +10014,9 @@
           <a:p>
             <a:pPr algn="ctr"/>
             <a:r>
-              <a:rPr lang="en-AU" sz="2800" dirty="0" smtClean="0"/>
+              <a:rPr lang="en-AU" sz="2800" dirty="0"/>
               <a:t>Create New Account</a:t>
             </a:r>
-            <a:endParaRPr lang="en-AU" sz="2800" dirty="0"/>
           </a:p>
         </p:txBody>
       </p:sp>
@@ -10487,7 +10069,7 @@
           <a:lstStyle/>
           <a:p>
             <a:r>
-              <a:rPr lang="en-AU" sz="2400" dirty="0" smtClean="0">
+              <a:rPr lang="en-AU" sz="2400" dirty="0">
                 <a:solidFill>
                   <a:schemeClr val="tx1"/>
                 </a:solidFill>
@@ -10552,7 +10134,7 @@
           <a:lstStyle/>
           <a:p>
             <a:r>
-              <a:rPr lang="en-AU" sz="2000" dirty="0" smtClean="0">
+              <a:rPr lang="en-AU" sz="2000" dirty="0">
                 <a:solidFill>
                   <a:schemeClr val="tx1"/>
                 </a:solidFill>
@@ -10566,7 +10148,7 @@
               <a:buChar char="•"/>
             </a:pPr>
             <a:r>
-              <a:rPr lang="en-AU" sz="2000" dirty="0" smtClean="0">
+              <a:rPr lang="en-AU" sz="2000" dirty="0">
                 <a:solidFill>
                   <a:schemeClr val="tx1"/>
                 </a:solidFill>
@@ -10580,7 +10162,7 @@
               <a:buChar char="•"/>
             </a:pPr>
             <a:r>
-              <a:rPr lang="en-AU" sz="2000" dirty="0" smtClean="0">
+              <a:rPr lang="en-AU" sz="2000" dirty="0">
                 <a:solidFill>
                   <a:schemeClr val="tx1"/>
                 </a:solidFill>
@@ -10639,18 +10221,13 @@
           <a:p>
             <a:pPr algn="ctr"/>
             <a:r>
-              <a:rPr lang="en-AU" sz="2000" dirty="0" smtClean="0">
+              <a:rPr lang="en-AU" sz="2000" dirty="0">
                 <a:solidFill>
                   <a:schemeClr val="tx1"/>
                 </a:solidFill>
               </a:rPr>
               <a:t>4</a:t>
             </a:r>
-            <a:endParaRPr lang="en-AU" sz="2000" dirty="0">
-              <a:solidFill>
-                <a:schemeClr val="tx1"/>
-              </a:solidFill>
-            </a:endParaRPr>
           </a:p>
         </p:txBody>
       </p:sp>
@@ -10704,18 +10281,13 @@
           <a:p>
             <a:pPr algn="ctr"/>
             <a:r>
-              <a:rPr lang="en-AU" sz="2000" dirty="0" smtClean="0">
+              <a:rPr lang="en-AU" sz="2000" dirty="0">
                 <a:solidFill>
                   <a:schemeClr val="tx1"/>
                 </a:solidFill>
               </a:rPr>
               <a:t>Must</a:t>
             </a:r>
-            <a:endParaRPr lang="en-AU" sz="2000" dirty="0">
-              <a:solidFill>
-                <a:schemeClr val="tx1"/>
-              </a:solidFill>
-            </a:endParaRPr>
           </a:p>
         </p:txBody>
       </p:sp>
@@ -10765,7 +10337,7 @@
           <a:lstStyle/>
           <a:p>
             <a:r>
-              <a:rPr lang="en-AU" sz="2000" dirty="0" smtClean="0">
+              <a:rPr lang="en-AU" sz="2000" dirty="0">
                 <a:solidFill>
                   <a:schemeClr val="tx1"/>
                 </a:solidFill>
@@ -10779,18 +10351,13 @@
               <a:buChar char="•"/>
             </a:pPr>
             <a:r>
-              <a:rPr lang="en-AU" sz="2000" dirty="0" smtClean="0">
+              <a:rPr lang="en-AU" sz="2000" dirty="0">
                 <a:solidFill>
                   <a:schemeClr val="tx1"/>
                 </a:solidFill>
               </a:rPr>
               <a:t> </a:t>
             </a:r>
-            <a:endParaRPr lang="en-AU" sz="2000" dirty="0">
-              <a:solidFill>
-                <a:schemeClr val="tx1"/>
-              </a:solidFill>
-            </a:endParaRPr>
           </a:p>
         </p:txBody>
       </p:sp>
@@ -10879,21 +10446,8 @@
                   <a:schemeClr val="tx1"/>
                 </a:solidFill>
               </a:rPr>
-              <a:t>Story ID </a:t>
-            </a:r>
-            <a:r>
-              <a:rPr lang="en-AU" sz="2000" dirty="0" smtClean="0">
-                <a:solidFill>
-                  <a:schemeClr val="tx1"/>
-                </a:solidFill>
-              </a:rPr>
-              <a:t>22</a:t>
-            </a:r>
-            <a:endParaRPr lang="en-AU" sz="2000" dirty="0">
-              <a:solidFill>
-                <a:schemeClr val="tx1"/>
-              </a:solidFill>
-            </a:endParaRPr>
+              <a:t>Story ID 22</a:t>
+            </a:r>
           </a:p>
         </p:txBody>
       </p:sp>
@@ -10941,10 +10495,9 @@
           <a:p>
             <a:pPr algn="ctr"/>
             <a:r>
-              <a:rPr lang="en-AU" sz="2800" dirty="0" smtClean="0"/>
+              <a:rPr lang="en-AU" sz="2800" dirty="0"/>
               <a:t>Businessmen Information Access</a:t>
             </a:r>
-            <a:endParaRPr lang="en-AU" sz="2800" dirty="0"/>
           </a:p>
         </p:txBody>
       </p:sp>
@@ -10997,18 +10550,13 @@
           <a:lstStyle/>
           <a:p>
             <a:r>
-              <a:rPr lang="en-AU" sz="2400" dirty="0" smtClean="0">
+              <a:rPr lang="en-AU" sz="2400" dirty="0">
                 <a:solidFill>
                   <a:schemeClr val="tx1"/>
                 </a:solidFill>
               </a:rPr>
               <a:t>As a businessman, I want to be able to access city information, business and hotel information to aid my stay in the city.</a:t>
             </a:r>
-            <a:endParaRPr lang="en-AU" sz="2400" dirty="0">
-              <a:solidFill>
-                <a:schemeClr val="tx1"/>
-              </a:solidFill>
-            </a:endParaRPr>
           </a:p>
         </p:txBody>
       </p:sp>
@@ -11061,7 +10609,7 @@
           <a:lstStyle/>
           <a:p>
             <a:r>
-              <a:rPr lang="en-AU" sz="2000" dirty="0" smtClean="0">
+              <a:rPr lang="en-AU" sz="2000" dirty="0">
                 <a:solidFill>
                   <a:schemeClr val="tx1"/>
                 </a:solidFill>
@@ -11075,7 +10623,7 @@
               <a:buChar char="•"/>
             </a:pPr>
             <a:r>
-              <a:rPr lang="en-AU" sz="2000" dirty="0" smtClean="0">
+              <a:rPr lang="en-AU" sz="2000" dirty="0">
                 <a:solidFill>
                   <a:schemeClr val="tx1"/>
                 </a:solidFill>
@@ -11134,18 +10682,13 @@
           <a:p>
             <a:pPr algn="ctr"/>
             <a:r>
-              <a:rPr lang="en-AU" sz="2000" dirty="0" smtClean="0">
+              <a:rPr lang="en-AU" sz="2000" dirty="0">
                 <a:solidFill>
                   <a:schemeClr val="tx1"/>
                 </a:solidFill>
               </a:rPr>
               <a:t>2</a:t>
             </a:r>
-            <a:endParaRPr lang="en-AU" sz="2000" dirty="0">
-              <a:solidFill>
-                <a:schemeClr val="tx1"/>
-              </a:solidFill>
-            </a:endParaRPr>
           </a:p>
         </p:txBody>
       </p:sp>
@@ -11199,18 +10742,13 @@
           <a:p>
             <a:pPr algn="ctr"/>
             <a:r>
-              <a:rPr lang="en-AU" sz="2000" dirty="0" smtClean="0">
+              <a:rPr lang="en-AU" sz="2000" dirty="0">
                 <a:solidFill>
                   <a:schemeClr val="tx1"/>
                 </a:solidFill>
               </a:rPr>
               <a:t>Must</a:t>
             </a:r>
-            <a:endParaRPr lang="en-AU" sz="2000" dirty="0">
-              <a:solidFill>
-                <a:schemeClr val="tx1"/>
-              </a:solidFill>
-            </a:endParaRPr>
           </a:p>
         </p:txBody>
       </p:sp>
@@ -11260,7 +10798,7 @@
           <a:lstStyle/>
           <a:p>
             <a:r>
-              <a:rPr lang="en-AU" sz="2000" dirty="0" smtClean="0">
+              <a:rPr lang="en-AU" sz="2000" dirty="0">
                 <a:solidFill>
                   <a:schemeClr val="tx1"/>
                 </a:solidFill>
@@ -11274,18 +10812,13 @@
               <a:buChar char="•"/>
             </a:pPr>
             <a:r>
-              <a:rPr lang="en-AU" sz="2000" dirty="0" smtClean="0">
+              <a:rPr lang="en-AU" sz="2000" dirty="0">
                 <a:solidFill>
                   <a:schemeClr val="tx1"/>
                 </a:solidFill>
               </a:rPr>
               <a:t> </a:t>
             </a:r>
-            <a:endParaRPr lang="en-AU" sz="2000" dirty="0">
-              <a:solidFill>
-                <a:schemeClr val="tx1"/>
-              </a:solidFill>
-            </a:endParaRPr>
           </a:p>
         </p:txBody>
       </p:sp>
@@ -11374,15 +10907,314 @@
                   <a:schemeClr val="tx1"/>
                 </a:solidFill>
               </a:rPr>
-              <a:t>Story ID </a:t>
-            </a:r>
-            <a:r>
-              <a:rPr lang="en-AU" sz="2000" dirty="0" smtClean="0">
-                <a:solidFill>
-                  <a:schemeClr val="tx1"/>
-                </a:solidFill>
-              </a:rPr>
-              <a:t>23</a:t>
+              <a:t>Story ID 23</a:t>
+            </a:r>
+          </a:p>
+        </p:txBody>
+      </p:sp>
+      <p:sp>
+        <p:nvSpPr>
+          <p:cNvPr id="6" name="Rectangle 5"/>
+          <p:cNvSpPr/>
+          <p:nvPr/>
+        </p:nvSpPr>
+        <p:spPr>
+          <a:xfrm>
+            <a:off x="831153" y="109410"/>
+            <a:ext cx="7380000" cy="540000"/>
+          </a:xfrm>
+          <a:prstGeom prst="rect">
+            <a:avLst/>
+          </a:prstGeom>
+          <a:ln>
+            <a:solidFill>
+              <a:schemeClr val="accent1">
+                <a:lumMod val="50000"/>
+              </a:schemeClr>
+            </a:solidFill>
+          </a:ln>
+        </p:spPr>
+        <p:style>
+          <a:lnRef idx="2">
+            <a:schemeClr val="accent1">
+              <a:shade val="50000"/>
+            </a:schemeClr>
+          </a:lnRef>
+          <a:fillRef idx="1">
+            <a:schemeClr val="accent1"/>
+          </a:fillRef>
+          <a:effectRef idx="0">
+            <a:schemeClr val="accent1"/>
+          </a:effectRef>
+          <a:fontRef idx="minor">
+            <a:schemeClr val="lt1"/>
+          </a:fontRef>
+        </p:style>
+        <p:txBody>
+          <a:bodyPr rtlCol="0" anchor="ctr"/>
+          <a:lstStyle/>
+          <a:p>
+            <a:pPr algn="ctr"/>
+            <a:r>
+              <a:rPr lang="en-AU" sz="2800" dirty="0"/>
+              <a:t>Hotel Information Access</a:t>
+            </a:r>
+          </a:p>
+        </p:txBody>
+      </p:sp>
+      <p:sp>
+        <p:nvSpPr>
+          <p:cNvPr id="7" name="Rectangle 6"/>
+          <p:cNvSpPr/>
+          <p:nvPr/>
+        </p:nvSpPr>
+        <p:spPr>
+          <a:xfrm>
+            <a:off x="39153" y="822470"/>
+            <a:ext cx="9828000" cy="2340000"/>
+          </a:xfrm>
+          <a:prstGeom prst="rect">
+            <a:avLst/>
+          </a:prstGeom>
+          <a:solidFill>
+            <a:schemeClr val="tx2">
+              <a:lumMod val="20000"/>
+              <a:lumOff val="80000"/>
+            </a:schemeClr>
+          </a:solidFill>
+          <a:ln>
+            <a:solidFill>
+              <a:schemeClr val="accent1">
+                <a:lumMod val="50000"/>
+              </a:schemeClr>
+            </a:solidFill>
+          </a:ln>
+        </p:spPr>
+        <p:style>
+          <a:lnRef idx="2">
+            <a:schemeClr val="accent1">
+              <a:shade val="50000"/>
+            </a:schemeClr>
+          </a:lnRef>
+          <a:fillRef idx="1">
+            <a:schemeClr val="accent1"/>
+          </a:fillRef>
+          <a:effectRef idx="0">
+            <a:schemeClr val="accent1"/>
+          </a:effectRef>
+          <a:fontRef idx="minor">
+            <a:schemeClr val="lt1"/>
+          </a:fontRef>
+        </p:style>
+        <p:txBody>
+          <a:bodyPr rtlCol="0" anchor="t" anchorCtr="0"/>
+          <a:lstStyle/>
+          <a:p>
+            <a:r>
+              <a:rPr lang="en-AU" sz="2400" dirty="0">
+                <a:solidFill>
+                  <a:schemeClr val="tx1"/>
+                </a:solidFill>
+              </a:rPr>
+              <a:t>As a businessman, I want to be able to see star ratings of hotels, to then choose the correct one to stay.</a:t>
+            </a:r>
+          </a:p>
+          <a:p>
+            <a:endParaRPr lang="en-AU" sz="2400" dirty="0"/>
+          </a:p>
+          <a:p>
+            <a:endParaRPr lang="en-AU" sz="2400" dirty="0"/>
+          </a:p>
+        </p:txBody>
+      </p:sp>
+      <p:sp>
+        <p:nvSpPr>
+          <p:cNvPr id="8" name="Rectangle 7"/>
+          <p:cNvSpPr/>
+          <p:nvPr/>
+        </p:nvSpPr>
+        <p:spPr>
+          <a:xfrm>
+            <a:off x="39153" y="3335530"/>
+            <a:ext cx="9828000" cy="1620000"/>
+          </a:xfrm>
+          <a:prstGeom prst="rect">
+            <a:avLst/>
+          </a:prstGeom>
+          <a:solidFill>
+            <a:schemeClr val="accent1">
+              <a:lumMod val="20000"/>
+              <a:lumOff val="80000"/>
+            </a:schemeClr>
+          </a:solidFill>
+          <a:ln>
+            <a:solidFill>
+              <a:schemeClr val="accent1">
+                <a:lumMod val="50000"/>
+              </a:schemeClr>
+            </a:solidFill>
+          </a:ln>
+        </p:spPr>
+        <p:style>
+          <a:lnRef idx="2">
+            <a:schemeClr val="accent1">
+              <a:shade val="50000"/>
+            </a:schemeClr>
+          </a:lnRef>
+          <a:fillRef idx="1">
+            <a:schemeClr val="accent1"/>
+          </a:fillRef>
+          <a:effectRef idx="0">
+            <a:schemeClr val="accent1"/>
+          </a:effectRef>
+          <a:fontRef idx="minor">
+            <a:schemeClr val="lt1"/>
+          </a:fontRef>
+        </p:style>
+        <p:txBody>
+          <a:bodyPr tIns="36000" rtlCol="0" anchor="t" anchorCtr="0"/>
+          <a:lstStyle/>
+          <a:p>
+            <a:r>
+              <a:rPr lang="en-AU" sz="2000" dirty="0">
+                <a:solidFill>
+                  <a:schemeClr val="tx1"/>
+                </a:solidFill>
+              </a:rPr>
+              <a:t>Acceptance Criteria</a:t>
+            </a:r>
+          </a:p>
+          <a:p>
+            <a:pPr marL="179388" indent="-179388">
+              <a:buFont typeface="Arial" pitchFamily="34" charset="0"/>
+              <a:buChar char="•"/>
+            </a:pPr>
+            <a:r>
+              <a:rPr lang="en-AU" sz="2000" dirty="0">
+                <a:solidFill>
+                  <a:schemeClr val="tx1"/>
+                </a:solidFill>
+              </a:rPr>
+              <a:t> A 5 star rating system below the hotel picture, for users to see the rating.</a:t>
+            </a:r>
+          </a:p>
+        </p:txBody>
+      </p:sp>
+      <p:sp>
+        <p:nvSpPr>
+          <p:cNvPr id="11" name="Rectangle 10"/>
+          <p:cNvSpPr/>
+          <p:nvPr/>
+        </p:nvSpPr>
+        <p:spPr>
+          <a:xfrm>
+            <a:off x="9147153" y="109410"/>
+            <a:ext cx="720000" cy="540000"/>
+          </a:xfrm>
+          <a:prstGeom prst="rect">
+            <a:avLst/>
+          </a:prstGeom>
+          <a:solidFill>
+            <a:srgbClr val="CCF0CD">
+              <a:alpha val="20000"/>
+            </a:srgbClr>
+          </a:solidFill>
+          <a:ln>
+            <a:solidFill>
+              <a:schemeClr val="accent1">
+                <a:lumMod val="50000"/>
+              </a:schemeClr>
+            </a:solidFill>
+          </a:ln>
+        </p:spPr>
+        <p:style>
+          <a:lnRef idx="2">
+            <a:schemeClr val="accent1">
+              <a:shade val="50000"/>
+            </a:schemeClr>
+          </a:lnRef>
+          <a:fillRef idx="1">
+            <a:schemeClr val="accent1"/>
+          </a:fillRef>
+          <a:effectRef idx="0">
+            <a:schemeClr val="accent1"/>
+          </a:effectRef>
+          <a:fontRef idx="minor">
+            <a:schemeClr val="lt1"/>
+          </a:fontRef>
+        </p:style>
+        <p:txBody>
+          <a:bodyPr wrap="square" lIns="0" rIns="0" rtlCol="0" anchor="ctr"/>
+          <a:lstStyle/>
+          <a:p>
+            <a:pPr algn="ctr"/>
+            <a:r>
+              <a:rPr lang="en-AU" sz="2000" dirty="0">
+                <a:solidFill>
+                  <a:schemeClr val="tx1"/>
+                </a:solidFill>
+              </a:rPr>
+              <a:t>3</a:t>
+            </a:r>
+          </a:p>
+        </p:txBody>
+      </p:sp>
+      <p:sp>
+        <p:nvSpPr>
+          <p:cNvPr id="12" name="Rectangle 11"/>
+          <p:cNvSpPr/>
+          <p:nvPr/>
+        </p:nvSpPr>
+        <p:spPr>
+          <a:xfrm>
+            <a:off x="8283153" y="109410"/>
+            <a:ext cx="792000" cy="540000"/>
+          </a:xfrm>
+          <a:prstGeom prst="rect">
+            <a:avLst/>
+          </a:prstGeom>
+          <a:solidFill>
+            <a:schemeClr val="accent4">
+              <a:lumMod val="20000"/>
+              <a:lumOff val="80000"/>
+            </a:schemeClr>
+          </a:solidFill>
+          <a:ln>
+            <a:solidFill>
+              <a:schemeClr val="accent1">
+                <a:lumMod val="50000"/>
+              </a:schemeClr>
+            </a:solidFill>
+          </a:ln>
+        </p:spPr>
+        <p:style>
+          <a:lnRef idx="2">
+            <a:schemeClr val="accent1">
+              <a:shade val="50000"/>
+            </a:schemeClr>
+          </a:lnRef>
+          <a:fillRef idx="1">
+            <a:schemeClr val="accent1"/>
+          </a:fillRef>
+          <a:effectRef idx="0">
+            <a:schemeClr val="accent1"/>
+          </a:effectRef>
+          <a:fontRef idx="minor">
+            <a:schemeClr val="lt1"/>
+          </a:fontRef>
+        </p:style>
+        <p:txBody>
+          <a:bodyPr wrap="none" lIns="0" rIns="0" rtlCol="0" anchor="ctr"/>
+          <a:lstStyle/>
+          <a:p>
+            <a:pPr algn="ctr"/>
+            <a:r>
+              <a:rPr lang="en-AU" sz="2000">
+                <a:solidFill>
+                  <a:schemeClr val="tx1"/>
+                </a:solidFill>
+              </a:rPr>
+              <a:t>Could</a:t>
             </a:r>
             <a:endParaRPr lang="en-AU" sz="2000" dirty="0">
               <a:solidFill>
@@ -11394,152 +11226,20 @@
       </p:sp>
       <p:sp>
         <p:nvSpPr>
-          <p:cNvPr id="6" name="Rectangle 5"/>
-          <p:cNvSpPr/>
-          <p:nvPr/>
-        </p:nvSpPr>
-        <p:spPr>
-          <a:xfrm>
-            <a:off x="831153" y="109410"/>
-            <a:ext cx="7380000" cy="540000"/>
-          </a:xfrm>
-          <a:prstGeom prst="rect">
-            <a:avLst/>
-          </a:prstGeom>
-          <a:ln>
-            <a:solidFill>
-              <a:schemeClr val="accent1">
-                <a:lumMod val="50000"/>
-              </a:schemeClr>
-            </a:solidFill>
-          </a:ln>
-        </p:spPr>
-        <p:style>
-          <a:lnRef idx="2">
-            <a:schemeClr val="accent1">
-              <a:shade val="50000"/>
-            </a:schemeClr>
-          </a:lnRef>
-          <a:fillRef idx="1">
-            <a:schemeClr val="accent1"/>
-          </a:fillRef>
-          <a:effectRef idx="0">
-            <a:schemeClr val="accent1"/>
-          </a:effectRef>
-          <a:fontRef idx="minor">
-            <a:schemeClr val="lt1"/>
-          </a:fontRef>
-        </p:style>
-        <p:txBody>
-          <a:bodyPr rtlCol="0" anchor="ctr"/>
-          <a:lstStyle/>
-          <a:p>
-            <a:pPr algn="ctr"/>
-            <a:r>
-              <a:rPr lang="en-AU" sz="2800" dirty="0" smtClean="0"/>
-              <a:t>Hotel Information Access</a:t>
-            </a:r>
-            <a:endParaRPr lang="en-AU" sz="2800" dirty="0"/>
-          </a:p>
-        </p:txBody>
-      </p:sp>
-      <p:sp>
-        <p:nvSpPr>
-          <p:cNvPr id="7" name="Rectangle 6"/>
-          <p:cNvSpPr/>
-          <p:nvPr/>
-        </p:nvSpPr>
-        <p:spPr>
-          <a:xfrm>
-            <a:off x="39153" y="822470"/>
-            <a:ext cx="9828000" cy="2340000"/>
-          </a:xfrm>
-          <a:prstGeom prst="rect">
-            <a:avLst/>
-          </a:prstGeom>
-          <a:solidFill>
-            <a:schemeClr val="tx2">
-              <a:lumMod val="20000"/>
-              <a:lumOff val="80000"/>
-            </a:schemeClr>
-          </a:solidFill>
-          <a:ln>
-            <a:solidFill>
-              <a:schemeClr val="accent1">
-                <a:lumMod val="50000"/>
-              </a:schemeClr>
-            </a:solidFill>
-          </a:ln>
-        </p:spPr>
-        <p:style>
-          <a:lnRef idx="2">
-            <a:schemeClr val="accent1">
-              <a:shade val="50000"/>
-            </a:schemeClr>
-          </a:lnRef>
-          <a:fillRef idx="1">
-            <a:schemeClr val="accent1"/>
-          </a:fillRef>
-          <a:effectRef idx="0">
-            <a:schemeClr val="accent1"/>
-          </a:effectRef>
-          <a:fontRef idx="minor">
-            <a:schemeClr val="lt1"/>
-          </a:fontRef>
-        </p:style>
-        <p:txBody>
-          <a:bodyPr rtlCol="0" anchor="t" anchorCtr="0"/>
-          <a:lstStyle/>
-          <a:p>
-            <a:r>
-              <a:rPr lang="en-AU" sz="2400" dirty="0">
-                <a:solidFill>
-                  <a:schemeClr val="tx1"/>
-                </a:solidFill>
-              </a:rPr>
-              <a:t>As a businessman</a:t>
-            </a:r>
-            <a:r>
-              <a:rPr lang="en-AU" sz="2400" dirty="0" smtClean="0">
-                <a:solidFill>
-                  <a:schemeClr val="tx1"/>
-                </a:solidFill>
-              </a:rPr>
-              <a:t>, I want to be able to see star ratings of hotels, to then choose the correct one to stay.</a:t>
-            </a:r>
-            <a:endParaRPr lang="en-AU" sz="2400" dirty="0">
-              <a:solidFill>
-                <a:schemeClr val="tx1"/>
-              </a:solidFill>
-            </a:endParaRPr>
-          </a:p>
-          <a:p>
-            <a:endParaRPr lang="en-AU" sz="2400" dirty="0"/>
-          </a:p>
-          <a:p>
-            <a:endParaRPr lang="en-AU" sz="2400" dirty="0"/>
-          </a:p>
-        </p:txBody>
-      </p:sp>
-      <p:sp>
-        <p:nvSpPr>
-          <p:cNvPr id="8" name="Rectangle 7"/>
-          <p:cNvSpPr/>
-          <p:nvPr/>
-        </p:nvSpPr>
-        <p:spPr>
-          <a:xfrm>
-            <a:off x="39153" y="3335530"/>
+          <p:cNvPr id="13" name="Rectangle 12"/>
+          <p:cNvSpPr/>
+          <p:nvPr/>
+        </p:nvSpPr>
+        <p:spPr>
+          <a:xfrm>
+            <a:off x="39153" y="5128590"/>
             <a:ext cx="9828000" cy="1620000"/>
           </a:xfrm>
           <a:prstGeom prst="rect">
             <a:avLst/>
           </a:prstGeom>
           <a:solidFill>
-            <a:schemeClr val="accent1">
-              <a:lumMod val="20000"/>
-              <a:lumOff val="80000"/>
-            </a:schemeClr>
+            <a:schemeClr val="bg1"/>
           </a:solidFill>
           <a:ln>
             <a:solidFill>
@@ -11570,12 +11270,12 @@
           <a:lstStyle/>
           <a:p>
             <a:r>
-              <a:rPr lang="en-AU" sz="2000" dirty="0" smtClean="0">
-                <a:solidFill>
-                  <a:schemeClr val="tx1"/>
-                </a:solidFill>
-              </a:rPr>
-              <a:t>Acceptance Criteria</a:t>
+              <a:rPr lang="en-AU" sz="2000" dirty="0">
+                <a:solidFill>
+                  <a:schemeClr val="tx1"/>
+                </a:solidFill>
+              </a:rPr>
+              <a:t>Notes</a:t>
             </a:r>
           </a:p>
           <a:p>
@@ -11584,217 +11284,13 @@
               <a:buChar char="•"/>
             </a:pPr>
             <a:r>
-              <a:rPr lang="en-AU" sz="2000" dirty="0" smtClean="0">
-                <a:solidFill>
-                  <a:schemeClr val="tx1"/>
-                </a:solidFill>
-              </a:rPr>
-              <a:t> A 5 star rating system below the hotel picture, for users to see the rating.</a:t>
-            </a:r>
-          </a:p>
-        </p:txBody>
-      </p:sp>
-      <p:sp>
-        <p:nvSpPr>
-          <p:cNvPr id="11" name="Rectangle 10"/>
-          <p:cNvSpPr/>
-          <p:nvPr/>
-        </p:nvSpPr>
-        <p:spPr>
-          <a:xfrm>
-            <a:off x="9147153" y="109410"/>
-            <a:ext cx="720000" cy="540000"/>
-          </a:xfrm>
-          <a:prstGeom prst="rect">
-            <a:avLst/>
-          </a:prstGeom>
-          <a:solidFill>
-            <a:srgbClr val="CCF0CD">
-              <a:alpha val="20000"/>
-            </a:srgbClr>
-          </a:solidFill>
-          <a:ln>
-            <a:solidFill>
-              <a:schemeClr val="accent1">
-                <a:lumMod val="50000"/>
-              </a:schemeClr>
-            </a:solidFill>
-          </a:ln>
-        </p:spPr>
-        <p:style>
-          <a:lnRef idx="2">
-            <a:schemeClr val="accent1">
-              <a:shade val="50000"/>
-            </a:schemeClr>
-          </a:lnRef>
-          <a:fillRef idx="1">
-            <a:schemeClr val="accent1"/>
-          </a:fillRef>
-          <a:effectRef idx="0">
-            <a:schemeClr val="accent1"/>
-          </a:effectRef>
-          <a:fontRef idx="minor">
-            <a:schemeClr val="lt1"/>
-          </a:fontRef>
-        </p:style>
-        <p:txBody>
-          <a:bodyPr wrap="square" lIns="0" rIns="0" rtlCol="0" anchor="ctr"/>
-          <a:lstStyle/>
-          <a:p>
-            <a:pPr algn="ctr"/>
-            <a:r>
-              <a:rPr lang="en-AU" sz="2000" dirty="0" smtClean="0">
-                <a:solidFill>
-                  <a:schemeClr val="tx1"/>
-                </a:solidFill>
-              </a:rPr>
-              <a:t>3</a:t>
-            </a:r>
-            <a:endParaRPr lang="en-AU" sz="2000" dirty="0">
-              <a:solidFill>
-                <a:schemeClr val="tx1"/>
-              </a:solidFill>
-            </a:endParaRPr>
-          </a:p>
-        </p:txBody>
-      </p:sp>
-      <p:sp>
-        <p:nvSpPr>
-          <p:cNvPr id="12" name="Rectangle 11"/>
-          <p:cNvSpPr/>
-          <p:nvPr/>
-        </p:nvSpPr>
-        <p:spPr>
-          <a:xfrm>
-            <a:off x="8283153" y="109410"/>
-            <a:ext cx="792000" cy="540000"/>
-          </a:xfrm>
-          <a:prstGeom prst="rect">
-            <a:avLst/>
-          </a:prstGeom>
-          <a:solidFill>
-            <a:schemeClr val="accent4">
-              <a:lumMod val="20000"/>
-              <a:lumOff val="80000"/>
-            </a:schemeClr>
-          </a:solidFill>
-          <a:ln>
-            <a:solidFill>
-              <a:schemeClr val="accent1">
-                <a:lumMod val="50000"/>
-              </a:schemeClr>
-            </a:solidFill>
-          </a:ln>
-        </p:spPr>
-        <p:style>
-          <a:lnRef idx="2">
-            <a:schemeClr val="accent1">
-              <a:shade val="50000"/>
-            </a:schemeClr>
-          </a:lnRef>
-          <a:fillRef idx="1">
-            <a:schemeClr val="accent1"/>
-          </a:fillRef>
-          <a:effectRef idx="0">
-            <a:schemeClr val="accent1"/>
-          </a:effectRef>
-          <a:fontRef idx="minor">
-            <a:schemeClr val="lt1"/>
-          </a:fontRef>
-        </p:style>
-        <p:txBody>
-          <a:bodyPr wrap="none" lIns="0" rIns="0" rtlCol="0" anchor="ctr"/>
-          <a:lstStyle/>
-          <a:p>
-            <a:pPr algn="ctr"/>
-            <a:r>
-              <a:rPr lang="en-AU" sz="2000" smtClean="0">
-                <a:solidFill>
-                  <a:schemeClr val="tx1"/>
-                </a:solidFill>
-              </a:rPr>
-              <a:t>Could</a:t>
-            </a:r>
-            <a:endParaRPr lang="en-AU" sz="2000" dirty="0">
-              <a:solidFill>
-                <a:schemeClr val="tx1"/>
-              </a:solidFill>
-            </a:endParaRPr>
-          </a:p>
-        </p:txBody>
-      </p:sp>
-      <p:sp>
-        <p:nvSpPr>
-          <p:cNvPr id="13" name="Rectangle 12"/>
-          <p:cNvSpPr/>
-          <p:nvPr/>
-        </p:nvSpPr>
-        <p:spPr>
-          <a:xfrm>
-            <a:off x="39153" y="5128590"/>
-            <a:ext cx="9828000" cy="1620000"/>
-          </a:xfrm>
-          <a:prstGeom prst="rect">
-            <a:avLst/>
-          </a:prstGeom>
-          <a:solidFill>
-            <a:schemeClr val="bg1"/>
-          </a:solidFill>
-          <a:ln>
-            <a:solidFill>
-              <a:schemeClr val="accent1">
-                <a:lumMod val="50000"/>
-              </a:schemeClr>
-            </a:solidFill>
-          </a:ln>
-        </p:spPr>
-        <p:style>
-          <a:lnRef idx="2">
-            <a:schemeClr val="accent1">
-              <a:shade val="50000"/>
-            </a:schemeClr>
-          </a:lnRef>
-          <a:fillRef idx="1">
-            <a:schemeClr val="accent1"/>
-          </a:fillRef>
-          <a:effectRef idx="0">
-            <a:schemeClr val="accent1"/>
-          </a:effectRef>
-          <a:fontRef idx="minor">
-            <a:schemeClr val="lt1"/>
-          </a:fontRef>
-        </p:style>
-        <p:txBody>
-          <a:bodyPr tIns="36000" rtlCol="0" anchor="t" anchorCtr="0"/>
-          <a:lstStyle/>
-          <a:p>
-            <a:r>
-              <a:rPr lang="en-AU" sz="2000" dirty="0" smtClean="0">
-                <a:solidFill>
-                  <a:schemeClr val="tx1"/>
-                </a:solidFill>
-              </a:rPr>
-              <a:t>Notes</a:t>
-            </a:r>
-          </a:p>
-          <a:p>
-            <a:pPr marL="179388" indent="-179388">
-              <a:buFont typeface="Arial" pitchFamily="34" charset="0"/>
-              <a:buChar char="•"/>
-            </a:pPr>
-            <a:r>
-              <a:rPr lang="en-AU" sz="2000" dirty="0" smtClean="0">
+              <a:rPr lang="en-AU" sz="2000" dirty="0">
                 <a:solidFill>
                   <a:schemeClr val="tx1"/>
                 </a:solidFill>
               </a:rPr>
               <a:t> </a:t>
             </a:r>
-            <a:endParaRPr lang="en-AU" sz="2000" dirty="0">
-              <a:solidFill>
-                <a:schemeClr val="tx1"/>
-              </a:solidFill>
-            </a:endParaRPr>
           </a:p>
         </p:txBody>
       </p:sp>
@@ -11883,21 +11379,8 @@
                   <a:schemeClr val="tx1"/>
                 </a:solidFill>
               </a:rPr>
-              <a:t>Story ID </a:t>
-            </a:r>
-            <a:r>
-              <a:rPr lang="en-AU" sz="2000" dirty="0" smtClean="0">
-                <a:solidFill>
-                  <a:schemeClr val="tx1"/>
-                </a:solidFill>
-              </a:rPr>
-              <a:t>24</a:t>
-            </a:r>
-            <a:endParaRPr lang="en-AU" sz="2000" dirty="0">
-              <a:solidFill>
-                <a:schemeClr val="tx1"/>
-              </a:solidFill>
-            </a:endParaRPr>
+              <a:t>Story ID 24</a:t>
+            </a:r>
           </a:p>
         </p:txBody>
       </p:sp>
@@ -11945,10 +11428,9 @@
           <a:p>
             <a:pPr algn="ctr"/>
             <a:r>
-              <a:rPr lang="en-AU" sz="2800" dirty="0" smtClean="0"/>
+              <a:rPr lang="en-AU" sz="2800" dirty="0"/>
               <a:t>Business Information/location access</a:t>
             </a:r>
-            <a:endParaRPr lang="en-AU" sz="2800" dirty="0"/>
           </a:p>
         </p:txBody>
       </p:sp>
@@ -12006,21 +11488,8 @@
                   <a:schemeClr val="tx1"/>
                 </a:solidFill>
               </a:rPr>
-              <a:t>As a businessman</a:t>
-            </a:r>
-            <a:r>
-              <a:rPr lang="en-AU" sz="2400" dirty="0" smtClean="0">
-                <a:solidFill>
-                  <a:schemeClr val="tx1"/>
-                </a:solidFill>
-              </a:rPr>
-              <a:t>, when I click onto the chosen business, I want to see information on the business and their location to travel to.</a:t>
-            </a:r>
-            <a:endParaRPr lang="en-AU" sz="2400" dirty="0">
-              <a:solidFill>
-                <a:schemeClr val="tx1"/>
-              </a:solidFill>
-            </a:endParaRPr>
+              <a:t>As a businessman, when I click onto the chosen business, I want to see information on the business and their location to travel to.</a:t>
+            </a:r>
           </a:p>
         </p:txBody>
       </p:sp>
@@ -12073,7 +11542,7 @@
           <a:lstStyle/>
           <a:p>
             <a:r>
-              <a:rPr lang="en-AU" sz="2000" dirty="0" smtClean="0">
+              <a:rPr lang="en-AU" sz="2000" dirty="0">
                 <a:solidFill>
                   <a:schemeClr val="tx1"/>
                 </a:solidFill>
@@ -12087,7 +11556,7 @@
               <a:buChar char="•"/>
             </a:pPr>
             <a:r>
-              <a:rPr lang="en-AU" sz="2000" dirty="0" smtClean="0">
+              <a:rPr lang="en-AU" sz="2000" dirty="0">
                 <a:solidFill>
                   <a:schemeClr val="tx1"/>
                 </a:solidFill>
@@ -12146,18 +11615,13 @@
           <a:p>
             <a:pPr algn="ctr"/>
             <a:r>
-              <a:rPr lang="en-AU" sz="2000" dirty="0" smtClean="0">
+              <a:rPr lang="en-AU" sz="2000" dirty="0">
                 <a:solidFill>
                   <a:schemeClr val="tx1"/>
                 </a:solidFill>
               </a:rPr>
               <a:t>4</a:t>
             </a:r>
-            <a:endParaRPr lang="en-AU" sz="2000" dirty="0">
-              <a:solidFill>
-                <a:schemeClr val="tx1"/>
-              </a:solidFill>
-            </a:endParaRPr>
           </a:p>
         </p:txBody>
       </p:sp>
@@ -12211,18 +11675,13 @@
           <a:p>
             <a:pPr algn="ctr"/>
             <a:r>
-              <a:rPr lang="en-AU" sz="2000" dirty="0" smtClean="0">
+              <a:rPr lang="en-AU" sz="2000" dirty="0">
                 <a:solidFill>
                   <a:schemeClr val="tx1"/>
                 </a:solidFill>
               </a:rPr>
               <a:t>Should</a:t>
             </a:r>
-            <a:endParaRPr lang="en-AU" sz="2000" dirty="0">
-              <a:solidFill>
-                <a:schemeClr val="tx1"/>
-              </a:solidFill>
-            </a:endParaRPr>
           </a:p>
         </p:txBody>
       </p:sp>
@@ -12272,7 +11731,7 @@
           <a:lstStyle/>
           <a:p>
             <a:r>
-              <a:rPr lang="en-AU" sz="2000" dirty="0" smtClean="0">
+              <a:rPr lang="en-AU" sz="2000" dirty="0">
                 <a:solidFill>
                   <a:schemeClr val="tx1"/>
                 </a:solidFill>
@@ -12286,18 +11745,13 @@
               <a:buChar char="•"/>
             </a:pPr>
             <a:r>
-              <a:rPr lang="en-AU" sz="2000" dirty="0" smtClean="0">
+              <a:rPr lang="en-AU" sz="2000" dirty="0">
                 <a:solidFill>
                   <a:schemeClr val="tx1"/>
                 </a:solidFill>
               </a:rPr>
               <a:t> </a:t>
             </a:r>
-            <a:endParaRPr lang="en-AU" sz="2000" dirty="0">
-              <a:solidFill>
-                <a:schemeClr val="tx1"/>
-              </a:solidFill>
-            </a:endParaRPr>
           </a:p>
         </p:txBody>
       </p:sp>
@@ -12381,34 +11835,13 @@
           <a:p>
             <a:pPr algn="ctr"/>
             <a:r>
-              <a:rPr lang="en-AU" sz="2000" dirty="0" smtClean="0">
-                <a:solidFill>
-                  <a:schemeClr val="tx1"/>
-                </a:solidFill>
-              </a:rPr>
-              <a:t>Story </a:t>
-            </a:r>
-            <a:r>
-              <a:rPr lang="en-AU" sz="2000" dirty="0">
-                <a:solidFill>
-                  <a:schemeClr val="tx1"/>
-                </a:solidFill>
-              </a:rPr>
-              <a:t>ID </a:t>
-            </a:r>
-            <a:r>
-              <a:rPr lang="en-AU" sz="2000" dirty="0" smtClean="0">
-                <a:solidFill>
-                  <a:schemeClr val="tx1"/>
-                </a:solidFill>
-              </a:rPr>
-              <a:t>25</a:t>
-            </a:r>
-            <a:endParaRPr lang="en-AU" sz="2000" dirty="0">
-              <a:solidFill>
-                <a:schemeClr val="tx1"/>
-              </a:solidFill>
-            </a:endParaRPr>
+              <a:rPr lang="en-AU" sz="2000" dirty="0">
+                <a:solidFill>
+                  <a:schemeClr val="tx1"/>
+                </a:solidFill>
+              </a:rPr>
+              <a:t>Story ID 25</a:t>
+            </a:r>
           </a:p>
         </p:txBody>
       </p:sp>
@@ -12456,10 +11889,9 @@
           <a:p>
             <a:pPr algn="ctr"/>
             <a:r>
-              <a:rPr lang="en-AU" sz="2800" dirty="0" smtClean="0"/>
+              <a:rPr lang="en-AU" sz="2800" dirty="0"/>
               <a:t>City Information rating access</a:t>
             </a:r>
-            <a:endParaRPr lang="en-AU" sz="2800" dirty="0"/>
           </a:p>
         </p:txBody>
       </p:sp>
@@ -12517,21 +11949,8 @@
                   <a:schemeClr val="tx1"/>
                 </a:solidFill>
               </a:rPr>
-              <a:t>As a businessman</a:t>
-            </a:r>
-            <a:r>
-              <a:rPr lang="en-AU" sz="2400" dirty="0" smtClean="0">
-                <a:solidFill>
-                  <a:schemeClr val="tx1"/>
-                </a:solidFill>
-              </a:rPr>
-              <a:t>, I want to read on city information, to let me explore the city in my free time. </a:t>
-            </a:r>
-            <a:endParaRPr lang="en-AU" sz="2400" dirty="0">
-              <a:solidFill>
-                <a:schemeClr val="tx1"/>
-              </a:solidFill>
-            </a:endParaRPr>
+              <a:t>As a businessman, I want to read on city information, to let me explore the city in my free time. </a:t>
+            </a:r>
           </a:p>
         </p:txBody>
       </p:sp>
@@ -12584,7 +12003,7 @@
           <a:lstStyle/>
           <a:p>
             <a:r>
-              <a:rPr lang="en-AU" sz="2000" dirty="0" smtClean="0">
+              <a:rPr lang="en-AU" sz="2000" dirty="0">
                 <a:solidFill>
                   <a:schemeClr val="tx1"/>
                 </a:solidFill>
@@ -12598,7 +12017,7 @@
               <a:buChar char="•"/>
             </a:pPr>
             <a:r>
-              <a:rPr lang="en-AU" sz="2000" dirty="0" smtClean="0">
+              <a:rPr lang="en-AU" sz="2000" dirty="0">
                 <a:solidFill>
                   <a:schemeClr val="tx1"/>
                 </a:solidFill>
@@ -12657,18 +12076,13 @@
           <a:p>
             <a:pPr algn="ctr"/>
             <a:r>
-              <a:rPr lang="en-AU" sz="2000" dirty="0" smtClean="0">
+              <a:rPr lang="en-AU" sz="2000" dirty="0">
                 <a:solidFill>
                   <a:schemeClr val="tx1"/>
                 </a:solidFill>
               </a:rPr>
               <a:t>3</a:t>
             </a:r>
-            <a:endParaRPr lang="en-AU" sz="2000" dirty="0">
-              <a:solidFill>
-                <a:schemeClr val="tx1"/>
-              </a:solidFill>
-            </a:endParaRPr>
           </a:p>
         </p:txBody>
       </p:sp>
@@ -12722,18 +12136,13 @@
           <a:p>
             <a:pPr algn="ctr"/>
             <a:r>
-              <a:rPr lang="en-AU" sz="2000" dirty="0" smtClean="0">
+              <a:rPr lang="en-AU" sz="2000" dirty="0">
                 <a:solidFill>
                   <a:schemeClr val="tx1"/>
                 </a:solidFill>
               </a:rPr>
               <a:t>Must</a:t>
             </a:r>
-            <a:endParaRPr lang="en-AU" sz="2000" dirty="0">
-              <a:solidFill>
-                <a:schemeClr val="tx1"/>
-              </a:solidFill>
-            </a:endParaRPr>
           </a:p>
         </p:txBody>
       </p:sp>
@@ -12783,7 +12192,7 @@
           <a:lstStyle/>
           <a:p>
             <a:r>
-              <a:rPr lang="en-AU" sz="2000" dirty="0" smtClean="0">
+              <a:rPr lang="en-AU" sz="2000" dirty="0">
                 <a:solidFill>
                   <a:schemeClr val="tx1"/>
                 </a:solidFill>
@@ -12797,18 +12206,13 @@
               <a:buChar char="•"/>
             </a:pPr>
             <a:r>
-              <a:rPr lang="en-AU" sz="2000" dirty="0" smtClean="0">
+              <a:rPr lang="en-AU" sz="2000" dirty="0">
                 <a:solidFill>
                   <a:schemeClr val="tx1"/>
                 </a:solidFill>
               </a:rPr>
               <a:t> </a:t>
             </a:r>
-            <a:endParaRPr lang="en-AU" sz="2000" dirty="0">
-              <a:solidFill>
-                <a:schemeClr val="tx1"/>
-              </a:solidFill>
-            </a:endParaRPr>
           </a:p>
         </p:txBody>
       </p:sp>
@@ -12897,15 +12301,7 @@
                   <a:schemeClr val="tx1"/>
                 </a:solidFill>
               </a:rPr>
-              <a:t>Story ID </a:t>
-            </a:r>
-            <a:r>
-              <a:rPr lang="en-AU" sz="2000" dirty="0" smtClean="0">
-                <a:solidFill>
-                  <a:schemeClr val="tx1"/>
-                </a:solidFill>
-              </a:rPr>
-              <a:t>26</a:t>
+              <a:t>Story ID 26</a:t>
             </a:r>
           </a:p>
         </p:txBody>
@@ -12954,10 +12350,9 @@
           <a:p>
             <a:pPr algn="ctr"/>
             <a:r>
-              <a:rPr lang="en-AU" sz="2800" dirty="0" smtClean="0"/>
+              <a:rPr lang="en-AU" sz="2800" dirty="0"/>
               <a:t>Account Security/History</a:t>
             </a:r>
-            <a:endParaRPr lang="en-AU" sz="2800" dirty="0"/>
           </a:p>
         </p:txBody>
       </p:sp>
@@ -13015,21 +12410,8 @@
                   <a:schemeClr val="tx1"/>
                 </a:solidFill>
               </a:rPr>
-              <a:t>As a businessman</a:t>
-            </a:r>
-            <a:r>
-              <a:rPr lang="en-AU" sz="2400" dirty="0" smtClean="0">
-                <a:solidFill>
-                  <a:schemeClr val="tx1"/>
-                </a:solidFill>
-              </a:rPr>
-              <a:t>, when I put in my details, I want the information to be secure, to protect my privacy and places I stay at.</a:t>
-            </a:r>
-            <a:endParaRPr lang="en-AU" sz="2400" dirty="0">
-              <a:solidFill>
-                <a:schemeClr val="tx1"/>
-              </a:solidFill>
-            </a:endParaRPr>
+              <a:t>As a businessman, when I put in my details, I want the information to be secure, to protect my privacy and places I stay at.</a:t>
+            </a:r>
           </a:p>
         </p:txBody>
       </p:sp>
@@ -13082,7 +12464,7 @@
           <a:lstStyle/>
           <a:p>
             <a:r>
-              <a:rPr lang="en-AU" sz="2000" dirty="0" smtClean="0">
+              <a:rPr lang="en-AU" sz="2000" dirty="0">
                 <a:solidFill>
                   <a:schemeClr val="tx1"/>
                 </a:solidFill>
@@ -13096,7 +12478,7 @@
               <a:buChar char="•"/>
             </a:pPr>
             <a:r>
-              <a:rPr lang="en-AU" sz="2000" dirty="0" smtClean="0">
+              <a:rPr lang="en-AU" sz="2000" dirty="0">
                 <a:solidFill>
                   <a:schemeClr val="tx1"/>
                 </a:solidFill>
@@ -13155,18 +12537,13 @@
           <a:p>
             <a:pPr algn="ctr"/>
             <a:r>
-              <a:rPr lang="en-AU" sz="2000" dirty="0" smtClean="0">
+              <a:rPr lang="en-AU" sz="2000" dirty="0">
                 <a:solidFill>
                   <a:schemeClr val="tx1"/>
                 </a:solidFill>
               </a:rPr>
               <a:t>2</a:t>
             </a:r>
-            <a:endParaRPr lang="en-AU" sz="2000" dirty="0">
-              <a:solidFill>
-                <a:schemeClr val="tx1"/>
-              </a:solidFill>
-            </a:endParaRPr>
           </a:p>
         </p:txBody>
       </p:sp>
@@ -13220,18 +12597,13 @@
           <a:p>
             <a:pPr algn="ctr"/>
             <a:r>
-              <a:rPr lang="en-AU" sz="2000" dirty="0" smtClean="0">
+              <a:rPr lang="en-AU" sz="2000" dirty="0">
                 <a:solidFill>
                   <a:schemeClr val="tx1"/>
                 </a:solidFill>
               </a:rPr>
               <a:t>Could</a:t>
             </a:r>
-            <a:endParaRPr lang="en-AU" sz="2000" dirty="0">
-              <a:solidFill>
-                <a:schemeClr val="tx1"/>
-              </a:solidFill>
-            </a:endParaRPr>
           </a:p>
         </p:txBody>
       </p:sp>
@@ -13281,7 +12653,7 @@
           <a:lstStyle/>
           <a:p>
             <a:r>
-              <a:rPr lang="en-AU" sz="2000" dirty="0" smtClean="0">
+              <a:rPr lang="en-AU" sz="2000" dirty="0">
                 <a:solidFill>
                   <a:schemeClr val="tx1"/>
                 </a:solidFill>
@@ -13295,18 +12667,13 @@
               <a:buChar char="•"/>
             </a:pPr>
             <a:r>
-              <a:rPr lang="en-AU" sz="2000" dirty="0" smtClean="0">
+              <a:rPr lang="en-AU" sz="2000" dirty="0">
                 <a:solidFill>
                   <a:schemeClr val="tx1"/>
                 </a:solidFill>
               </a:rPr>
               <a:t> </a:t>
             </a:r>
-            <a:endParaRPr lang="en-AU" sz="2000" dirty="0">
-              <a:solidFill>
-                <a:schemeClr val="tx1"/>
-              </a:solidFill>
-            </a:endParaRPr>
           </a:p>
         </p:txBody>
       </p:sp>
@@ -13395,21 +12762,8 @@
                   <a:schemeClr val="tx1"/>
                 </a:solidFill>
               </a:rPr>
-              <a:t>Story ID </a:t>
-            </a:r>
-            <a:r>
-              <a:rPr lang="en-AU" sz="2000" dirty="0" smtClean="0">
-                <a:solidFill>
-                  <a:schemeClr val="tx1"/>
-                </a:solidFill>
-              </a:rPr>
-              <a:t>27</a:t>
-            </a:r>
-            <a:endParaRPr lang="en-AU" sz="2000" dirty="0">
-              <a:solidFill>
-                <a:schemeClr val="tx1"/>
-              </a:solidFill>
-            </a:endParaRPr>
+              <a:t>Story ID 27</a:t>
+            </a:r>
           </a:p>
         </p:txBody>
       </p:sp>
@@ -13457,10 +12811,9 @@
           <a:p>
             <a:pPr algn="ctr"/>
             <a:r>
-              <a:rPr lang="en-AU" sz="2800" dirty="0" smtClean="0"/>
+              <a:rPr lang="en-AU" sz="2800" dirty="0"/>
               <a:t>Contacting Businesses</a:t>
             </a:r>
-            <a:endParaRPr lang="en-AU" sz="2800" dirty="0"/>
           </a:p>
         </p:txBody>
       </p:sp>
@@ -13518,21 +12871,8 @@
                   <a:schemeClr val="tx1"/>
                 </a:solidFill>
               </a:rPr>
-              <a:t>As a businessman</a:t>
-            </a:r>
-            <a:r>
-              <a:rPr lang="en-AU" sz="2400" dirty="0" smtClean="0">
-                <a:solidFill>
-                  <a:schemeClr val="tx1"/>
-                </a:solidFill>
-              </a:rPr>
-              <a:t>, I want to be able to contact businesses through the website, so then I can set meeting times with the needed companies.</a:t>
-            </a:r>
-            <a:endParaRPr lang="en-AU" sz="2400" dirty="0">
-              <a:solidFill>
-                <a:schemeClr val="tx1"/>
-              </a:solidFill>
-            </a:endParaRPr>
+              <a:t>As a businessman, I want to be able to contact businesses through the website, so then I can set meeting times with the needed companies.</a:t>
+            </a:r>
           </a:p>
         </p:txBody>
       </p:sp>
@@ -13585,7 +12925,7 @@
           <a:lstStyle/>
           <a:p>
             <a:r>
-              <a:rPr lang="en-AU" sz="2000" dirty="0" smtClean="0">
+              <a:rPr lang="en-AU" sz="2000" dirty="0">
                 <a:solidFill>
                   <a:schemeClr val="tx1"/>
                 </a:solidFill>
@@ -13599,7 +12939,7 @@
               <a:buChar char="•"/>
             </a:pPr>
             <a:r>
-              <a:rPr lang="en-AU" sz="2000" dirty="0" smtClean="0">
+              <a:rPr lang="en-AU" sz="2000" dirty="0">
                 <a:solidFill>
                   <a:schemeClr val="tx1"/>
                 </a:solidFill>
@@ -13613,7 +12953,7 @@
               <a:buChar char="•"/>
             </a:pPr>
             <a:r>
-              <a:rPr lang="en-AU" sz="2000" dirty="0" smtClean="0">
+              <a:rPr lang="en-AU" sz="2000" dirty="0">
                 <a:solidFill>
                   <a:schemeClr val="tx1"/>
                 </a:solidFill>
@@ -13672,18 +13012,13 @@
           <a:p>
             <a:pPr algn="ctr"/>
             <a:r>
-              <a:rPr lang="en-AU" sz="2000" dirty="0" smtClean="0">
+              <a:rPr lang="en-AU" sz="2000" dirty="0">
                 <a:solidFill>
                   <a:schemeClr val="tx1"/>
                 </a:solidFill>
               </a:rPr>
               <a:t>1</a:t>
             </a:r>
-            <a:endParaRPr lang="en-AU" sz="2000" dirty="0">
-              <a:solidFill>
-                <a:schemeClr val="tx1"/>
-              </a:solidFill>
-            </a:endParaRPr>
           </a:p>
         </p:txBody>
       </p:sp>
@@ -13737,18 +13072,13 @@
           <a:p>
             <a:pPr algn="ctr"/>
             <a:r>
-              <a:rPr lang="en-AU" sz="2000" dirty="0" smtClean="0">
+              <a:rPr lang="en-AU" sz="2000" dirty="0">
                 <a:solidFill>
                   <a:schemeClr val="tx1"/>
                 </a:solidFill>
               </a:rPr>
               <a:t>Could</a:t>
             </a:r>
-            <a:endParaRPr lang="en-AU" sz="2000" dirty="0">
-              <a:solidFill>
-                <a:schemeClr val="tx1"/>
-              </a:solidFill>
-            </a:endParaRPr>
           </a:p>
         </p:txBody>
       </p:sp>
@@ -13798,7 +13128,7 @@
           <a:lstStyle/>
           <a:p>
             <a:r>
-              <a:rPr lang="en-AU" sz="2000" dirty="0" smtClean="0">
+              <a:rPr lang="en-AU" sz="2000" dirty="0">
                 <a:solidFill>
                   <a:schemeClr val="tx1"/>
                 </a:solidFill>
@@ -13812,18 +13142,13 @@
               <a:buChar char="•"/>
             </a:pPr>
             <a:r>
-              <a:rPr lang="en-AU" sz="2000" dirty="0" smtClean="0">
+              <a:rPr lang="en-AU" sz="2000" dirty="0">
                 <a:solidFill>
                   <a:schemeClr val="tx1"/>
                 </a:solidFill>
               </a:rPr>
               <a:t> </a:t>
             </a:r>
-            <a:endParaRPr lang="en-AU" sz="2000" dirty="0">
-              <a:solidFill>
-                <a:schemeClr val="tx1"/>
-              </a:solidFill>
-            </a:endParaRPr>
           </a:p>
         </p:txBody>
       </p:sp>
@@ -13912,21 +13237,8 @@
                   <a:schemeClr val="tx1"/>
                 </a:solidFill>
               </a:rPr>
-              <a:t>Story ID </a:t>
-            </a:r>
-            <a:r>
-              <a:rPr lang="en-AU" sz="2000" dirty="0" smtClean="0">
-                <a:solidFill>
-                  <a:schemeClr val="tx1"/>
-                </a:solidFill>
-              </a:rPr>
-              <a:t>28</a:t>
-            </a:r>
-            <a:endParaRPr lang="en-AU" sz="2000" dirty="0">
-              <a:solidFill>
-                <a:schemeClr val="tx1"/>
-              </a:solidFill>
-            </a:endParaRPr>
+              <a:t>Story ID 28</a:t>
+            </a:r>
           </a:p>
         </p:txBody>
       </p:sp>
@@ -13974,10 +13286,9 @@
           <a:p>
             <a:pPr algn="ctr"/>
             <a:r>
-              <a:rPr lang="en-AU" sz="2800" dirty="0" smtClean="0"/>
+              <a:rPr lang="en-AU" sz="2800" dirty="0"/>
               <a:t>Locating Hotels</a:t>
             </a:r>
-            <a:endParaRPr lang="en-AU" sz="2800" dirty="0"/>
           </a:p>
         </p:txBody>
       </p:sp>
@@ -14035,21 +13346,8 @@
                   <a:schemeClr val="tx1"/>
                 </a:solidFill>
               </a:rPr>
-              <a:t>As a businessman</a:t>
-            </a:r>
-            <a:r>
-              <a:rPr lang="en-AU" sz="2400" dirty="0" smtClean="0">
-                <a:solidFill>
-                  <a:schemeClr val="tx1"/>
-                </a:solidFill>
-              </a:rPr>
-              <a:t>, I want to have a Mapped location of the Accommodation/ Hotel, so then I can travel to once I arrive in the city.</a:t>
-            </a:r>
-            <a:endParaRPr lang="en-AU" sz="2400" dirty="0">
-              <a:solidFill>
-                <a:schemeClr val="tx1"/>
-              </a:solidFill>
-            </a:endParaRPr>
+              <a:t>As a businessman, I want to have a Mapped location of the Accommodation/ Hotel, so then I can travel to once I arrive in the city.</a:t>
+            </a:r>
           </a:p>
         </p:txBody>
       </p:sp>
@@ -14102,7 +13400,7 @@
           <a:lstStyle/>
           <a:p>
             <a:r>
-              <a:rPr lang="en-AU" sz="2000" dirty="0" smtClean="0">
+              <a:rPr lang="en-AU" sz="2000" dirty="0">
                 <a:solidFill>
                   <a:schemeClr val="tx1"/>
                 </a:solidFill>
@@ -14116,7 +13414,7 @@
               <a:buChar char="•"/>
             </a:pPr>
             <a:r>
-              <a:rPr lang="en-AU" sz="2000" dirty="0" smtClean="0">
+              <a:rPr lang="en-AU" sz="2000" dirty="0">
                 <a:solidFill>
                   <a:schemeClr val="tx1"/>
                 </a:solidFill>
@@ -14175,18 +13473,13 @@
           <a:p>
             <a:pPr algn="ctr"/>
             <a:r>
-              <a:rPr lang="en-AU" sz="2000" dirty="0" smtClean="0">
+              <a:rPr lang="en-AU" sz="2000" dirty="0">
                 <a:solidFill>
                   <a:schemeClr val="tx1"/>
                 </a:solidFill>
               </a:rPr>
               <a:t>4</a:t>
             </a:r>
-            <a:endParaRPr lang="en-AU" sz="2000" dirty="0">
-              <a:solidFill>
-                <a:schemeClr val="tx1"/>
-              </a:solidFill>
-            </a:endParaRPr>
           </a:p>
         </p:txBody>
       </p:sp>
@@ -14240,18 +13533,13 @@
           <a:p>
             <a:pPr algn="ctr"/>
             <a:r>
-              <a:rPr lang="en-AU" sz="2000" dirty="0" smtClean="0">
+              <a:rPr lang="en-AU" sz="2000" dirty="0">
                 <a:solidFill>
                   <a:schemeClr val="tx1"/>
                 </a:solidFill>
               </a:rPr>
               <a:t>Should</a:t>
             </a:r>
-            <a:endParaRPr lang="en-AU" sz="2000" dirty="0">
-              <a:solidFill>
-                <a:schemeClr val="tx1"/>
-              </a:solidFill>
-            </a:endParaRPr>
           </a:p>
         </p:txBody>
       </p:sp>
@@ -14301,7 +13589,7 @@
           <a:lstStyle/>
           <a:p>
             <a:r>
-              <a:rPr lang="en-AU" sz="2000" dirty="0" smtClean="0">
+              <a:rPr lang="en-AU" sz="2000" dirty="0">
                 <a:solidFill>
                   <a:schemeClr val="tx1"/>
                 </a:solidFill>
@@ -14315,18 +13603,13 @@
               <a:buChar char="•"/>
             </a:pPr>
             <a:r>
-              <a:rPr lang="en-AU" sz="2000" dirty="0" smtClean="0">
+              <a:rPr lang="en-AU" sz="2000" dirty="0">
                 <a:solidFill>
                   <a:schemeClr val="tx1"/>
                 </a:solidFill>
               </a:rPr>
               <a:t> </a:t>
             </a:r>
-            <a:endParaRPr lang="en-AU" sz="2000" dirty="0">
-              <a:solidFill>
-                <a:schemeClr val="tx1"/>
-              </a:solidFill>
-            </a:endParaRPr>
           </a:p>
         </p:txBody>
       </p:sp>
@@ -14440,39 +13723,8 @@
                 <a:ea typeface="+mn-ea"/>
                 <a:cs typeface="+mn-cs"/>
               </a:rPr>
-              <a:t>Story </a:t>
-            </a:r>
-            <a:r>
-              <a:rPr kumimoji="0" lang="en-AU" sz="2000" b="0" i="0" u="none" strike="noStrike" kern="1200" cap="none" spc="0" normalizeH="0" baseline="0" noProof="0" dirty="0" smtClean="0">
-                <a:ln>
-                  <a:noFill/>
-                </a:ln>
-                <a:solidFill>
-                  <a:prstClr val="black"/>
-                </a:solidFill>
-                <a:effectLst/>
-                <a:uLnTx/>
-                <a:uFillTx/>
-                <a:latin typeface="Calibri"/>
-                <a:ea typeface="+mn-ea"/>
-                <a:cs typeface="+mn-cs"/>
-              </a:rPr>
-              <a:t>ID 2</a:t>
-            </a:r>
-            <a:endParaRPr kumimoji="0" lang="en-AU" sz="2000" b="0" i="0" u="none" strike="noStrike" kern="1200" cap="none" spc="0" normalizeH="0" baseline="0" noProof="0" dirty="0">
-              <a:ln>
-                <a:noFill/>
-              </a:ln>
-              <a:solidFill>
-                <a:prstClr val="black"/>
-              </a:solidFill>
-              <a:effectLst/>
-              <a:uLnTx/>
-              <a:uFillTx/>
-              <a:latin typeface="Calibri"/>
-              <a:ea typeface="+mn-ea"/>
-              <a:cs typeface="+mn-cs"/>
-            </a:endParaRPr>
+              <a:t>Story ID 2</a:t>
+            </a:r>
           </a:p>
         </p:txBody>
       </p:sp>
@@ -14550,39 +13802,8 @@
                 <a:ea typeface="+mn-ea"/>
                 <a:cs typeface="+mn-cs"/>
               </a:rPr>
-              <a:t>Further </a:t>
-            </a:r>
-            <a:r>
-              <a:rPr kumimoji="0" lang="en-AU" sz="2800" b="0" i="0" u="none" strike="noStrike" kern="1200" cap="none" spc="0" normalizeH="0" baseline="0" noProof="0" dirty="0" smtClean="0">
-                <a:ln>
-                  <a:noFill/>
-                </a:ln>
-                <a:solidFill>
-                  <a:prstClr val="white"/>
-                </a:solidFill>
-                <a:effectLst/>
-                <a:uLnTx/>
-                <a:uFillTx/>
-                <a:latin typeface="Calibri"/>
-                <a:ea typeface="+mn-ea"/>
-                <a:cs typeface="+mn-cs"/>
-              </a:rPr>
-              <a:t>Education Page</a:t>
-            </a:r>
-            <a:endParaRPr kumimoji="0" lang="en-AU" sz="2800" b="0" i="0" u="none" strike="noStrike" kern="1200" cap="none" spc="0" normalizeH="0" baseline="0" noProof="0" dirty="0">
-              <a:ln>
-                <a:noFill/>
-              </a:ln>
-              <a:solidFill>
-                <a:prstClr val="white"/>
-              </a:solidFill>
-              <a:effectLst/>
-              <a:uLnTx/>
-              <a:uFillTx/>
-              <a:latin typeface="Calibri"/>
-              <a:ea typeface="+mn-ea"/>
-              <a:cs typeface="+mn-cs"/>
-            </a:endParaRPr>
+              <a:t>Further Education Page</a:t>
+            </a:r>
           </a:p>
         </p:txBody>
       </p:sp>
@@ -14787,8 +14008,48 @@
                 <a:ea typeface="+mn-ea"/>
                 <a:cs typeface="+mn-cs"/>
               </a:rPr>
-              <a:t> Have all universities listed in home section after a student login</a:t>
-            </a:r>
+              <a:t> accessed </a:t>
+            </a:r>
+            <a:r>
+              <a:rPr kumimoji="0" lang="en-AU" sz="2000" b="0" i="0" u="none" strike="noStrike" kern="1200" cap="none" spc="0" normalizeH="0" baseline="0" noProof="0" dirty="0" err="1">
+                <a:ln>
+                  <a:noFill/>
+                </a:ln>
+                <a:solidFill>
+                  <a:prstClr val="black"/>
+                </a:solidFill>
+                <a:effectLst/>
+                <a:uLnTx/>
+                <a:uFillTx/>
+                <a:latin typeface="Calibri"/>
+                <a:ea typeface="+mn-ea"/>
+                <a:cs typeface="+mn-cs"/>
+              </a:rPr>
+              <a:t>afte</a:t>
+            </a:r>
+            <a:r>
+              <a:rPr lang="en-AU" sz="2000" dirty="0">
+                <a:solidFill>
+                  <a:prstClr val="black"/>
+                </a:solidFill>
+                <a:latin typeface="Calibri"/>
+              </a:rPr>
+              <a:t>r Student login</a:t>
+            </a:r>
+            <a:endParaRPr kumimoji="0" lang="en-AU" sz="2000" b="0" i="0" u="none" strike="noStrike" kern="1200" cap="none" spc="0" normalizeH="0" baseline="0" noProof="0" dirty="0">
+              <a:ln>
+                <a:noFill/>
+              </a:ln>
+              <a:solidFill>
+                <a:prstClr val="black"/>
+              </a:solidFill>
+              <a:effectLst/>
+              <a:uLnTx/>
+              <a:uFillTx/>
+              <a:latin typeface="Calibri"/>
+              <a:ea typeface="+mn-ea"/>
+              <a:cs typeface="+mn-cs"/>
+            </a:endParaRPr>
           </a:p>
           <a:p>
             <a:pPr marL="179388" lvl="0" indent="-179388">
@@ -14813,18 +14074,28 @@
               </a:rPr>
               <a:t>college name, address, departments and email address displayed on colleges page</a:t>
             </a:r>
-            <a:endParaRPr kumimoji="0" lang="en-AU" sz="2000" b="0" i="0" u="none" strike="noStrike" kern="1200" cap="none" spc="0" normalizeH="0" baseline="0" noProof="0" dirty="0">
-              <a:ln>
-                <a:noFill/>
-              </a:ln>
-              <a:solidFill>
-                <a:schemeClr val="tx1"/>
-              </a:solidFill>
-              <a:effectLst/>
-              <a:uLnTx/>
-              <a:uFillTx/>
-              <a:latin typeface="Calibri"/>
-            </a:endParaRPr>
+          </a:p>
+          <a:p>
+            <a:pPr marL="179388" lvl="0" indent="-179388">
+              <a:buFont typeface="Arial" pitchFamily="34" charset="0"/>
+              <a:buChar char="•"/>
+              <a:defRPr/>
+            </a:pPr>
+            <a:r>
+              <a:rPr kumimoji="0" lang="en-AU" sz="2000" b="0" i="0" u="none" strike="noStrike" kern="1200" cap="none" spc="0" normalizeH="0" baseline="0" noProof="0" dirty="0">
+                <a:ln>
+                  <a:noFill/>
+                </a:ln>
+                <a:solidFill>
+                  <a:schemeClr val="tx1"/>
+                </a:solidFill>
+                <a:effectLst/>
+                <a:uLnTx/>
+                <a:uFillTx/>
+                <a:latin typeface="Calibri"/>
+              </a:rPr>
+              <a:t>Feasible (in scope)</a:t>
+            </a:r>
           </a:p>
         </p:txBody>
       </p:sp>
@@ -14893,7 +14164,7 @@
               <a:defRPr/>
             </a:pPr>
             <a:r>
-              <a:rPr kumimoji="0" lang="en-AU" sz="2000" b="0" i="0" u="none" strike="noStrike" kern="1200" cap="none" spc="0" normalizeH="0" baseline="0" noProof="0" dirty="0" smtClean="0">
+              <a:rPr kumimoji="0" lang="en-AU" sz="2000" b="0" i="0" u="none" strike="noStrike" kern="1200" cap="none" spc="0" normalizeH="0" baseline="0" noProof="0" dirty="0">
                 <a:ln>
                   <a:noFill/>
                 </a:ln>
@@ -14909,20 +14180,6 @@
               </a:rPr>
               <a:t>4</a:t>
             </a:r>
-            <a:endParaRPr kumimoji="0" lang="en-AU" sz="2000" b="0" i="0" u="none" strike="noStrike" kern="1200" cap="none" spc="0" normalizeH="0" baseline="0" noProof="0" dirty="0">
-              <a:ln>
-                <a:noFill/>
-              </a:ln>
-              <a:solidFill>
-                <a:prstClr val="black"/>
-              </a:solidFill>
-              <a:effectLst/>
-              <a:uLnTx/>
-              <a:uFillTx/>
-              <a:latin typeface="Calibri"/>
-              <a:ea typeface="+mn-ea"/>
-              <a:cs typeface="+mn-cs"/>
-            </a:endParaRPr>
           </a:p>
         </p:txBody>
       </p:sp>
@@ -15132,6 +14389,48 @@
               </a:rPr>
               <a:t> It will be added through the admin login</a:t>
             </a:r>
+          </a:p>
+          <a:p>
+            <a:pPr marL="179388" marR="0" lvl="0" indent="-179388" algn="l" defTabSz="914400" rtl="0" eaLnBrk="1" fontAlgn="auto" latinLnBrk="0" hangingPunct="1">
+              <a:lnSpc>
+                <a:spcPct val="100000"/>
+              </a:lnSpc>
+              <a:spcBef>
+                <a:spcPts val="0"/>
+              </a:spcBef>
+              <a:spcAft>
+                <a:spcPts val="0"/>
+              </a:spcAft>
+              <a:buClrTx/>
+              <a:buSzTx/>
+              <a:buFont typeface="Arial" pitchFamily="34" charset="0"/>
+              <a:buChar char="•"/>
+              <a:tabLst/>
+              <a:defRPr/>
+            </a:pPr>
+            <a:r>
+              <a:rPr lang="en-AU" sz="2000" dirty="0">
+                <a:solidFill>
+                  <a:prstClr val="black"/>
+                </a:solidFill>
+                <a:latin typeface="Calibri"/>
+              </a:rPr>
+              <a:t>Time for implementation 4-6 hours.</a:t>
+            </a:r>
+            <a:endParaRPr kumimoji="0" lang="en-AU" sz="2000" b="0" i="0" u="none" strike="noStrike" kern="1200" cap="none" spc="0" normalizeH="0" baseline="0" noProof="0" dirty="0">
+              <a:ln>
+                <a:noFill/>
+              </a:ln>
+              <a:solidFill>
+                <a:prstClr val="black"/>
+              </a:solidFill>
+              <a:effectLst/>
+              <a:uLnTx/>
+              <a:uFillTx/>
+              <a:latin typeface="Calibri"/>
+              <a:ea typeface="+mn-ea"/>
+              <a:cs typeface="+mn-cs"/>
+            </a:endParaRPr>
           </a:p>
         </p:txBody>
       </p:sp>
@@ -15220,21 +14519,8 @@
                   <a:schemeClr val="tx1"/>
                 </a:solidFill>
               </a:rPr>
-              <a:t>Story ID </a:t>
-            </a:r>
-            <a:r>
-              <a:rPr lang="en-AU" sz="2000" dirty="0" smtClean="0">
-                <a:solidFill>
-                  <a:schemeClr val="tx1"/>
-                </a:solidFill>
-              </a:rPr>
-              <a:t>29</a:t>
-            </a:r>
-            <a:endParaRPr lang="en-AU" sz="2000" dirty="0">
-              <a:solidFill>
-                <a:schemeClr val="tx1"/>
-              </a:solidFill>
-            </a:endParaRPr>
+              <a:t>Story ID 29</a:t>
+            </a:r>
           </a:p>
         </p:txBody>
       </p:sp>
@@ -15282,10 +14568,9 @@
           <a:p>
             <a:pPr algn="ctr"/>
             <a:r>
-              <a:rPr lang="en-AU" sz="2800" dirty="0" smtClean="0"/>
+              <a:rPr lang="en-AU" sz="2800" dirty="0"/>
               <a:t>Changing Cities Function</a:t>
             </a:r>
-            <a:endParaRPr lang="en-AU" sz="2800" dirty="0"/>
           </a:p>
         </p:txBody>
       </p:sp>
@@ -15343,21 +14628,8 @@
                   <a:schemeClr val="tx1"/>
                 </a:solidFill>
               </a:rPr>
-              <a:t>As a businessman</a:t>
-            </a:r>
-            <a:r>
-              <a:rPr lang="en-AU" sz="2400" dirty="0" smtClean="0">
-                <a:solidFill>
-                  <a:schemeClr val="tx1"/>
-                </a:solidFill>
-              </a:rPr>
-              <a:t>, I want to change my city location, to help me find information on the multiple cities I travel to for work.</a:t>
-            </a:r>
-            <a:endParaRPr lang="en-AU" sz="2400" dirty="0">
-              <a:solidFill>
-                <a:schemeClr val="tx1"/>
-              </a:solidFill>
-            </a:endParaRPr>
+              <a:t>As a businessman, I want to change my city location, to help me find information on the multiple cities I travel to for work.</a:t>
+            </a:r>
           </a:p>
         </p:txBody>
       </p:sp>
@@ -15410,7 +14682,7 @@
           <a:lstStyle/>
           <a:p>
             <a:r>
-              <a:rPr lang="en-AU" sz="2000" dirty="0" smtClean="0">
+              <a:rPr lang="en-AU" sz="2000" dirty="0">
                 <a:solidFill>
                   <a:schemeClr val="tx1"/>
                 </a:solidFill>
@@ -15424,7 +14696,7 @@
               <a:buChar char="•"/>
             </a:pPr>
             <a:r>
-              <a:rPr lang="en-AU" sz="2000" dirty="0" smtClean="0">
+              <a:rPr lang="en-AU" sz="2000" dirty="0">
                 <a:solidFill>
                   <a:schemeClr val="tx1"/>
                 </a:solidFill>
@@ -15483,18 +14755,13 @@
           <a:p>
             <a:pPr algn="ctr"/>
             <a:r>
-              <a:rPr lang="en-AU" sz="2000" dirty="0" smtClean="0">
+              <a:rPr lang="en-AU" sz="2000" dirty="0">
                 <a:solidFill>
                   <a:schemeClr val="tx1"/>
                 </a:solidFill>
               </a:rPr>
               <a:t>2</a:t>
             </a:r>
-            <a:endParaRPr lang="en-AU" sz="2000" dirty="0">
-              <a:solidFill>
-                <a:schemeClr val="tx1"/>
-              </a:solidFill>
-            </a:endParaRPr>
           </a:p>
         </p:txBody>
       </p:sp>
@@ -15548,18 +14815,13 @@
           <a:p>
             <a:pPr algn="ctr"/>
             <a:r>
-              <a:rPr lang="en-AU" sz="2000" dirty="0" smtClean="0">
+              <a:rPr lang="en-AU" sz="2000" dirty="0">
                 <a:solidFill>
                   <a:schemeClr val="tx1"/>
                 </a:solidFill>
               </a:rPr>
               <a:t>Could</a:t>
             </a:r>
-            <a:endParaRPr lang="en-AU" sz="2000" dirty="0">
-              <a:solidFill>
-                <a:schemeClr val="tx1"/>
-              </a:solidFill>
-            </a:endParaRPr>
           </a:p>
         </p:txBody>
       </p:sp>
@@ -15609,7 +14871,7 @@
           <a:lstStyle/>
           <a:p>
             <a:r>
-              <a:rPr lang="en-AU" sz="2000" dirty="0" smtClean="0">
+              <a:rPr lang="en-AU" sz="2000" dirty="0">
                 <a:solidFill>
                   <a:schemeClr val="tx1"/>
                 </a:solidFill>
@@ -15623,18 +14885,13 @@
               <a:buChar char="•"/>
             </a:pPr>
             <a:r>
-              <a:rPr lang="en-AU" sz="2000" dirty="0" smtClean="0">
+              <a:rPr lang="en-AU" sz="2000" dirty="0">
                 <a:solidFill>
                   <a:schemeClr val="tx1"/>
                 </a:solidFill>
               </a:rPr>
               <a:t> </a:t>
             </a:r>
-            <a:endParaRPr lang="en-AU" sz="2000" dirty="0">
-              <a:solidFill>
-                <a:schemeClr val="tx1"/>
-              </a:solidFill>
-            </a:endParaRPr>
           </a:p>
         </p:txBody>
       </p:sp>
@@ -15723,21 +14980,8 @@
                   <a:schemeClr val="tx1"/>
                 </a:solidFill>
               </a:rPr>
-              <a:t>Story ID </a:t>
-            </a:r>
-            <a:r>
-              <a:rPr lang="en-AU" sz="2000" dirty="0" smtClean="0">
-                <a:solidFill>
-                  <a:schemeClr val="tx1"/>
-                </a:solidFill>
-              </a:rPr>
-              <a:t>30</a:t>
-            </a:r>
-            <a:endParaRPr lang="en-AU" sz="2000" dirty="0">
-              <a:solidFill>
-                <a:schemeClr val="tx1"/>
-              </a:solidFill>
-            </a:endParaRPr>
+              <a:t>Story ID 30</a:t>
+            </a:r>
           </a:p>
         </p:txBody>
       </p:sp>
@@ -15795,21 +15039,8 @@
                   <a:schemeClr val="tx1"/>
                 </a:solidFill>
               </a:rPr>
-              <a:t>As a businessman</a:t>
-            </a:r>
-            <a:r>
-              <a:rPr lang="en-AU" sz="2400" dirty="0" smtClean="0">
-                <a:solidFill>
-                  <a:schemeClr val="tx1"/>
-                </a:solidFill>
-              </a:rPr>
-              <a:t>, I want to have a schedule option where It holds my itinerary information, so It will let me have all my information on the website.</a:t>
-            </a:r>
-            <a:endParaRPr lang="en-AU" sz="2400" dirty="0">
-              <a:solidFill>
-                <a:schemeClr val="tx1"/>
-              </a:solidFill>
-            </a:endParaRPr>
+              <a:t>As a businessman, I want to have a schedule option where It holds my itinerary information, so It will let me have all my information on the website.</a:t>
+            </a:r>
           </a:p>
         </p:txBody>
       </p:sp>
@@ -15862,7 +15093,7 @@
           <a:lstStyle/>
           <a:p>
             <a:r>
-              <a:rPr lang="en-AU" sz="2000" dirty="0" smtClean="0">
+              <a:rPr lang="en-AU" sz="2000" dirty="0">
                 <a:solidFill>
                   <a:schemeClr val="tx1"/>
                 </a:solidFill>
@@ -15876,7 +15107,7 @@
               <a:buChar char="•"/>
             </a:pPr>
             <a:r>
-              <a:rPr lang="en-AU" sz="2000" dirty="0" smtClean="0">
+              <a:rPr lang="en-AU" sz="2000" dirty="0">
                 <a:solidFill>
                   <a:schemeClr val="tx1"/>
                 </a:solidFill>
@@ -15935,18 +15166,13 @@
           <a:p>
             <a:pPr algn="ctr"/>
             <a:r>
-              <a:rPr lang="en-AU" sz="2000" dirty="0" smtClean="0">
+              <a:rPr lang="en-AU" sz="2000" dirty="0">
                 <a:solidFill>
                   <a:schemeClr val="tx1"/>
                 </a:solidFill>
               </a:rPr>
               <a:t>4</a:t>
             </a:r>
-            <a:endParaRPr lang="en-AU" sz="2000" dirty="0">
-              <a:solidFill>
-                <a:schemeClr val="tx1"/>
-              </a:solidFill>
-            </a:endParaRPr>
           </a:p>
         </p:txBody>
       </p:sp>
@@ -16000,18 +15226,13 @@
           <a:p>
             <a:pPr algn="ctr"/>
             <a:r>
-              <a:rPr lang="en-AU" sz="2000" dirty="0" smtClean="0">
+              <a:rPr lang="en-AU" sz="2000" dirty="0">
                 <a:solidFill>
                   <a:schemeClr val="tx1"/>
                 </a:solidFill>
               </a:rPr>
               <a:t>Won’t</a:t>
             </a:r>
-            <a:endParaRPr lang="en-AU" sz="2000" dirty="0">
-              <a:solidFill>
-                <a:schemeClr val="tx1"/>
-              </a:solidFill>
-            </a:endParaRPr>
           </a:p>
         </p:txBody>
       </p:sp>
@@ -16061,7 +15282,7 @@
           <a:lstStyle/>
           <a:p>
             <a:r>
-              <a:rPr lang="en-AU" sz="2000" dirty="0" smtClean="0">
+              <a:rPr lang="en-AU" sz="2000" dirty="0">
                 <a:solidFill>
                   <a:schemeClr val="tx1"/>
                 </a:solidFill>
@@ -16126,10 +15347,9 @@
           <a:p>
             <a:pPr algn="ctr"/>
             <a:r>
-              <a:rPr lang="en-AU" sz="2800" dirty="0" smtClean="0"/>
+              <a:rPr lang="en-AU" sz="2800" dirty="0"/>
               <a:t>Itinerary Features</a:t>
             </a:r>
-            <a:endParaRPr lang="en-AU" sz="2800" dirty="0"/>
           </a:p>
         </p:txBody>
       </p:sp>
@@ -16218,21 +15438,8 @@
                   <a:schemeClr val="tx1"/>
                 </a:solidFill>
               </a:rPr>
-              <a:t>Story ID: </a:t>
-            </a:r>
-            <a:r>
-              <a:rPr lang="en-AU" sz="2000" dirty="0" smtClean="0">
-                <a:solidFill>
-                  <a:schemeClr val="tx1"/>
-                </a:solidFill>
-              </a:rPr>
-              <a:t>31</a:t>
-            </a:r>
-            <a:endParaRPr lang="en-AU" sz="2000" dirty="0">
-              <a:solidFill>
-                <a:schemeClr val="tx1"/>
-              </a:solidFill>
-            </a:endParaRPr>
+              <a:t>Story ID: 31</a:t>
+            </a:r>
           </a:p>
         </p:txBody>
       </p:sp>
@@ -16340,23 +15547,7 @@
                   <a:schemeClr val="tx1"/>
                 </a:solidFill>
               </a:rPr>
-              <a:t>As an </a:t>
-            </a:r>
-            <a:r>
-              <a:rPr lang="en-AU" sz="2400" dirty="0" smtClean="0">
-                <a:solidFill>
-                  <a:schemeClr val="tx1"/>
-                </a:solidFill>
-              </a:rPr>
-              <a:t>administrator, </a:t>
-            </a:r>
-            <a:r>
-              <a:rPr lang="en-AU" sz="2400" dirty="0">
-                <a:solidFill>
-                  <a:schemeClr val="tx1"/>
-                </a:solidFill>
-              </a:rPr>
-              <a:t>I want to be able to modify and create all data for a city, so that I control the latest information users see.</a:t>
+              <a:t>As an administrator, I want to be able to modify and create all data for a city, so that I control the latest information users see.</a:t>
             </a:r>
           </a:p>
         </p:txBody>
@@ -16483,18 +15674,13 @@
           <a:p>
             <a:pPr algn="ctr"/>
             <a:r>
-              <a:rPr lang="en-AU" sz="2000" dirty="0" smtClean="0">
+              <a:rPr lang="en-AU" sz="2000" dirty="0">
                 <a:solidFill>
                   <a:schemeClr val="tx1"/>
                 </a:solidFill>
               </a:rPr>
               <a:t>2</a:t>
             </a:r>
-            <a:endParaRPr lang="en-AU" sz="2000" dirty="0">
-              <a:solidFill>
-                <a:schemeClr val="tx1"/>
-              </a:solidFill>
-            </a:endParaRPr>
           </a:p>
         </p:txBody>
       </p:sp>
@@ -16548,18 +15734,13 @@
           <a:p>
             <a:pPr algn="ctr"/>
             <a:r>
-              <a:rPr lang="en-AU" sz="2000" dirty="0" smtClean="0">
+              <a:rPr lang="en-AU" sz="2000" dirty="0">
                 <a:solidFill>
                   <a:schemeClr val="tx1"/>
                 </a:solidFill>
               </a:rPr>
               <a:t>Must</a:t>
             </a:r>
-            <a:endParaRPr lang="en-AU" sz="2000" dirty="0">
-              <a:solidFill>
-                <a:schemeClr val="tx1"/>
-              </a:solidFill>
-            </a:endParaRPr>
           </a:p>
         </p:txBody>
       </p:sp>
@@ -16628,21 +15809,8 @@
                   <a:schemeClr val="tx1"/>
                 </a:solidFill>
               </a:rPr>
-              <a:t> GUI will have + for creation, - for removal, and ‘edit’ for data modifications</a:t>
-            </a:r>
-            <a:r>
-              <a:rPr lang="en-AU" sz="2000" dirty="0" smtClean="0">
-                <a:solidFill>
-                  <a:schemeClr val="tx1"/>
-                </a:solidFill>
-              </a:rPr>
-              <a:t>.</a:t>
-            </a:r>
-            <a:endParaRPr lang="en-AU" sz="2000" dirty="0">
-              <a:solidFill>
-                <a:schemeClr val="tx1"/>
-              </a:solidFill>
-            </a:endParaRPr>
+              <a:t> GUI will have + for creation, - for removal, and ‘edit’ for data modifications.</a:t>
+            </a:r>
           </a:p>
         </p:txBody>
       </p:sp>
@@ -16731,21 +15899,8 @@
                   <a:schemeClr val="tx1"/>
                 </a:solidFill>
               </a:rPr>
-              <a:t>Story ID: </a:t>
-            </a:r>
-            <a:r>
-              <a:rPr lang="en-AU" sz="2000" dirty="0" smtClean="0">
-                <a:solidFill>
-                  <a:schemeClr val="tx1"/>
-                </a:solidFill>
-              </a:rPr>
-              <a:t>32</a:t>
-            </a:r>
-            <a:endParaRPr lang="en-AU" sz="2000" dirty="0">
-              <a:solidFill>
-                <a:schemeClr val="tx1"/>
-              </a:solidFill>
-            </a:endParaRPr>
+              <a:t>Story ID: 32</a:t>
+            </a:r>
           </a:p>
         </p:txBody>
       </p:sp>
@@ -16980,18 +16135,13 @@
           <a:p>
             <a:pPr algn="ctr"/>
             <a:r>
-              <a:rPr lang="en-AU" sz="2000" dirty="0" smtClean="0">
+              <a:rPr lang="en-AU" sz="2000" dirty="0">
                 <a:solidFill>
                   <a:schemeClr val="tx1"/>
                 </a:solidFill>
               </a:rPr>
               <a:t>2</a:t>
             </a:r>
-            <a:endParaRPr lang="en-AU" sz="2000" dirty="0">
-              <a:solidFill>
-                <a:schemeClr val="tx1"/>
-              </a:solidFill>
-            </a:endParaRPr>
           </a:p>
         </p:txBody>
       </p:sp>
@@ -17045,18 +16195,13 @@
           <a:p>
             <a:pPr algn="ctr"/>
             <a:r>
-              <a:rPr lang="en-AU" sz="2000" dirty="0" smtClean="0">
+              <a:rPr lang="en-AU" sz="2000" dirty="0">
                 <a:solidFill>
                   <a:schemeClr val="tx1"/>
                 </a:solidFill>
               </a:rPr>
               <a:t>Must</a:t>
             </a:r>
-            <a:endParaRPr lang="en-AU" sz="2000" dirty="0">
-              <a:solidFill>
-                <a:schemeClr val="tx1"/>
-              </a:solidFill>
-            </a:endParaRPr>
           </a:p>
         </p:txBody>
       </p:sp>
@@ -17215,21 +16360,8 @@
                   <a:schemeClr val="tx1"/>
                 </a:solidFill>
               </a:rPr>
-              <a:t>Story ID: </a:t>
-            </a:r>
-            <a:r>
-              <a:rPr lang="en-AU" sz="2000" dirty="0" smtClean="0">
-                <a:solidFill>
-                  <a:schemeClr val="tx1"/>
-                </a:solidFill>
-              </a:rPr>
-              <a:t>33</a:t>
-            </a:r>
-            <a:endParaRPr lang="en-AU" sz="2000" dirty="0">
-              <a:solidFill>
-                <a:schemeClr val="tx1"/>
-              </a:solidFill>
-            </a:endParaRPr>
+              <a:t>Story ID: 33</a:t>
+            </a:r>
           </a:p>
         </p:txBody>
       </p:sp>
@@ -17464,18 +16596,13 @@
           <a:p>
             <a:pPr algn="ctr"/>
             <a:r>
-              <a:rPr lang="en-AU" sz="2000" dirty="0" smtClean="0">
+              <a:rPr lang="en-AU" sz="2000" dirty="0">
                 <a:solidFill>
                   <a:schemeClr val="tx1"/>
                 </a:solidFill>
               </a:rPr>
               <a:t>1</a:t>
             </a:r>
-            <a:endParaRPr lang="en-AU" sz="2000" dirty="0">
-              <a:solidFill>
-                <a:schemeClr val="tx1"/>
-              </a:solidFill>
-            </a:endParaRPr>
           </a:p>
         </p:txBody>
       </p:sp>
@@ -17529,18 +16656,13 @@
           <a:p>
             <a:pPr algn="ctr"/>
             <a:r>
-              <a:rPr lang="en-AU" sz="2000" dirty="0" smtClean="0">
+              <a:rPr lang="en-AU" sz="2000" dirty="0">
                 <a:solidFill>
                   <a:schemeClr val="tx1"/>
                 </a:solidFill>
               </a:rPr>
               <a:t>Must</a:t>
             </a:r>
-            <a:endParaRPr lang="en-AU" sz="2000" dirty="0">
-              <a:solidFill>
-                <a:schemeClr val="tx1"/>
-              </a:solidFill>
-            </a:endParaRPr>
           </a:p>
         </p:txBody>
       </p:sp>
@@ -17699,21 +16821,8 @@
                   <a:schemeClr val="tx1"/>
                 </a:solidFill>
               </a:rPr>
-              <a:t>Story ID: </a:t>
-            </a:r>
-            <a:r>
-              <a:rPr lang="en-AU" sz="2000" dirty="0" smtClean="0">
-                <a:solidFill>
-                  <a:schemeClr val="tx1"/>
-                </a:solidFill>
-              </a:rPr>
-              <a:t>34</a:t>
-            </a:r>
-            <a:endParaRPr lang="en-AU" sz="2000" dirty="0">
-              <a:solidFill>
-                <a:schemeClr val="tx1"/>
-              </a:solidFill>
-            </a:endParaRPr>
+              <a:t>Story ID: 34</a:t>
+            </a:r>
           </a:p>
         </p:txBody>
       </p:sp>
@@ -17821,23 +16930,7 @@
                   <a:schemeClr val="tx1"/>
                 </a:solidFill>
               </a:rPr>
-              <a:t>As an </a:t>
-            </a:r>
-            <a:r>
-              <a:rPr lang="en-AU" sz="2400" dirty="0" smtClean="0">
-                <a:solidFill>
-                  <a:schemeClr val="tx1"/>
-                </a:solidFill>
-              </a:rPr>
-              <a:t>administrator, </a:t>
-            </a:r>
-            <a:r>
-              <a:rPr lang="en-AU" sz="2400" dirty="0">
-                <a:solidFill>
-                  <a:schemeClr val="tx1"/>
-                </a:solidFill>
-              </a:rPr>
-              <a:t>I want to be able to upload the city map to the system, so that users are able to know where all places are, and the map can be updated frequently. </a:t>
+              <a:t>As an administrator, I want to be able to upload the city map to the system, so that users are able to know where all places are, and the map can be updated frequently. </a:t>
             </a:r>
           </a:p>
         </p:txBody>
@@ -17964,18 +17057,13 @@
           <a:p>
             <a:pPr algn="ctr"/>
             <a:r>
-              <a:rPr lang="en-AU" sz="2000" dirty="0" smtClean="0">
+              <a:rPr lang="en-AU" sz="2000" dirty="0">
                 <a:solidFill>
                   <a:schemeClr val="tx1"/>
                 </a:solidFill>
               </a:rPr>
               <a:t>3</a:t>
             </a:r>
-            <a:endParaRPr lang="en-AU" sz="2000" dirty="0">
-              <a:solidFill>
-                <a:schemeClr val="tx1"/>
-              </a:solidFill>
-            </a:endParaRPr>
           </a:p>
         </p:txBody>
       </p:sp>
@@ -18029,18 +17117,13 @@
           <a:p>
             <a:pPr algn="ctr"/>
             <a:r>
-              <a:rPr lang="en-AU" sz="2000" dirty="0" smtClean="0">
+              <a:rPr lang="en-AU" sz="2000" dirty="0">
                 <a:solidFill>
                   <a:schemeClr val="tx1"/>
                 </a:solidFill>
               </a:rPr>
               <a:t>Must</a:t>
             </a:r>
-            <a:endParaRPr lang="en-AU" sz="2000" dirty="0">
-              <a:solidFill>
-                <a:schemeClr val="tx1"/>
-              </a:solidFill>
-            </a:endParaRPr>
           </a:p>
         </p:txBody>
       </p:sp>
@@ -18199,21 +17282,8 @@
                   <a:schemeClr val="tx1"/>
                 </a:solidFill>
               </a:rPr>
-              <a:t>Story ID: </a:t>
-            </a:r>
-            <a:r>
-              <a:rPr lang="en-AU" sz="2000" dirty="0" smtClean="0">
-                <a:solidFill>
-                  <a:schemeClr val="tx1"/>
-                </a:solidFill>
-              </a:rPr>
-              <a:t>35</a:t>
-            </a:r>
-            <a:endParaRPr lang="en-AU" sz="2000" dirty="0">
-              <a:solidFill>
-                <a:schemeClr val="tx1"/>
-              </a:solidFill>
-            </a:endParaRPr>
+              <a:t>Story ID: 35</a:t>
+            </a:r>
           </a:p>
         </p:txBody>
       </p:sp>
@@ -18321,23 +17391,7 @@
                   <a:schemeClr val="tx1"/>
                 </a:solidFill>
               </a:rPr>
-              <a:t>As an </a:t>
-            </a:r>
-            <a:r>
-              <a:rPr lang="en-AU" sz="2400" dirty="0" smtClean="0">
-                <a:solidFill>
-                  <a:schemeClr val="tx1"/>
-                </a:solidFill>
-              </a:rPr>
-              <a:t>administrator, </a:t>
-            </a:r>
-            <a:r>
-              <a:rPr lang="en-AU" sz="2400" dirty="0">
-                <a:solidFill>
-                  <a:schemeClr val="tx1"/>
-                </a:solidFill>
-              </a:rPr>
-              <a:t>I would like a search function for relevant pieces of information, so that I can easily find and manage users and data.</a:t>
+              <a:t>As an administrator, I would like a search function for relevant pieces of information, so that I can easily find and manage users and data.</a:t>
             </a:r>
           </a:p>
         </p:txBody>
@@ -18464,18 +17518,13 @@
           <a:p>
             <a:pPr algn="ctr"/>
             <a:r>
-              <a:rPr lang="en-AU" sz="2000" dirty="0" smtClean="0">
+              <a:rPr lang="en-AU" sz="2000" dirty="0">
                 <a:solidFill>
                   <a:schemeClr val="tx1"/>
                 </a:solidFill>
               </a:rPr>
               <a:t>3</a:t>
             </a:r>
-            <a:endParaRPr lang="en-AU" sz="2000" dirty="0">
-              <a:solidFill>
-                <a:schemeClr val="tx1"/>
-              </a:solidFill>
-            </a:endParaRPr>
           </a:p>
         </p:txBody>
       </p:sp>
@@ -18529,18 +17578,13 @@
           <a:p>
             <a:pPr algn="ctr"/>
             <a:r>
-              <a:rPr lang="en-AU" sz="2000" dirty="0" smtClean="0">
+              <a:rPr lang="en-AU" sz="2000" dirty="0">
                 <a:solidFill>
                   <a:schemeClr val="tx1"/>
                 </a:solidFill>
               </a:rPr>
               <a:t>Could</a:t>
             </a:r>
-            <a:endParaRPr lang="en-AU" sz="2000" dirty="0">
-              <a:solidFill>
-                <a:schemeClr val="tx1"/>
-              </a:solidFill>
-            </a:endParaRPr>
           </a:p>
         </p:txBody>
       </p:sp>
@@ -18727,21 +17771,8 @@
                   <a:schemeClr val="tx1"/>
                 </a:solidFill>
               </a:rPr>
-              <a:t>Story ID: </a:t>
-            </a:r>
-            <a:r>
-              <a:rPr lang="en-AU" sz="2000" dirty="0" smtClean="0">
-                <a:solidFill>
-                  <a:schemeClr val="tx1"/>
-                </a:solidFill>
-              </a:rPr>
-              <a:t>36</a:t>
-            </a:r>
-            <a:endParaRPr lang="en-AU" sz="2000" dirty="0">
-              <a:solidFill>
-                <a:schemeClr val="tx1"/>
-              </a:solidFill>
-            </a:endParaRPr>
+              <a:t>Story ID: 36</a:t>
+            </a:r>
           </a:p>
         </p:txBody>
       </p:sp>
@@ -18976,18 +18007,13 @@
           <a:p>
             <a:pPr algn="ctr"/>
             <a:r>
-              <a:rPr lang="en-AU" sz="2000" dirty="0" smtClean="0">
+              <a:rPr lang="en-AU" sz="2000" dirty="0">
                 <a:solidFill>
                   <a:schemeClr val="tx1"/>
                 </a:solidFill>
               </a:rPr>
               <a:t>3</a:t>
             </a:r>
-            <a:endParaRPr lang="en-AU" sz="2000" dirty="0">
-              <a:solidFill>
-                <a:schemeClr val="tx1"/>
-              </a:solidFill>
-            </a:endParaRPr>
           </a:p>
         </p:txBody>
       </p:sp>
@@ -19041,18 +18067,13 @@
           <a:p>
             <a:pPr algn="ctr"/>
             <a:r>
-              <a:rPr lang="en-AU" sz="2000" dirty="0" smtClean="0">
+              <a:rPr lang="en-AU" sz="2000" dirty="0">
                 <a:solidFill>
                   <a:schemeClr val="tx1"/>
                 </a:solidFill>
               </a:rPr>
               <a:t>Should</a:t>
             </a:r>
-            <a:endParaRPr lang="en-AU" sz="2000" dirty="0">
-              <a:solidFill>
-                <a:schemeClr val="tx1"/>
-              </a:solidFill>
-            </a:endParaRPr>
           </a:p>
         </p:txBody>
       </p:sp>
@@ -19211,21 +18232,8 @@
                   <a:schemeClr val="tx1"/>
                 </a:solidFill>
               </a:rPr>
-              <a:t>Story ID: </a:t>
-            </a:r>
-            <a:r>
-              <a:rPr lang="en-AU" sz="2000" dirty="0" smtClean="0">
-                <a:solidFill>
-                  <a:schemeClr val="tx1"/>
-                </a:solidFill>
-              </a:rPr>
-              <a:t>37</a:t>
-            </a:r>
-            <a:endParaRPr lang="en-AU" sz="2000" dirty="0">
-              <a:solidFill>
-                <a:schemeClr val="tx1"/>
-              </a:solidFill>
-            </a:endParaRPr>
+              <a:t>Story ID: 37</a:t>
+            </a:r>
           </a:p>
         </p:txBody>
       </p:sp>
@@ -19474,18 +18482,13 @@
           <a:p>
             <a:pPr algn="ctr"/>
             <a:r>
-              <a:rPr lang="en-AU" sz="2000" dirty="0" smtClean="0">
+              <a:rPr lang="en-AU" sz="2000" dirty="0">
                 <a:solidFill>
                   <a:schemeClr val="tx1"/>
                 </a:solidFill>
               </a:rPr>
               <a:t>1</a:t>
             </a:r>
-            <a:endParaRPr lang="en-AU" sz="2000" dirty="0">
-              <a:solidFill>
-                <a:schemeClr val="tx1"/>
-              </a:solidFill>
-            </a:endParaRPr>
           </a:p>
         </p:txBody>
       </p:sp>
@@ -19539,18 +18542,13 @@
           <a:p>
             <a:pPr algn="ctr"/>
             <a:r>
-              <a:rPr lang="en-AU" sz="2000" dirty="0" smtClean="0">
+              <a:rPr lang="en-AU" sz="2000" dirty="0">
                 <a:solidFill>
                   <a:schemeClr val="tx1"/>
                 </a:solidFill>
               </a:rPr>
               <a:t>Must</a:t>
             </a:r>
-            <a:endParaRPr lang="en-AU" sz="2000" dirty="0">
-              <a:solidFill>
-                <a:schemeClr val="tx1"/>
-              </a:solidFill>
-            </a:endParaRPr>
           </a:p>
         </p:txBody>
       </p:sp>
@@ -19723,21 +18721,8 @@
                   <a:schemeClr val="tx1"/>
                 </a:solidFill>
               </a:rPr>
-              <a:t>Story ID: </a:t>
-            </a:r>
-            <a:r>
-              <a:rPr lang="en-AU" sz="2000" dirty="0" smtClean="0">
-                <a:solidFill>
-                  <a:schemeClr val="tx1"/>
-                </a:solidFill>
-              </a:rPr>
-              <a:t>38</a:t>
-            </a:r>
-            <a:endParaRPr lang="en-AU" sz="2000" dirty="0">
-              <a:solidFill>
-                <a:schemeClr val="tx1"/>
-              </a:solidFill>
-            </a:endParaRPr>
+              <a:t>Story ID: 38</a:t>
+            </a:r>
           </a:p>
         </p:txBody>
       </p:sp>
@@ -19972,18 +18957,13 @@
           <a:p>
             <a:pPr algn="ctr"/>
             <a:r>
-              <a:rPr lang="en-AU" sz="2000" dirty="0" smtClean="0">
+              <a:rPr lang="en-AU" sz="2000" dirty="0">
                 <a:solidFill>
                   <a:schemeClr val="tx1"/>
                 </a:solidFill>
               </a:rPr>
               <a:t>2</a:t>
             </a:r>
-            <a:endParaRPr lang="en-AU" sz="2000" dirty="0">
-              <a:solidFill>
-                <a:schemeClr val="tx1"/>
-              </a:solidFill>
-            </a:endParaRPr>
           </a:p>
         </p:txBody>
       </p:sp>
@@ -20037,18 +19017,13 @@
           <a:p>
             <a:pPr algn="ctr"/>
             <a:r>
-              <a:rPr lang="en-AU" sz="2000" dirty="0" smtClean="0">
+              <a:rPr lang="en-AU" sz="2000" dirty="0">
                 <a:solidFill>
                   <a:schemeClr val="tx1"/>
                 </a:solidFill>
               </a:rPr>
               <a:t>Could</a:t>
             </a:r>
-            <a:endParaRPr lang="en-AU" sz="2000" dirty="0">
-              <a:solidFill>
-                <a:schemeClr val="tx1"/>
-              </a:solidFill>
-            </a:endParaRPr>
           </a:p>
         </p:txBody>
       </p:sp>
@@ -20232,39 +19207,8 @@
                 <a:ea typeface="+mn-ea"/>
                 <a:cs typeface="+mn-cs"/>
               </a:rPr>
-              <a:t>Story </a:t>
-            </a:r>
-            <a:r>
-              <a:rPr kumimoji="0" lang="en-AU" sz="2000" b="0" i="0" u="none" strike="noStrike" kern="1200" cap="none" spc="0" normalizeH="0" baseline="0" noProof="0" dirty="0" smtClean="0">
-                <a:ln>
-                  <a:noFill/>
-                </a:ln>
-                <a:solidFill>
-                  <a:prstClr val="black"/>
-                </a:solidFill>
-                <a:effectLst/>
-                <a:uLnTx/>
-                <a:uFillTx/>
-                <a:latin typeface="Calibri"/>
-                <a:ea typeface="+mn-ea"/>
-                <a:cs typeface="+mn-cs"/>
-              </a:rPr>
-              <a:t>ID 3</a:t>
-            </a:r>
-            <a:endParaRPr kumimoji="0" lang="en-AU" sz="2000" b="0" i="0" u="none" strike="noStrike" kern="1200" cap="none" spc="0" normalizeH="0" baseline="0" noProof="0" dirty="0">
-              <a:ln>
-                <a:noFill/>
-              </a:ln>
-              <a:solidFill>
-                <a:prstClr val="black"/>
-              </a:solidFill>
-              <a:effectLst/>
-              <a:uLnTx/>
-              <a:uFillTx/>
-              <a:latin typeface="Calibri"/>
-              <a:ea typeface="+mn-ea"/>
-              <a:cs typeface="+mn-cs"/>
-            </a:endParaRPr>
+              <a:t>Story ID 3</a:t>
+            </a:r>
           </a:p>
         </p:txBody>
       </p:sp>
@@ -20328,7 +19272,7 @@
               <a:defRPr/>
             </a:pPr>
             <a:r>
-              <a:rPr kumimoji="0" lang="en-AU" sz="2800" b="0" i="0" u="none" strike="noStrike" kern="1200" cap="none" spc="0" normalizeH="0" baseline="0" noProof="0" dirty="0" smtClean="0">
+              <a:rPr kumimoji="0" lang="en-AU" sz="2800" b="0" i="0" u="none" strike="noStrike" kern="1200" cap="none" spc="0" normalizeH="0" baseline="0" noProof="0" dirty="0">
                 <a:ln>
                   <a:noFill/>
                 </a:ln>
@@ -20344,20 +19288,6 @@
               </a:rPr>
               <a:t>Library Page </a:t>
             </a:r>
-            <a:endParaRPr kumimoji="0" lang="en-AU" sz="2800" b="0" i="0" u="none" strike="noStrike" kern="1200" cap="none" spc="0" normalizeH="0" baseline="0" noProof="0" dirty="0">
-              <a:ln>
-                <a:noFill/>
-              </a:ln>
-              <a:solidFill>
-                <a:prstClr val="white"/>
-              </a:solidFill>
-              <a:effectLst/>
-              <a:uLnTx/>
-              <a:uFillTx/>
-              <a:latin typeface="Calibri"/>
-              <a:ea typeface="+mn-ea"/>
-              <a:cs typeface="+mn-cs"/>
-            </a:endParaRPr>
           </a:p>
         </p:txBody>
       </p:sp>
@@ -20672,7 +19602,47 @@
                 </a:solidFill>
                 <a:latin typeface="Calibri"/>
               </a:rPr>
-              <a:t>Show which libraries offer free internet </a:t>
+              <a:t>Feasible (in scope)</a:t>
+            </a:r>
+            <a:endParaRPr kumimoji="0" lang="en-AU" sz="2000" b="0" i="0" u="none" strike="noStrike" kern="1200" cap="none" spc="0" normalizeH="0" noProof="0" dirty="0">
+              <a:ln>
+                <a:noFill/>
+              </a:ln>
+              <a:solidFill>
+                <a:prstClr val="black"/>
+              </a:solidFill>
+              <a:effectLst/>
+              <a:uLnTx/>
+              <a:uFillTx/>
+              <a:latin typeface="Calibri"/>
+              <a:ea typeface="+mn-ea"/>
+              <a:cs typeface="+mn-cs"/>
+            </a:endParaRPr>
+          </a:p>
+          <a:p>
+            <a:pPr marR="0" lvl="0" algn="l" defTabSz="914400" rtl="0" eaLnBrk="1" fontAlgn="auto" latinLnBrk="0" hangingPunct="1">
+              <a:lnSpc>
+                <a:spcPct val="100000"/>
+              </a:lnSpc>
+              <a:spcBef>
+                <a:spcPts val="0"/>
+              </a:spcBef>
+              <a:spcAft>
+                <a:spcPts val="0"/>
+              </a:spcAft>
+              <a:buClrTx/>
+              <a:buSzTx/>
+              <a:tabLst/>
+              <a:defRPr/>
+            </a:pPr>
+            <a:r>
+              <a:rPr lang="en-AU" sz="2000" dirty="0">
+                <a:solidFill>
+                  <a:prstClr val="black"/>
+                </a:solidFill>
+                <a:latin typeface="Calibri"/>
+              </a:rPr>
+              <a:t> </a:t>
             </a:r>
             <a:endParaRPr kumimoji="0" lang="en-AU" sz="2000" b="0" i="0" u="none" strike="noStrike" kern="1200" cap="none" spc="0" normalizeH="0" noProof="0" dirty="0">
               <a:ln>
@@ -20787,7 +19757,7 @@
               <a:defRPr/>
             </a:pPr>
             <a:r>
-              <a:rPr kumimoji="0" lang="en-AU" sz="2000" b="0" i="0" u="none" strike="noStrike" kern="1200" cap="none" spc="0" normalizeH="0" baseline="0" noProof="0" dirty="0" smtClean="0">
+              <a:rPr kumimoji="0" lang="en-AU" sz="2000" b="0" i="0" u="none" strike="noStrike" kern="1200" cap="none" spc="0" normalizeH="0" baseline="0" noProof="0" dirty="0">
                 <a:ln>
                   <a:noFill/>
                 </a:ln>
@@ -20803,20 +19773,6 @@
               </a:rPr>
               <a:t>4</a:t>
             </a:r>
-            <a:endParaRPr kumimoji="0" lang="en-AU" sz="2000" b="0" i="0" u="none" strike="noStrike" kern="1200" cap="none" spc="0" normalizeH="0" baseline="0" noProof="0" dirty="0">
-              <a:ln>
-                <a:noFill/>
-              </a:ln>
-              <a:solidFill>
-                <a:prstClr val="black"/>
-              </a:solidFill>
-              <a:effectLst/>
-              <a:uLnTx/>
-              <a:uFillTx/>
-              <a:latin typeface="Calibri"/>
-              <a:ea typeface="+mn-ea"/>
-              <a:cs typeface="+mn-cs"/>
-            </a:endParaRPr>
           </a:p>
         </p:txBody>
       </p:sp>
@@ -21046,7 +20002,7 @@
                 </a:solidFill>
                 <a:latin typeface="Calibri"/>
               </a:rPr>
-              <a:t>Probably will take 6 hours to implement. </a:t>
+              <a:t>Probably will take 5-7 hours to implement. </a:t>
             </a:r>
             <a:endParaRPr kumimoji="0" lang="en-AU" sz="2000" b="0" i="0" u="none" strike="noStrike" kern="1200" cap="none" spc="0" normalizeH="0" baseline="0" noProof="0" dirty="0">
               <a:ln>
@@ -21150,21 +20106,8 @@
                   <a:schemeClr val="tx1"/>
                 </a:solidFill>
               </a:rPr>
-              <a:t>Story ID: </a:t>
-            </a:r>
-            <a:r>
-              <a:rPr lang="en-AU" sz="2000" dirty="0" smtClean="0">
-                <a:solidFill>
-                  <a:schemeClr val="tx1"/>
-                </a:solidFill>
-              </a:rPr>
-              <a:t>39</a:t>
-            </a:r>
-            <a:endParaRPr lang="en-AU" sz="2000" dirty="0">
-              <a:solidFill>
-                <a:schemeClr val="tx1"/>
-              </a:solidFill>
-            </a:endParaRPr>
+              <a:t>Story ID: 39</a:t>
+            </a:r>
           </a:p>
         </p:txBody>
       </p:sp>
@@ -21272,23 +20215,7 @@
                   <a:schemeClr val="tx1"/>
                 </a:solidFill>
               </a:rPr>
-              <a:t>As an </a:t>
-            </a:r>
-            <a:r>
-              <a:rPr lang="en-AU" sz="2400" dirty="0" smtClean="0">
-                <a:solidFill>
-                  <a:schemeClr val="tx1"/>
-                </a:solidFill>
-              </a:rPr>
-              <a:t>administrator, </a:t>
-            </a:r>
-            <a:r>
-              <a:rPr lang="en-AU" sz="2400" dirty="0">
-                <a:solidFill>
-                  <a:schemeClr val="tx1"/>
-                </a:solidFill>
-              </a:rPr>
-              <a:t>after choosing a selection of data (e.g. Colleges), I want the data arranged in a basic list form with headers, so that I can choose how to view the data (e.g. Name: A-Z, Address: A-Z etc).  </a:t>
+              <a:t>As an administrator, after choosing a selection of data (e.g. Colleges), I want the data arranged in a basic list form with headers, so that I can choose how to view the data (e.g. Name: A-Z, Address: A-Z etc).  </a:t>
             </a:r>
           </a:p>
         </p:txBody>
@@ -21429,18 +20356,13 @@
           <a:p>
             <a:pPr algn="ctr"/>
             <a:r>
-              <a:rPr lang="en-AU" sz="2000" dirty="0" smtClean="0">
+              <a:rPr lang="en-AU" sz="2000" dirty="0">
                 <a:solidFill>
                   <a:schemeClr val="tx1"/>
                 </a:solidFill>
               </a:rPr>
               <a:t>1</a:t>
             </a:r>
-            <a:endParaRPr lang="en-AU" sz="2000" dirty="0">
-              <a:solidFill>
-                <a:schemeClr val="tx1"/>
-              </a:solidFill>
-            </a:endParaRPr>
           </a:p>
         </p:txBody>
       </p:sp>
@@ -21494,18 +20416,13 @@
           <a:p>
             <a:pPr algn="ctr"/>
             <a:r>
-              <a:rPr lang="en-AU" sz="2000" dirty="0" smtClean="0">
+              <a:rPr lang="en-AU" sz="2000" dirty="0">
                 <a:solidFill>
                   <a:schemeClr val="tx1"/>
                 </a:solidFill>
               </a:rPr>
               <a:t>Could</a:t>
             </a:r>
-            <a:endParaRPr lang="en-AU" sz="2000" dirty="0">
-              <a:solidFill>
-                <a:schemeClr val="tx1"/>
-              </a:solidFill>
-            </a:endParaRPr>
           </a:p>
         </p:txBody>
       </p:sp>
@@ -21664,21 +20581,8 @@
                   <a:schemeClr val="tx1"/>
                 </a:solidFill>
               </a:rPr>
-              <a:t>Story ID: </a:t>
-            </a:r>
-            <a:r>
-              <a:rPr lang="en-AU" sz="2000" dirty="0" smtClean="0">
-                <a:solidFill>
-                  <a:schemeClr val="tx1"/>
-                </a:solidFill>
-              </a:rPr>
-              <a:t>40</a:t>
-            </a:r>
-            <a:endParaRPr lang="en-AU" sz="2000" dirty="0">
-              <a:solidFill>
-                <a:schemeClr val="tx1"/>
-              </a:solidFill>
-            </a:endParaRPr>
+              <a:t>Story ID: 40</a:t>
+            </a:r>
           </a:p>
         </p:txBody>
       </p:sp>
@@ -21786,23 +20690,7 @@
                   <a:schemeClr val="tx1"/>
                 </a:solidFill>
               </a:rPr>
-              <a:t>As an </a:t>
-            </a:r>
-            <a:r>
-              <a:rPr lang="en-AU" sz="2400" dirty="0" smtClean="0">
-                <a:solidFill>
-                  <a:schemeClr val="tx1"/>
-                </a:solidFill>
-              </a:rPr>
-              <a:t>administrator, </a:t>
-            </a:r>
-            <a:r>
-              <a:rPr lang="en-AU" sz="2400" dirty="0">
-                <a:solidFill>
-                  <a:schemeClr val="tx1"/>
-                </a:solidFill>
-              </a:rPr>
-              <a:t>I want the website to be minimalistic, in a easy-to-read typeface (e.g. </a:t>
+              <a:t>As an administrator, I want the website to be minimalistic, in a easy-to-read typeface (e.g. </a:t>
             </a:r>
             <a:r>
               <a:rPr lang="en-AU" sz="2400" dirty="0" err="1">
@@ -21973,18 +20861,13 @@
           <a:p>
             <a:pPr algn="ctr"/>
             <a:r>
-              <a:rPr lang="en-AU" sz="2000" dirty="0" smtClean="0">
+              <a:rPr lang="en-AU" sz="2000" dirty="0">
                 <a:solidFill>
                   <a:schemeClr val="tx1"/>
                 </a:solidFill>
               </a:rPr>
               <a:t>1</a:t>
             </a:r>
-            <a:endParaRPr lang="en-AU" sz="2000" dirty="0">
-              <a:solidFill>
-                <a:schemeClr val="tx1"/>
-              </a:solidFill>
-            </a:endParaRPr>
           </a:p>
         </p:txBody>
       </p:sp>
@@ -22038,18 +20921,13 @@
           <a:p>
             <a:pPr algn="ctr"/>
             <a:r>
-              <a:rPr lang="en-AU" sz="2000" dirty="0" smtClean="0">
+              <a:rPr lang="en-AU" sz="2000" dirty="0">
                 <a:solidFill>
                   <a:schemeClr val="tx1"/>
                 </a:solidFill>
               </a:rPr>
               <a:t>Won’t</a:t>
             </a:r>
-            <a:endParaRPr lang="en-AU" sz="2000" dirty="0">
-              <a:solidFill>
-                <a:schemeClr val="tx1"/>
-              </a:solidFill>
-            </a:endParaRPr>
           </a:p>
         </p:txBody>
       </p:sp>
@@ -22252,21 +21130,8 @@
                   <a:schemeClr val="tx1"/>
                 </a:solidFill>
               </a:rPr>
-              <a:t>Story </a:t>
-            </a:r>
-            <a:r>
-              <a:rPr lang="en-AU" sz="2000" dirty="0" smtClean="0">
-                <a:solidFill>
-                  <a:schemeClr val="tx1"/>
-                </a:solidFill>
-              </a:rPr>
-              <a:t>ID 4</a:t>
-            </a:r>
-            <a:endParaRPr lang="en-AU" sz="2000" dirty="0">
-              <a:solidFill>
-                <a:schemeClr val="tx1"/>
-              </a:solidFill>
-            </a:endParaRPr>
+              <a:t>Story ID 4</a:t>
+            </a:r>
           </a:p>
         </p:txBody>
       </p:sp>
@@ -22314,10 +21179,9 @@
           <a:p>
             <a:pPr algn="ctr"/>
             <a:r>
-              <a:rPr lang="en-AU" sz="2800" dirty="0" smtClean="0"/>
+              <a:rPr lang="en-AU" sz="2800" dirty="0"/>
               <a:t>Searching Page</a:t>
             </a:r>
-            <a:endParaRPr lang="en-AU" sz="2800" dirty="0"/>
           </a:p>
         </p:txBody>
       </p:sp>
@@ -22516,18 +21380,13 @@
           <a:p>
             <a:pPr algn="ctr"/>
             <a:r>
-              <a:rPr lang="en-AU" sz="2000" dirty="0" smtClean="0">
+              <a:rPr lang="en-AU" sz="2000" dirty="0">
                 <a:solidFill>
                   <a:schemeClr val="tx1"/>
                 </a:solidFill>
               </a:rPr>
               <a:t>3</a:t>
             </a:r>
-            <a:endParaRPr lang="en-AU" sz="2000" dirty="0">
-              <a:solidFill>
-                <a:schemeClr val="tx1"/>
-              </a:solidFill>
-            </a:endParaRPr>
           </a:p>
         </p:txBody>
       </p:sp>
@@ -22774,21 +21633,8 @@
                   <a:schemeClr val="tx1"/>
                 </a:solidFill>
               </a:rPr>
-              <a:t>Story </a:t>
-            </a:r>
-            <a:r>
-              <a:rPr lang="en-AU" sz="2000" dirty="0" smtClean="0">
-                <a:solidFill>
-                  <a:schemeClr val="tx1"/>
-                </a:solidFill>
-              </a:rPr>
-              <a:t>ID 5</a:t>
-            </a:r>
-            <a:endParaRPr lang="en-AU" sz="2000" dirty="0">
-              <a:solidFill>
-                <a:schemeClr val="tx1"/>
-              </a:solidFill>
-            </a:endParaRPr>
+              <a:t>Story ID 5</a:t>
+            </a:r>
           </a:p>
         </p:txBody>
       </p:sp>
@@ -22836,10 +21682,9 @@
           <a:p>
             <a:pPr algn="ctr"/>
             <a:r>
-              <a:rPr lang="en-AU" sz="2800" dirty="0" smtClean="0"/>
+              <a:rPr lang="en-AU" sz="2800" dirty="0"/>
               <a:t>Student Main Page</a:t>
             </a:r>
-            <a:endParaRPr lang="en-AU" sz="2800" dirty="0"/>
           </a:p>
         </p:txBody>
       </p:sp>
@@ -22897,23 +21742,7 @@
                   <a:schemeClr val="tx1"/>
                 </a:solidFill>
               </a:rPr>
-              <a:t>As a Student I want to see information relevant to </a:t>
-            </a:r>
-            <a:r>
-              <a:rPr lang="en-AU" sz="2400" dirty="0" smtClean="0">
-                <a:solidFill>
-                  <a:schemeClr val="tx1"/>
-                </a:solidFill>
-              </a:rPr>
-              <a:t>me only, </a:t>
-            </a:r>
-            <a:r>
-              <a:rPr lang="en-AU" sz="2400" dirty="0">
-                <a:solidFill>
-                  <a:schemeClr val="tx1"/>
-                </a:solidFill>
-              </a:rPr>
-              <a:t>so that I don’t have to scroll through things that aren’t relevant to me.</a:t>
+              <a:t>As a Student I want to see information relevant to me only, so that I don’t have to scroll through things that aren’t relevant to me.</a:t>
             </a:r>
           </a:p>
         </p:txBody>
@@ -23003,186 +21832,6 @@
               <a:t>Only information relevant to student will be displayed (library, colleges, city information)</a:t>
             </a:r>
           </a:p>
-        </p:txBody>
-      </p:sp>
-      <p:sp>
-        <p:nvSpPr>
-          <p:cNvPr id="11" name="Rectangle 10"/>
-          <p:cNvSpPr/>
-          <p:nvPr/>
-        </p:nvSpPr>
-        <p:spPr>
-          <a:xfrm>
-            <a:off x="9147153" y="109410"/>
-            <a:ext cx="720000" cy="540000"/>
-          </a:xfrm>
-          <a:prstGeom prst="rect">
-            <a:avLst/>
-          </a:prstGeom>
-          <a:solidFill>
-            <a:srgbClr val="CCF0CD">
-              <a:alpha val="20000"/>
-            </a:srgbClr>
-          </a:solidFill>
-          <a:ln>
-            <a:solidFill>
-              <a:schemeClr val="accent1">
-                <a:lumMod val="50000"/>
-              </a:schemeClr>
-            </a:solidFill>
-          </a:ln>
-        </p:spPr>
-        <p:style>
-          <a:lnRef idx="2">
-            <a:schemeClr val="accent1">
-              <a:shade val="50000"/>
-            </a:schemeClr>
-          </a:lnRef>
-          <a:fillRef idx="1">
-            <a:schemeClr val="accent1"/>
-          </a:fillRef>
-          <a:effectRef idx="0">
-            <a:schemeClr val="accent1"/>
-          </a:effectRef>
-          <a:fontRef idx="minor">
-            <a:schemeClr val="lt1"/>
-          </a:fontRef>
-        </p:style>
-        <p:txBody>
-          <a:bodyPr wrap="square" lIns="0" rIns="0" rtlCol="0" anchor="ctr"/>
-          <a:lstStyle/>
-          <a:p>
-            <a:pPr algn="ctr"/>
-            <a:r>
-              <a:rPr lang="en-AU" sz="2000" dirty="0">
-                <a:solidFill>
-                  <a:schemeClr val="tx1"/>
-                </a:solidFill>
-              </a:rPr>
-              <a:t>2</a:t>
-            </a:r>
-            <a:endParaRPr lang="en-AU" sz="2000" dirty="0">
-              <a:solidFill>
-                <a:schemeClr val="tx1"/>
-              </a:solidFill>
-            </a:endParaRPr>
-          </a:p>
-        </p:txBody>
-      </p:sp>
-      <p:sp>
-        <p:nvSpPr>
-          <p:cNvPr id="12" name="Rectangle 11"/>
-          <p:cNvSpPr/>
-          <p:nvPr/>
-        </p:nvSpPr>
-        <p:spPr>
-          <a:xfrm>
-            <a:off x="8283153" y="109410"/>
-            <a:ext cx="792000" cy="540000"/>
-          </a:xfrm>
-          <a:prstGeom prst="rect">
-            <a:avLst/>
-          </a:prstGeom>
-          <a:solidFill>
-            <a:schemeClr val="accent4">
-              <a:lumMod val="20000"/>
-              <a:lumOff val="80000"/>
-            </a:schemeClr>
-          </a:solidFill>
-          <a:ln>
-            <a:solidFill>
-              <a:schemeClr val="accent1">
-                <a:lumMod val="50000"/>
-              </a:schemeClr>
-            </a:solidFill>
-          </a:ln>
-        </p:spPr>
-        <p:style>
-          <a:lnRef idx="2">
-            <a:schemeClr val="accent1">
-              <a:shade val="50000"/>
-            </a:schemeClr>
-          </a:lnRef>
-          <a:fillRef idx="1">
-            <a:schemeClr val="accent1"/>
-          </a:fillRef>
-          <a:effectRef idx="0">
-            <a:schemeClr val="accent1"/>
-          </a:effectRef>
-          <a:fontRef idx="minor">
-            <a:schemeClr val="lt1"/>
-          </a:fontRef>
-        </p:style>
-        <p:txBody>
-          <a:bodyPr wrap="none" lIns="0" rIns="0" rtlCol="0" anchor="ctr"/>
-          <a:lstStyle/>
-          <a:p>
-            <a:pPr algn="ctr"/>
-            <a:r>
-              <a:rPr lang="en-AU" sz="2000" dirty="0">
-                <a:solidFill>
-                  <a:schemeClr val="tx1"/>
-                </a:solidFill>
-              </a:rPr>
-              <a:t>Could</a:t>
-            </a:r>
-          </a:p>
-        </p:txBody>
-      </p:sp>
-      <p:sp>
-        <p:nvSpPr>
-          <p:cNvPr id="13" name="Rectangle 12"/>
-          <p:cNvSpPr/>
-          <p:nvPr/>
-        </p:nvSpPr>
-        <p:spPr>
-          <a:xfrm>
-            <a:off x="39153" y="5128590"/>
-            <a:ext cx="9828000" cy="1620000"/>
-          </a:xfrm>
-          <a:prstGeom prst="rect">
-            <a:avLst/>
-          </a:prstGeom>
-          <a:solidFill>
-            <a:schemeClr val="bg1"/>
-          </a:solidFill>
-          <a:ln>
-            <a:solidFill>
-              <a:schemeClr val="accent1">
-                <a:lumMod val="50000"/>
-              </a:schemeClr>
-            </a:solidFill>
-          </a:ln>
-        </p:spPr>
-        <p:style>
-          <a:lnRef idx="2">
-            <a:schemeClr val="accent1">
-              <a:shade val="50000"/>
-            </a:schemeClr>
-          </a:lnRef>
-          <a:fillRef idx="1">
-            <a:schemeClr val="accent1"/>
-          </a:fillRef>
-          <a:effectRef idx="0">
-            <a:schemeClr val="accent1"/>
-          </a:effectRef>
-          <a:fontRef idx="minor">
-            <a:schemeClr val="lt1"/>
-          </a:fontRef>
-        </p:style>
-        <p:txBody>
-          <a:bodyPr tIns="36000" rtlCol="0" anchor="t" anchorCtr="0"/>
-          <a:lstStyle/>
-          <a:p>
-            <a:r>
-              <a:rPr lang="en-AU" sz="2000" dirty="0">
-                <a:solidFill>
-                  <a:schemeClr val="tx1"/>
-                </a:solidFill>
-              </a:rPr>
-              <a:t>Notes</a:t>
-            </a:r>
-          </a:p>
           <a:p>
             <a:pPr marL="179388" indent="-179388">
               <a:buFont typeface="Arial" pitchFamily="34" charset="0"/>
@@ -23194,7 +21843,182 @@
                   <a:schemeClr val="tx1"/>
                 </a:solidFill>
               </a:rPr>
-              <a:t> Have 3 pages to display all the information</a:t>
+              <a:t>Feasible</a:t>
+            </a:r>
+          </a:p>
+        </p:txBody>
+      </p:sp>
+      <p:sp>
+        <p:nvSpPr>
+          <p:cNvPr id="11" name="Rectangle 10"/>
+          <p:cNvSpPr/>
+          <p:nvPr/>
+        </p:nvSpPr>
+        <p:spPr>
+          <a:xfrm>
+            <a:off x="9147153" y="109410"/>
+            <a:ext cx="720000" cy="540000"/>
+          </a:xfrm>
+          <a:prstGeom prst="rect">
+            <a:avLst/>
+          </a:prstGeom>
+          <a:solidFill>
+            <a:srgbClr val="CCF0CD">
+              <a:alpha val="20000"/>
+            </a:srgbClr>
+          </a:solidFill>
+          <a:ln>
+            <a:solidFill>
+              <a:schemeClr val="accent1">
+                <a:lumMod val="50000"/>
+              </a:schemeClr>
+            </a:solidFill>
+          </a:ln>
+        </p:spPr>
+        <p:style>
+          <a:lnRef idx="2">
+            <a:schemeClr val="accent1">
+              <a:shade val="50000"/>
+            </a:schemeClr>
+          </a:lnRef>
+          <a:fillRef idx="1">
+            <a:schemeClr val="accent1"/>
+          </a:fillRef>
+          <a:effectRef idx="0">
+            <a:schemeClr val="accent1"/>
+          </a:effectRef>
+          <a:fontRef idx="minor">
+            <a:schemeClr val="lt1"/>
+          </a:fontRef>
+        </p:style>
+        <p:txBody>
+          <a:bodyPr wrap="square" lIns="0" rIns="0" rtlCol="0" anchor="ctr"/>
+          <a:lstStyle/>
+          <a:p>
+            <a:pPr algn="ctr"/>
+            <a:r>
+              <a:rPr lang="en-AU" sz="2000" dirty="0">
+                <a:solidFill>
+                  <a:schemeClr val="tx1"/>
+                </a:solidFill>
+              </a:rPr>
+              <a:t>2</a:t>
+            </a:r>
+          </a:p>
+        </p:txBody>
+      </p:sp>
+      <p:sp>
+        <p:nvSpPr>
+          <p:cNvPr id="12" name="Rectangle 11"/>
+          <p:cNvSpPr/>
+          <p:nvPr/>
+        </p:nvSpPr>
+        <p:spPr>
+          <a:xfrm>
+            <a:off x="8283153" y="109410"/>
+            <a:ext cx="792000" cy="540000"/>
+          </a:xfrm>
+          <a:prstGeom prst="rect">
+            <a:avLst/>
+          </a:prstGeom>
+          <a:solidFill>
+            <a:schemeClr val="accent4">
+              <a:lumMod val="20000"/>
+              <a:lumOff val="80000"/>
+            </a:schemeClr>
+          </a:solidFill>
+          <a:ln>
+            <a:solidFill>
+              <a:schemeClr val="accent1">
+                <a:lumMod val="50000"/>
+              </a:schemeClr>
+            </a:solidFill>
+          </a:ln>
+        </p:spPr>
+        <p:style>
+          <a:lnRef idx="2">
+            <a:schemeClr val="accent1">
+              <a:shade val="50000"/>
+            </a:schemeClr>
+          </a:lnRef>
+          <a:fillRef idx="1">
+            <a:schemeClr val="accent1"/>
+          </a:fillRef>
+          <a:effectRef idx="0">
+            <a:schemeClr val="accent1"/>
+          </a:effectRef>
+          <a:fontRef idx="minor">
+            <a:schemeClr val="lt1"/>
+          </a:fontRef>
+        </p:style>
+        <p:txBody>
+          <a:bodyPr wrap="none" lIns="0" rIns="0" rtlCol="0" anchor="ctr"/>
+          <a:lstStyle/>
+          <a:p>
+            <a:pPr algn="ctr"/>
+            <a:r>
+              <a:rPr lang="en-AU" sz="2000" dirty="0">
+                <a:solidFill>
+                  <a:schemeClr val="tx1"/>
+                </a:solidFill>
+              </a:rPr>
+              <a:t>Could</a:t>
+            </a:r>
+          </a:p>
+        </p:txBody>
+      </p:sp>
+      <p:sp>
+        <p:nvSpPr>
+          <p:cNvPr id="13" name="Rectangle 12"/>
+          <p:cNvSpPr/>
+          <p:nvPr/>
+        </p:nvSpPr>
+        <p:spPr>
+          <a:xfrm>
+            <a:off x="39153" y="5128590"/>
+            <a:ext cx="9828000" cy="1620000"/>
+          </a:xfrm>
+          <a:prstGeom prst="rect">
+            <a:avLst/>
+          </a:prstGeom>
+          <a:solidFill>
+            <a:schemeClr val="bg1"/>
+          </a:solidFill>
+          <a:ln>
+            <a:solidFill>
+              <a:schemeClr val="accent1">
+                <a:lumMod val="50000"/>
+              </a:schemeClr>
+            </a:solidFill>
+          </a:ln>
+        </p:spPr>
+        <p:style>
+          <a:lnRef idx="2">
+            <a:schemeClr val="accent1">
+              <a:shade val="50000"/>
+            </a:schemeClr>
+          </a:lnRef>
+          <a:fillRef idx="1">
+            <a:schemeClr val="accent1"/>
+          </a:fillRef>
+          <a:effectRef idx="0">
+            <a:schemeClr val="accent1"/>
+          </a:effectRef>
+          <a:fontRef idx="minor">
+            <a:schemeClr val="lt1"/>
+          </a:fontRef>
+        </p:style>
+        <p:txBody>
+          <a:bodyPr tIns="36000" rtlCol="0" anchor="t" anchorCtr="0"/>
+          <a:lstStyle/>
+          <a:p>
+            <a:r>
+              <a:rPr lang="en-AU" sz="2000" dirty="0">
+                <a:solidFill>
+                  <a:schemeClr val="tx1"/>
+                </a:solidFill>
+              </a:rPr>
+              <a:t>Notes</a:t>
             </a:r>
           </a:p>
           <a:p>
@@ -23208,7 +22032,35 @@
                   <a:schemeClr val="tx1"/>
                 </a:solidFill>
               </a:rPr>
+              <a:t> Have 3 pages to display all the information</a:t>
+            </a:r>
+          </a:p>
+          <a:p>
+            <a:pPr marL="179388" indent="-179388">
+              <a:buFont typeface="Arial" pitchFamily="34" charset="0"/>
+              <a:buChar char="•"/>
+            </a:pPr>
+            <a:r>
+              <a:rPr lang="en-AU" sz="2000" dirty="0">
+                <a:solidFill>
+                  <a:schemeClr val="tx1"/>
+                </a:solidFill>
+              </a:rPr>
               <a:t>4-7 hour Implementation</a:t>
+            </a:r>
+          </a:p>
+          <a:p>
+            <a:pPr marL="179388" indent="-179388">
+              <a:buFont typeface="Arial" pitchFamily="34" charset="0"/>
+              <a:buChar char="•"/>
+            </a:pPr>
+            <a:r>
+              <a:rPr lang="en-AU" sz="2000" dirty="0">
+                <a:solidFill>
+                  <a:schemeClr val="tx1"/>
+                </a:solidFill>
+              </a:rPr>
+              <a:t>Keep it neat and tidy</a:t>
             </a:r>
           </a:p>
         </p:txBody>
@@ -23298,16 +22150,206 @@
                   <a:schemeClr val="tx1"/>
                 </a:solidFill>
               </a:rPr>
-              <a:t>Story </a:t>
-            </a:r>
-            <a:r>
-              <a:rPr lang="en-AU" sz="2000" dirty="0" smtClean="0">
-                <a:solidFill>
-                  <a:schemeClr val="tx1"/>
-                </a:solidFill>
-              </a:rPr>
-              <a:t>ID 6</a:t>
-            </a:r>
+              <a:t>Story ID 6</a:t>
+            </a:r>
+          </a:p>
+        </p:txBody>
+      </p:sp>
+      <p:sp>
+        <p:nvSpPr>
+          <p:cNvPr id="6" name="Rectangle 5"/>
+          <p:cNvSpPr/>
+          <p:nvPr/>
+        </p:nvSpPr>
+        <p:spPr>
+          <a:xfrm>
+            <a:off x="759153" y="109410"/>
+            <a:ext cx="7380000" cy="540000"/>
+          </a:xfrm>
+          <a:prstGeom prst="rect">
+            <a:avLst/>
+          </a:prstGeom>
+          <a:ln>
+            <a:solidFill>
+              <a:schemeClr val="accent1">
+                <a:lumMod val="50000"/>
+              </a:schemeClr>
+            </a:solidFill>
+          </a:ln>
+        </p:spPr>
+        <p:style>
+          <a:lnRef idx="2">
+            <a:schemeClr val="accent1">
+              <a:shade val="50000"/>
+            </a:schemeClr>
+          </a:lnRef>
+          <a:fillRef idx="1">
+            <a:schemeClr val="accent1"/>
+          </a:fillRef>
+          <a:effectRef idx="0">
+            <a:schemeClr val="accent1"/>
+          </a:effectRef>
+          <a:fontRef idx="minor">
+            <a:schemeClr val="lt1"/>
+          </a:fontRef>
+        </p:style>
+        <p:txBody>
+          <a:bodyPr rtlCol="0" anchor="ctr"/>
+          <a:lstStyle/>
+          <a:p>
+            <a:pPr algn="ctr"/>
+            <a:r>
+              <a:rPr lang="en-AU" sz="2800" dirty="0"/>
+              <a:t>Navigation Map Page</a:t>
+            </a:r>
+          </a:p>
+        </p:txBody>
+      </p:sp>
+      <p:sp>
+        <p:nvSpPr>
+          <p:cNvPr id="7" name="Rectangle 6"/>
+          <p:cNvSpPr/>
+          <p:nvPr/>
+        </p:nvSpPr>
+        <p:spPr>
+          <a:xfrm>
+            <a:off x="39153" y="822470"/>
+            <a:ext cx="9828000" cy="2340000"/>
+          </a:xfrm>
+          <a:prstGeom prst="rect">
+            <a:avLst/>
+          </a:prstGeom>
+          <a:solidFill>
+            <a:schemeClr val="tx2">
+              <a:lumMod val="20000"/>
+              <a:lumOff val="80000"/>
+            </a:schemeClr>
+          </a:solidFill>
+          <a:ln>
+            <a:solidFill>
+              <a:schemeClr val="accent1">
+                <a:lumMod val="50000"/>
+              </a:schemeClr>
+            </a:solidFill>
+          </a:ln>
+        </p:spPr>
+        <p:style>
+          <a:lnRef idx="2">
+            <a:schemeClr val="accent1">
+              <a:shade val="50000"/>
+            </a:schemeClr>
+          </a:lnRef>
+          <a:fillRef idx="1">
+            <a:schemeClr val="accent1"/>
+          </a:fillRef>
+          <a:effectRef idx="0">
+            <a:schemeClr val="accent1"/>
+          </a:effectRef>
+          <a:fontRef idx="minor">
+            <a:schemeClr val="lt1"/>
+          </a:fontRef>
+        </p:style>
+        <p:txBody>
+          <a:bodyPr rtlCol="0" anchor="t" anchorCtr="0"/>
+          <a:lstStyle/>
+          <a:p>
+            <a:r>
+              <a:rPr lang="en-AU" sz="2400" dirty="0">
+                <a:solidFill>
+                  <a:schemeClr val="tx1"/>
+                </a:solidFill>
+              </a:rPr>
+              <a:t>As a Student I want a navigation map so that I can navigate around the city.</a:t>
+            </a:r>
+          </a:p>
+        </p:txBody>
+      </p:sp>
+      <p:sp>
+        <p:nvSpPr>
+          <p:cNvPr id="8" name="Rectangle 7"/>
+          <p:cNvSpPr/>
+          <p:nvPr/>
+        </p:nvSpPr>
+        <p:spPr>
+          <a:xfrm>
+            <a:off x="39153" y="3345469"/>
+            <a:ext cx="9828000" cy="1620000"/>
+          </a:xfrm>
+          <a:prstGeom prst="rect">
+            <a:avLst/>
+          </a:prstGeom>
+          <a:solidFill>
+            <a:schemeClr val="accent1">
+              <a:lumMod val="20000"/>
+              <a:lumOff val="80000"/>
+            </a:schemeClr>
+          </a:solidFill>
+          <a:ln>
+            <a:solidFill>
+              <a:schemeClr val="accent1">
+                <a:lumMod val="50000"/>
+              </a:schemeClr>
+            </a:solidFill>
+          </a:ln>
+        </p:spPr>
+        <p:style>
+          <a:lnRef idx="2">
+            <a:schemeClr val="accent1">
+              <a:shade val="50000"/>
+            </a:schemeClr>
+          </a:lnRef>
+          <a:fillRef idx="1">
+            <a:schemeClr val="accent1"/>
+          </a:fillRef>
+          <a:effectRef idx="0">
+            <a:schemeClr val="accent1"/>
+          </a:effectRef>
+          <a:fontRef idx="minor">
+            <a:schemeClr val="lt1"/>
+          </a:fontRef>
+        </p:style>
+        <p:txBody>
+          <a:bodyPr tIns="36000" rtlCol="0" anchor="t" anchorCtr="0"/>
+          <a:lstStyle/>
+          <a:p>
+            <a:r>
+              <a:rPr lang="en-AU" sz="2000" dirty="0">
+                <a:solidFill>
+                  <a:schemeClr val="tx1"/>
+                </a:solidFill>
+              </a:rPr>
+              <a:t>Acceptance Criteria</a:t>
+            </a:r>
+          </a:p>
+          <a:p>
+            <a:pPr marL="179388" indent="-179388">
+              <a:buFont typeface="Arial" pitchFamily="34" charset="0"/>
+              <a:buChar char="•"/>
+            </a:pPr>
+            <a:r>
+              <a:rPr lang="en-AU" sz="2000" dirty="0">
+                <a:solidFill>
+                  <a:schemeClr val="tx1"/>
+                </a:solidFill>
+              </a:rPr>
+              <a:t> Have a map to display current location of user on a map.</a:t>
+            </a:r>
+          </a:p>
+          <a:p>
+            <a:pPr marL="179388" indent="-179388">
+              <a:buFont typeface="Arial" pitchFamily="34" charset="0"/>
+              <a:buChar char="•"/>
+            </a:pPr>
+            <a:r>
+              <a:rPr lang="en-AU" sz="2000" dirty="0">
+                <a:solidFill>
+                  <a:schemeClr val="tx1"/>
+                </a:solidFill>
+              </a:rPr>
+              <a:t>When a student logins</a:t>
+            </a:r>
+          </a:p>
+          <a:p>
             <a:endParaRPr lang="en-AU" sz="2000" dirty="0">
               <a:solidFill>
                 <a:schemeClr val="tx1"/>
@@ -23318,71 +22360,79 @@
       </p:sp>
       <p:sp>
         <p:nvSpPr>
-          <p:cNvPr id="6" name="Rectangle 5"/>
-          <p:cNvSpPr/>
-          <p:nvPr/>
-        </p:nvSpPr>
-        <p:spPr>
-          <a:xfrm>
-            <a:off x="759153" y="109410"/>
-            <a:ext cx="7380000" cy="540000"/>
-          </a:xfrm>
-          <a:prstGeom prst="rect">
-            <a:avLst/>
-          </a:prstGeom>
-          <a:ln>
-            <a:solidFill>
-              <a:schemeClr val="accent1">
-                <a:lumMod val="50000"/>
-              </a:schemeClr>
-            </a:solidFill>
-          </a:ln>
-        </p:spPr>
-        <p:style>
-          <a:lnRef idx="2">
-            <a:schemeClr val="accent1">
-              <a:shade val="50000"/>
-            </a:schemeClr>
-          </a:lnRef>
-          <a:fillRef idx="1">
-            <a:schemeClr val="accent1"/>
-          </a:fillRef>
-          <a:effectRef idx="0">
-            <a:schemeClr val="accent1"/>
-          </a:effectRef>
-          <a:fontRef idx="minor">
-            <a:schemeClr val="lt1"/>
-          </a:fontRef>
-        </p:style>
-        <p:txBody>
-          <a:bodyPr rtlCol="0" anchor="ctr"/>
+          <p:cNvPr id="11" name="Rectangle 10"/>
+          <p:cNvSpPr/>
+          <p:nvPr/>
+        </p:nvSpPr>
+        <p:spPr>
+          <a:xfrm>
+            <a:off x="9147153" y="109410"/>
+            <a:ext cx="720000" cy="540000"/>
+          </a:xfrm>
+          <a:prstGeom prst="rect">
+            <a:avLst/>
+          </a:prstGeom>
+          <a:solidFill>
+            <a:srgbClr val="CCF0CD">
+              <a:alpha val="20000"/>
+            </a:srgbClr>
+          </a:solidFill>
+          <a:ln>
+            <a:solidFill>
+              <a:schemeClr val="accent1">
+                <a:lumMod val="50000"/>
+              </a:schemeClr>
+            </a:solidFill>
+          </a:ln>
+        </p:spPr>
+        <p:style>
+          <a:lnRef idx="2">
+            <a:schemeClr val="accent1">
+              <a:shade val="50000"/>
+            </a:schemeClr>
+          </a:lnRef>
+          <a:fillRef idx="1">
+            <a:schemeClr val="accent1"/>
+          </a:fillRef>
+          <a:effectRef idx="0">
+            <a:schemeClr val="accent1"/>
+          </a:effectRef>
+          <a:fontRef idx="minor">
+            <a:schemeClr val="lt1"/>
+          </a:fontRef>
+        </p:style>
+        <p:txBody>
+          <a:bodyPr wrap="square" lIns="0" rIns="0" rtlCol="0" anchor="ctr"/>
           <a:lstStyle/>
           <a:p>
             <a:pPr algn="ctr"/>
             <a:r>
-              <a:rPr lang="en-AU" sz="2800" dirty="0" smtClean="0"/>
-              <a:t>Navigation Map Page</a:t>
-            </a:r>
-            <a:endParaRPr lang="en-AU" sz="2800" dirty="0"/>
-          </a:p>
-        </p:txBody>
-      </p:sp>
-      <p:sp>
-        <p:nvSpPr>
-          <p:cNvPr id="7" name="Rectangle 6"/>
-          <p:cNvSpPr/>
-          <p:nvPr/>
-        </p:nvSpPr>
-        <p:spPr>
-          <a:xfrm>
-            <a:off x="39153" y="822470"/>
-            <a:ext cx="9828000" cy="2340000"/>
-          </a:xfrm>
-          <a:prstGeom prst="rect">
-            <a:avLst/>
-          </a:prstGeom>
-          <a:solidFill>
-            <a:schemeClr val="tx2">
+              <a:rPr lang="en-AU" sz="2000" dirty="0">
+                <a:solidFill>
+                  <a:schemeClr val="tx1"/>
+                </a:solidFill>
+              </a:rPr>
+              <a:t>4</a:t>
+            </a:r>
+          </a:p>
+        </p:txBody>
+      </p:sp>
+      <p:sp>
+        <p:nvSpPr>
+          <p:cNvPr id="12" name="Rectangle 11"/>
+          <p:cNvSpPr/>
+          <p:nvPr/>
+        </p:nvSpPr>
+        <p:spPr>
+          <a:xfrm>
+            <a:off x="8283153" y="109410"/>
+            <a:ext cx="792000" cy="540000"/>
+          </a:xfrm>
+          <a:prstGeom prst="rect">
+            <a:avLst/>
+          </a:prstGeom>
+          <a:solidFill>
+            <a:schemeClr val="accent4">
               <a:lumMod val="20000"/>
               <a:lumOff val="80000"/>
             </a:schemeClr>
@@ -23412,71 +22462,37 @@
           </a:fontRef>
         </p:style>
         <p:txBody>
-          <a:bodyPr rtlCol="0" anchor="t" anchorCtr="0"/>
-          <a:lstStyle/>
-          <a:p>
-            <a:r>
-              <a:rPr lang="en-AU" sz="2400" dirty="0">
-                <a:solidFill>
-                  <a:schemeClr val="tx1"/>
-                </a:solidFill>
-              </a:rPr>
-              <a:t>As a Student I want a </a:t>
-            </a:r>
-            <a:r>
-              <a:rPr lang="en-AU" sz="2400" dirty="0" smtClean="0">
-                <a:solidFill>
-                  <a:schemeClr val="tx1"/>
-                </a:solidFill>
-              </a:rPr>
-              <a:t>navigation map </a:t>
-            </a:r>
-            <a:r>
-              <a:rPr lang="en-AU" sz="2400" dirty="0">
-                <a:solidFill>
-                  <a:schemeClr val="tx1"/>
-                </a:solidFill>
-              </a:rPr>
-              <a:t>so that I can </a:t>
-            </a:r>
-            <a:r>
-              <a:rPr lang="en-AU" sz="2400" dirty="0" smtClean="0">
-                <a:solidFill>
-                  <a:schemeClr val="tx1"/>
-                </a:solidFill>
-              </a:rPr>
-              <a:t>navigate around </a:t>
-            </a:r>
-            <a:r>
-              <a:rPr lang="en-AU" sz="2400" dirty="0">
-                <a:solidFill>
-                  <a:schemeClr val="tx1"/>
-                </a:solidFill>
-              </a:rPr>
-              <a:t>the city.</a:t>
-            </a:r>
-          </a:p>
-        </p:txBody>
-      </p:sp>
-      <p:sp>
-        <p:nvSpPr>
-          <p:cNvPr id="8" name="Rectangle 7"/>
-          <p:cNvSpPr/>
-          <p:nvPr/>
-        </p:nvSpPr>
-        <p:spPr>
-          <a:xfrm>
-            <a:off x="39153" y="3345469"/>
+          <a:bodyPr wrap="none" lIns="0" rIns="0" rtlCol="0" anchor="ctr"/>
+          <a:lstStyle/>
+          <a:p>
+            <a:pPr algn="ctr"/>
+            <a:r>
+              <a:rPr lang="en-AU" sz="2000" dirty="0">
+                <a:solidFill>
+                  <a:schemeClr val="tx1"/>
+                </a:solidFill>
+              </a:rPr>
+              <a:t>Won’t</a:t>
+            </a:r>
+          </a:p>
+        </p:txBody>
+      </p:sp>
+      <p:sp>
+        <p:nvSpPr>
+          <p:cNvPr id="13" name="Rectangle 12"/>
+          <p:cNvSpPr/>
+          <p:nvPr/>
+        </p:nvSpPr>
+        <p:spPr>
+          <a:xfrm>
+            <a:off x="39153" y="5128590"/>
             <a:ext cx="9828000" cy="1620000"/>
           </a:xfrm>
           <a:prstGeom prst="rect">
             <a:avLst/>
           </a:prstGeom>
           <a:solidFill>
-            <a:schemeClr val="accent1">
-              <a:lumMod val="20000"/>
-              <a:lumOff val="80000"/>
-            </a:schemeClr>
+            <a:schemeClr val="bg1"/>
           </a:solidFill>
           <a:ln>
             <a:solidFill>
@@ -23512,7 +22528,7 @@
                   <a:schemeClr val="tx1"/>
                 </a:solidFill>
               </a:rPr>
-              <a:t>Acceptance Criteria</a:t>
+              <a:t>Notes</a:t>
             </a:r>
           </a:p>
           <a:p>
@@ -23526,7 +22542,7 @@
                   <a:schemeClr val="tx1"/>
                 </a:solidFill>
               </a:rPr>
-              <a:t> Have a map to display current location of user on a map.</a:t>
+              <a:t> Might not be possible within time constraints.</a:t>
             </a:r>
           </a:p>
           <a:p>
@@ -23540,192 +22556,7 @@
                   <a:schemeClr val="tx1"/>
                 </a:solidFill>
               </a:rPr>
-              <a:t>When a student logins</a:t>
-            </a:r>
-          </a:p>
-        </p:txBody>
-      </p:sp>
-      <p:sp>
-        <p:nvSpPr>
-          <p:cNvPr id="11" name="Rectangle 10"/>
-          <p:cNvSpPr/>
-          <p:nvPr/>
-        </p:nvSpPr>
-        <p:spPr>
-          <a:xfrm>
-            <a:off x="9147153" y="109410"/>
-            <a:ext cx="720000" cy="540000"/>
-          </a:xfrm>
-          <a:prstGeom prst="rect">
-            <a:avLst/>
-          </a:prstGeom>
-          <a:solidFill>
-            <a:srgbClr val="CCF0CD">
-              <a:alpha val="20000"/>
-            </a:srgbClr>
-          </a:solidFill>
-          <a:ln>
-            <a:solidFill>
-              <a:schemeClr val="accent1">
-                <a:lumMod val="50000"/>
-              </a:schemeClr>
-            </a:solidFill>
-          </a:ln>
-        </p:spPr>
-        <p:style>
-          <a:lnRef idx="2">
-            <a:schemeClr val="accent1">
-              <a:shade val="50000"/>
-            </a:schemeClr>
-          </a:lnRef>
-          <a:fillRef idx="1">
-            <a:schemeClr val="accent1"/>
-          </a:fillRef>
-          <a:effectRef idx="0">
-            <a:schemeClr val="accent1"/>
-          </a:effectRef>
-          <a:fontRef idx="minor">
-            <a:schemeClr val="lt1"/>
-          </a:fontRef>
-        </p:style>
-        <p:txBody>
-          <a:bodyPr wrap="square" lIns="0" rIns="0" rtlCol="0" anchor="ctr"/>
-          <a:lstStyle/>
-          <a:p>
-            <a:pPr algn="ctr"/>
-            <a:r>
-              <a:rPr lang="en-AU" sz="2000" dirty="0" smtClean="0">
-                <a:solidFill>
-                  <a:schemeClr val="tx1"/>
-                </a:solidFill>
-              </a:rPr>
-              <a:t>4</a:t>
-            </a:r>
-            <a:endParaRPr lang="en-AU" sz="2000" dirty="0">
-              <a:solidFill>
-                <a:schemeClr val="tx1"/>
-              </a:solidFill>
-            </a:endParaRPr>
-          </a:p>
-        </p:txBody>
-      </p:sp>
-      <p:sp>
-        <p:nvSpPr>
-          <p:cNvPr id="12" name="Rectangle 11"/>
-          <p:cNvSpPr/>
-          <p:nvPr/>
-        </p:nvSpPr>
-        <p:spPr>
-          <a:xfrm>
-            <a:off x="8283153" y="109410"/>
-            <a:ext cx="792000" cy="540000"/>
-          </a:xfrm>
-          <a:prstGeom prst="rect">
-            <a:avLst/>
-          </a:prstGeom>
-          <a:solidFill>
-            <a:schemeClr val="accent4">
-              <a:lumMod val="20000"/>
-              <a:lumOff val="80000"/>
-            </a:schemeClr>
-          </a:solidFill>
-          <a:ln>
-            <a:solidFill>
-              <a:schemeClr val="accent1">
-                <a:lumMod val="50000"/>
-              </a:schemeClr>
-            </a:solidFill>
-          </a:ln>
-        </p:spPr>
-        <p:style>
-          <a:lnRef idx="2">
-            <a:schemeClr val="accent1">
-              <a:shade val="50000"/>
-            </a:schemeClr>
-          </a:lnRef>
-          <a:fillRef idx="1">
-            <a:schemeClr val="accent1"/>
-          </a:fillRef>
-          <a:effectRef idx="0">
-            <a:schemeClr val="accent1"/>
-          </a:effectRef>
-          <a:fontRef idx="minor">
-            <a:schemeClr val="lt1"/>
-          </a:fontRef>
-        </p:style>
-        <p:txBody>
-          <a:bodyPr wrap="none" lIns="0" rIns="0" rtlCol="0" anchor="ctr"/>
-          <a:lstStyle/>
-          <a:p>
-            <a:pPr algn="ctr"/>
-            <a:r>
-              <a:rPr lang="en-AU" sz="2000" dirty="0" smtClean="0">
-                <a:solidFill>
-                  <a:schemeClr val="tx1"/>
-                </a:solidFill>
-              </a:rPr>
-              <a:t>Won’t</a:t>
-            </a:r>
-            <a:endParaRPr lang="en-AU" sz="2000" dirty="0">
-              <a:solidFill>
-                <a:schemeClr val="tx1"/>
-              </a:solidFill>
-            </a:endParaRPr>
-          </a:p>
-        </p:txBody>
-      </p:sp>
-      <p:sp>
-        <p:nvSpPr>
-          <p:cNvPr id="13" name="Rectangle 12"/>
-          <p:cNvSpPr/>
-          <p:nvPr/>
-        </p:nvSpPr>
-        <p:spPr>
-          <a:xfrm>
-            <a:off x="39153" y="5128590"/>
-            <a:ext cx="9828000" cy="1620000"/>
-          </a:xfrm>
-          <a:prstGeom prst="rect">
-            <a:avLst/>
-          </a:prstGeom>
-          <a:solidFill>
-            <a:schemeClr val="bg1"/>
-          </a:solidFill>
-          <a:ln>
-            <a:solidFill>
-              <a:schemeClr val="accent1">
-                <a:lumMod val="50000"/>
-              </a:schemeClr>
-            </a:solidFill>
-          </a:ln>
-        </p:spPr>
-        <p:style>
-          <a:lnRef idx="2">
-            <a:schemeClr val="accent1">
-              <a:shade val="50000"/>
-            </a:schemeClr>
-          </a:lnRef>
-          <a:fillRef idx="1">
-            <a:schemeClr val="accent1"/>
-          </a:fillRef>
-          <a:effectRef idx="0">
-            <a:schemeClr val="accent1"/>
-          </a:effectRef>
-          <a:fontRef idx="minor">
-            <a:schemeClr val="lt1"/>
-          </a:fontRef>
-        </p:style>
-        <p:txBody>
-          <a:bodyPr tIns="36000" rtlCol="0" anchor="t" anchorCtr="0"/>
-          <a:lstStyle/>
-          <a:p>
-            <a:r>
-              <a:rPr lang="en-AU" sz="2000" dirty="0">
-                <a:solidFill>
-                  <a:schemeClr val="tx1"/>
-                </a:solidFill>
-              </a:rPr>
-              <a:t>Notes</a:t>
+              <a:t>Could be displayed on home page</a:t>
             </a:r>
           </a:p>
           <a:p>
@@ -23739,7 +22570,7 @@
                   <a:schemeClr val="tx1"/>
                 </a:solidFill>
               </a:rPr>
-              <a:t> Might not be possible within time constraints.</a:t>
+              <a:t>Maybe integrate with already existing map service </a:t>
             </a:r>
           </a:p>
           <a:p>
@@ -23753,21 +22584,7 @@
                   <a:schemeClr val="tx1"/>
                 </a:solidFill>
               </a:rPr>
-              <a:t>Could be displayed on home page</a:t>
-            </a:r>
-          </a:p>
-          <a:p>
-            <a:pPr marL="179388" indent="-179388">
-              <a:buFont typeface="Arial" pitchFamily="34" charset="0"/>
-              <a:buChar char="•"/>
-            </a:pPr>
-            <a:r>
-              <a:rPr lang="en-AU" sz="2000" dirty="0">
-                <a:solidFill>
-                  <a:schemeClr val="tx1"/>
-                </a:solidFill>
-              </a:rPr>
-              <a:t>Maybe integrate with already existing map service </a:t>
+              <a:t>Could take 8+ hours to implement </a:t>
             </a:r>
           </a:p>
         </p:txBody>
@@ -23857,15 +22674,7 @@
                   <a:schemeClr val="tx1"/>
                 </a:solidFill>
               </a:rPr>
-              <a:t>Story </a:t>
-            </a:r>
-            <a:r>
-              <a:rPr lang="en-AU" sz="2000" dirty="0" smtClean="0">
-                <a:solidFill>
-                  <a:schemeClr val="tx1"/>
-                </a:solidFill>
-              </a:rPr>
-              <a:t>ID 7</a:t>
+              <a:t>Story ID 7</a:t>
             </a:r>
           </a:p>
         </p:txBody>
@@ -23914,10 +22723,9 @@
           <a:p>
             <a:pPr algn="ctr"/>
             <a:r>
-              <a:rPr lang="en-AU" sz="2800" dirty="0" smtClean="0"/>
+              <a:rPr lang="en-AU" sz="2800" dirty="0"/>
               <a:t>Rating of Colleges</a:t>
             </a:r>
-            <a:endParaRPr lang="en-AU" sz="2800" dirty="0"/>
           </a:p>
         </p:txBody>
       </p:sp>
@@ -24102,18 +22910,13 @@
           <a:p>
             <a:pPr algn="ctr"/>
             <a:r>
-              <a:rPr lang="en-AU" sz="2000" dirty="0" smtClean="0">
+              <a:rPr lang="en-AU" sz="2000" dirty="0">
                 <a:solidFill>
                   <a:schemeClr val="tx1"/>
                 </a:solidFill>
               </a:rPr>
               <a:t>3</a:t>
             </a:r>
-            <a:endParaRPr lang="en-AU" sz="2000" dirty="0">
-              <a:solidFill>
-                <a:schemeClr val="tx1"/>
-              </a:solidFill>
-            </a:endParaRPr>
           </a:p>
         </p:txBody>
       </p:sp>
@@ -24243,6 +23046,34 @@
                 </a:solidFill>
               </a:rPr>
               <a:t> Maybe have a 5 star rating systems on the popularity rather than its academic achievement.  </a:t>
+            </a:r>
+          </a:p>
+          <a:p>
+            <a:pPr marL="179388" indent="-179388">
+              <a:buFont typeface="Arial" pitchFamily="34" charset="0"/>
+              <a:buChar char="•"/>
+            </a:pPr>
+            <a:r>
+              <a:rPr lang="en-AU" sz="2000" dirty="0">
+                <a:solidFill>
+                  <a:schemeClr val="tx1"/>
+                </a:solidFill>
+              </a:rPr>
+              <a:t>Time to implement 1-3 hours</a:t>
+            </a:r>
+          </a:p>
+          <a:p>
+            <a:pPr marL="179388" indent="-179388">
+              <a:buFont typeface="Arial" pitchFamily="34" charset="0"/>
+              <a:buChar char="•"/>
+            </a:pPr>
+            <a:r>
+              <a:rPr lang="en-AU" sz="2000" dirty="0">
+                <a:solidFill>
+                  <a:schemeClr val="tx1"/>
+                </a:solidFill>
+              </a:rPr>
+              <a:t>Could be feasible</a:t>
             </a:r>
           </a:p>
         </p:txBody>
@@ -24332,21 +23163,8 @@
                   <a:schemeClr val="tx1"/>
                 </a:solidFill>
               </a:rPr>
-              <a:t>Story </a:t>
-            </a:r>
-            <a:r>
-              <a:rPr lang="en-AU" sz="2000" dirty="0" smtClean="0">
-                <a:solidFill>
-                  <a:schemeClr val="tx1"/>
-                </a:solidFill>
-              </a:rPr>
-              <a:t>ID 8</a:t>
-            </a:r>
-            <a:endParaRPr lang="en-AU" sz="2000" dirty="0">
-              <a:solidFill>
-                <a:schemeClr val="tx1"/>
-              </a:solidFill>
-            </a:endParaRPr>
+              <a:t>Story ID 8</a:t>
+            </a:r>
           </a:p>
         </p:txBody>
       </p:sp>
@@ -24394,10 +23212,9 @@
           <a:p>
             <a:pPr algn="ctr"/>
             <a:r>
-              <a:rPr lang="en-AU" sz="2800" dirty="0" smtClean="0"/>
+              <a:rPr lang="en-AU" sz="2800" dirty="0"/>
               <a:t>Prices on Selected Destination</a:t>
             </a:r>
-            <a:endParaRPr lang="en-AU" sz="2800" dirty="0"/>
           </a:p>
         </p:txBody>
       </p:sp>
@@ -24582,18 +23399,13 @@
           <a:p>
             <a:pPr algn="ctr"/>
             <a:r>
-              <a:rPr lang="en-AU" sz="2000" dirty="0" smtClean="0">
+              <a:rPr lang="en-AU" sz="2000" dirty="0">
                 <a:solidFill>
                   <a:schemeClr val="tx1"/>
                 </a:solidFill>
               </a:rPr>
               <a:t>3</a:t>
             </a:r>
-            <a:endParaRPr lang="en-AU" sz="2000" dirty="0">
-              <a:solidFill>
-                <a:schemeClr val="tx1"/>
-              </a:solidFill>
-            </a:endParaRPr>
           </a:p>
         </p:txBody>
       </p:sp>
@@ -24647,18 +23459,13 @@
           <a:p>
             <a:pPr algn="ctr"/>
             <a:r>
-              <a:rPr lang="en-AU" sz="2000" dirty="0" smtClean="0">
+              <a:rPr lang="en-AU" sz="2000" dirty="0">
                 <a:solidFill>
                   <a:schemeClr val="tx1"/>
                 </a:solidFill>
               </a:rPr>
               <a:t>Won’t</a:t>
             </a:r>
-            <a:endParaRPr lang="en-AU" sz="2000" dirty="0">
-              <a:solidFill>
-                <a:schemeClr val="tx1"/>
-              </a:solidFill>
-            </a:endParaRPr>
           </a:p>
         </p:txBody>
       </p:sp>
@@ -24722,12 +23529,12 @@
               <a:buChar char="•"/>
             </a:pPr>
             <a:r>
-              <a:rPr lang="en-AU" sz="2000" dirty="0">
-                <a:solidFill>
-                  <a:schemeClr val="tx1"/>
-                </a:solidFill>
-              </a:rPr>
-              <a:t> Maybe dollars signs symbolising how expensive a certain place is.</a:t>
+              <a:rPr lang="en-AU" sz="1600" dirty="0">
+                <a:solidFill>
+                  <a:schemeClr val="tx1"/>
+                </a:solidFill>
+              </a:rPr>
+              <a:t> Maybe dollars signs symbolising how expensive a certain place is as it $ being cheap and $$$ being expensive.</a:t>
             </a:r>
           </a:p>
           <a:p>
@@ -24736,7 +23543,7 @@
               <a:buChar char="•"/>
             </a:pPr>
             <a:r>
-              <a:rPr lang="en-AU" sz="2000" dirty="0">
+              <a:rPr lang="en-AU" sz="1600" dirty="0">
                 <a:solidFill>
                   <a:schemeClr val="tx1"/>
                 </a:solidFill>
@@ -24750,22 +23557,48 @@
               <a:buChar char="•"/>
             </a:pPr>
             <a:r>
-              <a:rPr lang="en-AU" sz="2000" dirty="0">
-                <a:solidFill>
-                  <a:schemeClr val="tx1"/>
-                </a:solidFill>
-              </a:rPr>
-              <a:t>Probably just a feature for food </a:t>
-            </a:r>
-            <a:r>
-              <a:rPr lang="en-AU" sz="2000" dirty="0" smtClean="0">
-                <a:solidFill>
-                  <a:schemeClr val="tx1"/>
-                </a:solidFill>
-              </a:rPr>
-              <a:t>destinations </a:t>
-            </a:r>
-            <a:endParaRPr lang="en-AU" sz="2000" dirty="0">
+              <a:rPr lang="en-AU" sz="1600" dirty="0">
+                <a:solidFill>
+                  <a:schemeClr val="tx1"/>
+                </a:solidFill>
+              </a:rPr>
+              <a:t>Probably just a feature for food destinations </a:t>
+            </a:r>
+          </a:p>
+          <a:p>
+            <a:pPr marL="179388" indent="-179388">
+              <a:buFont typeface="Arial" pitchFamily="34" charset="0"/>
+              <a:buChar char="•"/>
+            </a:pPr>
+            <a:r>
+              <a:rPr lang="en-AU" sz="1600" dirty="0">
+                <a:solidFill>
+                  <a:schemeClr val="tx1"/>
+                </a:solidFill>
+              </a:rPr>
+              <a:t>Time to implement 2-4 hours</a:t>
+            </a:r>
+          </a:p>
+          <a:p>
+            <a:pPr marL="179388" indent="-179388">
+              <a:buFont typeface="Arial" pitchFamily="34" charset="0"/>
+              <a:buChar char="•"/>
+            </a:pPr>
+            <a:r>
+              <a:rPr lang="en-AU" sz="1600" dirty="0">
+                <a:solidFill>
+                  <a:schemeClr val="tx1"/>
+                </a:solidFill>
+              </a:rPr>
+              <a:t>Might not be feasible </a:t>
+            </a:r>
+          </a:p>
+          <a:p>
+            <a:pPr marL="179388" indent="-179388">
+              <a:buFont typeface="Arial" pitchFamily="34" charset="0"/>
+              <a:buChar char="•"/>
+            </a:pPr>
+            <a:endParaRPr lang="en-AU" dirty="0">
               <a:solidFill>
                 <a:schemeClr val="tx1"/>
               </a:solidFill>

--- a/User Stories.pptx
+++ b/User Stories.pptx
@@ -46,6 +46,9 @@
     <p:sldId id="295" r:id="rId40"/>
     <p:sldId id="296" r:id="rId41"/>
     <p:sldId id="297" r:id="rId42"/>
+    <p:sldId id="298" r:id="rId43"/>
+    <p:sldId id="299" r:id="rId44"/>
+    <p:sldId id="300" r:id="rId45"/>
   </p:sldIdLst>
   <p:sldSz cx="9906000" cy="6858000" type="A4"/>
   <p:notesSz cx="6858000" cy="9144000"/>
@@ -3219,6 +3222,26 @@
               </a:spcBef>
               <a:buNone/>
             </a:pPr>
+            <a:r>
+              <a:rPr lang="en-AU" sz="2000" u="sng" dirty="0"/>
+              <a:t>Role 5 </a:t>
+            </a:r>
+            <a:r>
+              <a:rPr lang="mr-IN" sz="2000" dirty="0"/>
+              <a:t>–</a:t>
+            </a:r>
+            <a:r>
+              <a:rPr lang="en-AU" sz="2000" dirty="0"/>
+              <a:t> General User</a:t>
+            </a:r>
+          </a:p>
+          <a:p>
+            <a:pPr marL="0" indent="0">
+              <a:spcBef>
+                <a:spcPts val="900"/>
+              </a:spcBef>
+              <a:buNone/>
+            </a:pPr>
             <a:endParaRPr lang="en-AU" sz="2000" dirty="0"/>
           </a:p>
         </p:txBody>
@@ -4551,21 +4574,7 @@
                   <a:schemeClr val="tx1"/>
                 </a:solidFill>
               </a:rPr>
-              <a:t>Ability to show the hotels in selected city</a:t>
-            </a:r>
-          </a:p>
-          <a:p>
-            <a:pPr marL="342900" indent="-342900">
-              <a:buFont typeface="Arial" charset="0"/>
-              <a:buChar char="•"/>
-            </a:pPr>
-            <a:r>
-              <a:rPr lang="en-AU" sz="2000" dirty="0">
-                <a:solidFill>
-                  <a:schemeClr val="tx1"/>
-                </a:solidFill>
-              </a:rPr>
-              <a:t>Ability to get information of selected hotel</a:t>
+              <a:t>Have hotels displayed on website after tourist login</a:t>
             </a:r>
           </a:p>
         </p:txBody>
@@ -4783,6 +4792,20 @@
                 </a:solidFill>
               </a:rPr>
               <a:t>Able to make booking through website?</a:t>
+            </a:r>
+          </a:p>
+          <a:p>
+            <a:pPr marL="179388" indent="-179388">
+              <a:buFont typeface="Arial" pitchFamily="34" charset="0"/>
+              <a:buChar char="•"/>
+            </a:pPr>
+            <a:r>
+              <a:rPr lang="en-AU" sz="2000" dirty="0">
+                <a:solidFill>
+                  <a:schemeClr val="tx1"/>
+                </a:solidFill>
+              </a:rPr>
+              <a:t>Implement 3-6 hours</a:t>
             </a:r>
           </a:p>
         </p:txBody>
@@ -5260,6 +5283,34 @@
               <a:t>Show reviews of tourist sites made by other users.</a:t>
             </a:r>
           </a:p>
+          <a:p>
+            <a:pPr marL="179388" indent="-179388">
+              <a:buFont typeface="Arial" pitchFamily="34" charset="0"/>
+              <a:buChar char="•"/>
+            </a:pPr>
+            <a:r>
+              <a:rPr lang="en-AU" sz="2000" dirty="0">
+                <a:solidFill>
+                  <a:schemeClr val="tx1"/>
+                </a:solidFill>
+              </a:rPr>
+              <a:t>Might not be feasible in the given time</a:t>
+            </a:r>
+          </a:p>
+          <a:p>
+            <a:pPr marL="179388" indent="-179388">
+              <a:buFont typeface="Arial" pitchFamily="34" charset="0"/>
+              <a:buChar char="•"/>
+            </a:pPr>
+            <a:r>
+              <a:rPr lang="en-AU" sz="2000" dirty="0">
+                <a:solidFill>
+                  <a:schemeClr val="tx1"/>
+                </a:solidFill>
+              </a:rPr>
+              <a:t>Time to implement 8+ hours</a:t>
+            </a:r>
+          </a:p>
         </p:txBody>
       </p:sp>
     </p:spTree>
@@ -5735,6 +5786,20 @@
               <a:t> Can be extended to provide city bus services, metro rail to selected tourist sites from current location.</a:t>
             </a:r>
           </a:p>
+          <a:p>
+            <a:pPr marL="179388" indent="-179388">
+              <a:buFont typeface="Arial" pitchFamily="34" charset="0"/>
+              <a:buChar char="•"/>
+            </a:pPr>
+            <a:r>
+              <a:rPr lang="en-AU" sz="2000" dirty="0">
+                <a:solidFill>
+                  <a:schemeClr val="tx1"/>
+                </a:solidFill>
+              </a:rPr>
+              <a:t>Time to implement 4+ hours</a:t>
+            </a:r>
+          </a:p>
         </p:txBody>
       </p:sp>
     </p:spTree>
@@ -6224,6 +6289,31 @@
               <a:t> One time registration for one email address</a:t>
             </a:r>
           </a:p>
+          <a:p>
+            <a:pPr marL="179388" indent="-179388">
+              <a:buFont typeface="Arial" pitchFamily="34" charset="0"/>
+              <a:buChar char="•"/>
+            </a:pPr>
+            <a:r>
+              <a:rPr lang="en-AU" sz="2000" dirty="0">
+                <a:solidFill>
+                  <a:schemeClr val="tx1"/>
+                </a:solidFill>
+              </a:rPr>
+              <a:t>Time to implement 5+ hours</a:t>
+            </a:r>
+          </a:p>
+          <a:p>
+            <a:pPr marL="179388" indent="-179388">
+              <a:buFont typeface="Arial" pitchFamily="34" charset="0"/>
+              <a:buChar char="•"/>
+            </a:pPr>
+            <a:endParaRPr lang="en-AU" sz="2000" dirty="0">
+              <a:solidFill>
+                <a:schemeClr val="tx1"/>
+              </a:solidFill>
+            </a:endParaRPr>
+          </a:p>
         </p:txBody>
       </p:sp>
       <p:sp>
@@ -6750,6 +6840,20 @@
               <a:t>After verifying account, user able to access website with correct username and password stored in the database. </a:t>
             </a:r>
           </a:p>
+          <a:p>
+            <a:pPr marL="179388" indent="-179388">
+              <a:buFont typeface="Arial" pitchFamily="34" charset="0"/>
+              <a:buChar char="•"/>
+            </a:pPr>
+            <a:r>
+              <a:rPr lang="en-AU" sz="2000" dirty="0">
+                <a:solidFill>
+                  <a:schemeClr val="tx1"/>
+                </a:solidFill>
+              </a:rPr>
+              <a:t>Time to implement 8+ hours</a:t>
+            </a:r>
+          </a:p>
         </p:txBody>
       </p:sp>
       <p:sp>
@@ -7289,6 +7393,20 @@
               <a:t>Does not show main page for students and businessmen</a:t>
             </a:r>
           </a:p>
+          <a:p>
+            <a:pPr marL="179388" indent="-179388">
+              <a:buFont typeface="Arial" pitchFamily="34" charset="0"/>
+              <a:buChar char="•"/>
+            </a:pPr>
+            <a:r>
+              <a:rPr lang="en-AU" sz="2000" dirty="0">
+                <a:solidFill>
+                  <a:schemeClr val="tx1"/>
+                </a:solidFill>
+              </a:rPr>
+              <a:t>Time to implement 2-4 hours</a:t>
+            </a:r>
+          </a:p>
         </p:txBody>
       </p:sp>
       <p:sp>
@@ -7801,6 +7919,34 @@
               <a:t>Can be extended in the future to allow website to connect to current city the user is logged in.</a:t>
             </a:r>
           </a:p>
+          <a:p>
+            <a:pPr marL="179388" indent="-179388">
+              <a:buFont typeface="Arial" pitchFamily="34" charset="0"/>
+              <a:buChar char="•"/>
+            </a:pPr>
+            <a:r>
+              <a:rPr lang="en-AU" sz="2000" dirty="0">
+                <a:solidFill>
+                  <a:schemeClr val="tx1"/>
+                </a:solidFill>
+              </a:rPr>
+              <a:t>Might come in later versions of website</a:t>
+            </a:r>
+          </a:p>
+          <a:p>
+            <a:pPr marL="179388" indent="-179388">
+              <a:buFont typeface="Arial" pitchFamily="34" charset="0"/>
+              <a:buChar char="•"/>
+            </a:pPr>
+            <a:r>
+              <a:rPr lang="en-AU" sz="2000" dirty="0">
+                <a:solidFill>
+                  <a:schemeClr val="tx1"/>
+                </a:solidFill>
+              </a:rPr>
+              <a:t>Time to implement 5+ hours</a:t>
+            </a:r>
+          </a:p>
         </p:txBody>
       </p:sp>
       <p:sp>
@@ -8302,6 +8448,20 @@
               <a:t> Only after logging in</a:t>
             </a:r>
           </a:p>
+          <a:p>
+            <a:pPr marL="179388" indent="-179388">
+              <a:buFont typeface="Arial" pitchFamily="34" charset="0"/>
+              <a:buChar char="•"/>
+            </a:pPr>
+            <a:r>
+              <a:rPr lang="en-AU" sz="2000" dirty="0">
+                <a:solidFill>
+                  <a:schemeClr val="tx1"/>
+                </a:solidFill>
+              </a:rPr>
+              <a:t>Time to implement 1-2 hours</a:t>
+            </a:r>
+          </a:p>
         </p:txBody>
       </p:sp>
       <p:sp>
@@ -9340,6 +9500,34 @@
               <a:t> Can be extended for future implementation</a:t>
             </a:r>
           </a:p>
+          <a:p>
+            <a:pPr marL="179388" indent="-179388">
+              <a:buFont typeface="Arial" pitchFamily="34" charset="0"/>
+              <a:buChar char="•"/>
+            </a:pPr>
+            <a:r>
+              <a:rPr lang="en-AU" sz="2000" dirty="0">
+                <a:solidFill>
+                  <a:schemeClr val="tx1"/>
+                </a:solidFill>
+              </a:rPr>
+              <a:t>Probably not feasible </a:t>
+            </a:r>
+          </a:p>
+          <a:p>
+            <a:pPr marL="179388" indent="-179388">
+              <a:buFont typeface="Arial" pitchFamily="34" charset="0"/>
+              <a:buChar char="•"/>
+            </a:pPr>
+            <a:r>
+              <a:rPr lang="en-AU" sz="2000" dirty="0">
+                <a:solidFill>
+                  <a:schemeClr val="tx1"/>
+                </a:solidFill>
+              </a:rPr>
+              <a:t>Time to implement 6+ hours</a:t>
+            </a:r>
+          </a:p>
         </p:txBody>
       </p:sp>
       <p:sp>
@@ -9852,6 +10040,20 @@
               <a:t> Can be upgraded to the website in the future</a:t>
             </a:r>
           </a:p>
+          <a:p>
+            <a:pPr marL="179388" indent="-179388">
+              <a:buFont typeface="Arial" pitchFamily="34" charset="0"/>
+              <a:buChar char="•"/>
+            </a:pPr>
+            <a:r>
+              <a:rPr lang="en-AU" sz="2000" dirty="0">
+                <a:solidFill>
+                  <a:schemeClr val="tx1"/>
+                </a:solidFill>
+              </a:rPr>
+              <a:t>Time to implement 4+ hours</a:t>
+            </a:r>
+          </a:p>
         </p:txBody>
       </p:sp>
       <p:sp>
@@ -10167,7 +10369,7 @@
                   <a:schemeClr val="tx1"/>
                 </a:solidFill>
               </a:rPr>
-              <a:t>Pop Up screen to ask to sign up to sign up </a:t>
+              <a:t>Account details be stored on database</a:t>
             </a:r>
           </a:p>
         </p:txBody>
@@ -10356,7 +10558,21 @@
                   <a:schemeClr val="tx1"/>
                 </a:solidFill>
               </a:rPr>
-              <a:t> </a:t>
+              <a:t> Maybe come through on a pop up window</a:t>
+            </a:r>
+          </a:p>
+          <a:p>
+            <a:pPr marL="179388" indent="-179388">
+              <a:buFont typeface="Arial" pitchFamily="34" charset="0"/>
+              <a:buChar char="•"/>
+            </a:pPr>
+            <a:r>
+              <a:rPr lang="en-AU" sz="2000" dirty="0">
+                <a:solidFill>
+                  <a:schemeClr val="tx1"/>
+                </a:solidFill>
+              </a:rPr>
+              <a:t>Time to implement 4-5 hours</a:t>
             </a:r>
           </a:p>
         </p:txBody>
@@ -10555,7 +10771,7 @@
                   <a:schemeClr val="tx1"/>
                 </a:solidFill>
               </a:rPr>
-              <a:t>As a businessman, I want to be able to access city information, business and hotel information to aid my stay in the city.</a:t>
+              <a:t>As a businessman, I want to be able to access business and hotel information to aid my stay in the city.</a:t>
             </a:r>
           </a:p>
         </p:txBody>
@@ -10817,7 +11033,21 @@
                   <a:schemeClr val="tx1"/>
                 </a:solidFill>
               </a:rPr>
-              <a:t> </a:t>
+              <a:t> Implementation 2-4 hours</a:t>
+            </a:r>
+          </a:p>
+          <a:p>
+            <a:pPr marL="179388" indent="-179388">
+              <a:buFont typeface="Arial" pitchFamily="34" charset="0"/>
+              <a:buChar char="•"/>
+            </a:pPr>
+            <a:r>
+              <a:rPr lang="en-AU" sz="2000" dirty="0">
+                <a:solidFill>
+                  <a:schemeClr val="tx1"/>
+                </a:solidFill>
+              </a:rPr>
+              <a:t>Could be displayed on a grid system</a:t>
             </a:r>
           </a:p>
         </p:txBody>
@@ -11289,7 +11519,51 @@
                   <a:schemeClr val="tx1"/>
                 </a:solidFill>
               </a:rPr>
-              <a:t> </a:t>
+              <a:t> Could get this information from </a:t>
+            </a:r>
+            <a:r>
+              <a:rPr lang="en-AU" sz="2000" dirty="0" err="1">
+                <a:solidFill>
+                  <a:schemeClr val="tx1"/>
+                </a:solidFill>
+              </a:rPr>
+              <a:t>rss</a:t>
+            </a:r>
+            <a:r>
+              <a:rPr lang="en-AU" sz="2000" dirty="0">
+                <a:solidFill>
+                  <a:schemeClr val="tx1"/>
+                </a:solidFill>
+              </a:rPr>
+              <a:t> feed</a:t>
+            </a:r>
+          </a:p>
+          <a:p>
+            <a:pPr marL="179388" indent="-179388">
+              <a:buFont typeface="Arial" pitchFamily="34" charset="0"/>
+              <a:buChar char="•"/>
+            </a:pPr>
+            <a:r>
+              <a:rPr lang="en-AU" sz="2000" dirty="0">
+                <a:solidFill>
+                  <a:schemeClr val="tx1"/>
+                </a:solidFill>
+              </a:rPr>
+              <a:t>Might not be feasible could just link a hotel review site instead</a:t>
+            </a:r>
+          </a:p>
+          <a:p>
+            <a:pPr marL="179388" indent="-179388">
+              <a:buFont typeface="Arial" pitchFamily="34" charset="0"/>
+              <a:buChar char="•"/>
+            </a:pPr>
+            <a:r>
+              <a:rPr lang="en-AU" sz="2000" dirty="0">
+                <a:solidFill>
+                  <a:schemeClr val="tx1"/>
+                </a:solidFill>
+              </a:rPr>
+              <a:t>Time for implementation 2-3 hours</a:t>
             </a:r>
           </a:p>
         </p:txBody>
@@ -11750,6 +12024,34 @@
                   <a:schemeClr val="tx1"/>
                 </a:solidFill>
               </a:rPr>
+              <a:t>Added by the administrator</a:t>
+            </a:r>
+          </a:p>
+          <a:p>
+            <a:pPr marL="179388" indent="-179388">
+              <a:buFont typeface="Arial" pitchFamily="34" charset="0"/>
+              <a:buChar char="•"/>
+            </a:pPr>
+            <a:r>
+              <a:rPr lang="en-AU" sz="2000" dirty="0">
+                <a:solidFill>
+                  <a:schemeClr val="tx1"/>
+                </a:solidFill>
+              </a:rPr>
+              <a:t>Time for implementation 1-2 hours </a:t>
+            </a:r>
+          </a:p>
+          <a:p>
+            <a:pPr marL="179388" indent="-179388">
+              <a:buFont typeface="Arial" pitchFamily="34" charset="0"/>
+              <a:buChar char="•"/>
+            </a:pPr>
+            <a:r>
+              <a:rPr lang="en-AU" sz="2000" dirty="0">
+                <a:solidFill>
+                  <a:schemeClr val="tx1"/>
+                </a:solidFill>
+              </a:rPr>
               <a:t> </a:t>
             </a:r>
           </a:p>
@@ -12211,7 +12513,35 @@
                   <a:schemeClr val="tx1"/>
                 </a:solidFill>
               </a:rPr>
-              <a:t> </a:t>
+              <a:t> Have popular sites listed on home page</a:t>
+            </a:r>
+          </a:p>
+          <a:p>
+            <a:pPr marL="179388" indent="-179388">
+              <a:buFont typeface="Arial" pitchFamily="34" charset="0"/>
+              <a:buChar char="•"/>
+            </a:pPr>
+            <a:r>
+              <a:rPr lang="en-AU" sz="2000" dirty="0">
+                <a:solidFill>
+                  <a:schemeClr val="tx1"/>
+                </a:solidFill>
+              </a:rPr>
+              <a:t>Or have a brief description of the city on the homepage</a:t>
+            </a:r>
+          </a:p>
+          <a:p>
+            <a:pPr marL="179388" indent="-179388">
+              <a:buFont typeface="Arial" pitchFamily="34" charset="0"/>
+              <a:buChar char="•"/>
+            </a:pPr>
+            <a:r>
+              <a:rPr lang="en-AU" sz="2000" dirty="0">
+                <a:solidFill>
+                  <a:schemeClr val="tx1"/>
+                </a:solidFill>
+              </a:rPr>
+              <a:t>Time for implementation 1 hour</a:t>
             </a:r>
           </a:p>
         </p:txBody>
@@ -12672,7 +13002,21 @@
                   <a:schemeClr val="tx1"/>
                 </a:solidFill>
               </a:rPr>
-              <a:t> </a:t>
+              <a:t>Might not be feasible or that important to get done</a:t>
+            </a:r>
+          </a:p>
+          <a:p>
+            <a:pPr marL="179388" indent="-179388">
+              <a:buFont typeface="Arial" pitchFamily="34" charset="0"/>
+              <a:buChar char="•"/>
+            </a:pPr>
+            <a:r>
+              <a:rPr lang="en-AU" sz="2000" dirty="0">
+                <a:solidFill>
+                  <a:schemeClr val="tx1"/>
+                </a:solidFill>
+              </a:rPr>
+              <a:t>1-2 hour for implementation  </a:t>
             </a:r>
           </a:p>
         </p:txBody>
@@ -13147,7 +13491,21 @@
                   <a:schemeClr val="tx1"/>
                 </a:solidFill>
               </a:rPr>
-              <a:t> </a:t>
+              <a:t> Might come in later versions of the website</a:t>
+            </a:r>
+          </a:p>
+          <a:p>
+            <a:pPr marL="179388" indent="-179388">
+              <a:buFont typeface="Arial" pitchFamily="34" charset="0"/>
+              <a:buChar char="•"/>
+            </a:pPr>
+            <a:r>
+              <a:rPr lang="en-AU" sz="2000" dirty="0">
+                <a:solidFill>
+                  <a:schemeClr val="tx1"/>
+                </a:solidFill>
+              </a:rPr>
+              <a:t>Time to implement 3-5 hours</a:t>
             </a:r>
           </a:p>
         </p:txBody>
@@ -13608,7 +13966,21 @@
                   <a:schemeClr val="tx1"/>
                 </a:solidFill>
               </a:rPr>
-              <a:t> </a:t>
+              <a:t> Might not be feasibly</a:t>
+            </a:r>
+          </a:p>
+          <a:p>
+            <a:pPr marL="179388" indent="-179388">
+              <a:buFont typeface="Arial" pitchFamily="34" charset="0"/>
+              <a:buChar char="•"/>
+            </a:pPr>
+            <a:r>
+              <a:rPr lang="en-AU" sz="2000" dirty="0">
+                <a:solidFill>
+                  <a:schemeClr val="tx1"/>
+                </a:solidFill>
+              </a:rPr>
+              <a:t>Could take 8+ hours to implement</a:t>
             </a:r>
           </a:p>
         </p:txBody>
@@ -14890,7 +15262,21 @@
                   <a:schemeClr val="tx1"/>
                 </a:solidFill>
               </a:rPr>
-              <a:t> </a:t>
+              <a:t> Might not be feasible</a:t>
+            </a:r>
+          </a:p>
+          <a:p>
+            <a:pPr marL="179388" indent="-179388">
+              <a:buFont typeface="Arial" pitchFamily="34" charset="0"/>
+              <a:buChar char="•"/>
+            </a:pPr>
+            <a:r>
+              <a:rPr lang="en-AU" sz="2000" dirty="0">
+                <a:solidFill>
+                  <a:schemeClr val="tx1"/>
+                </a:solidFill>
+              </a:rPr>
+              <a:t>Could take 4+ hours to implement</a:t>
             </a:r>
           </a:p>
         </p:txBody>
@@ -15115,6 +15501,20 @@
               <a:t>A ’Create Itinerary’ hyperlink within the user profile.</a:t>
             </a:r>
           </a:p>
+          <a:p>
+            <a:pPr marL="179388" indent="-179388">
+              <a:buFont typeface="Arial" pitchFamily="34" charset="0"/>
+              <a:buChar char="•"/>
+            </a:pPr>
+            <a:r>
+              <a:rPr lang="en-AU" sz="2000" dirty="0">
+                <a:solidFill>
+                  <a:schemeClr val="tx1"/>
+                </a:solidFill>
+              </a:rPr>
+              <a:t>Store on database</a:t>
+            </a:r>
+          </a:p>
         </p:txBody>
       </p:sp>
       <p:sp>
@@ -15288,6 +15688,34 @@
                 </a:solidFill>
               </a:rPr>
               <a:t>Notes</a:t>
+            </a:r>
+          </a:p>
+          <a:p>
+            <a:pPr marL="342900" indent="-342900">
+              <a:buFont typeface="Arial" panose="020B0604020202020204" pitchFamily="34" charset="0"/>
+              <a:buChar char="•"/>
+            </a:pPr>
+            <a:r>
+              <a:rPr lang="en-AU" sz="2000" dirty="0">
+                <a:solidFill>
+                  <a:schemeClr val="tx1"/>
+                </a:solidFill>
+              </a:rPr>
+              <a:t>Might not be feasible</a:t>
+            </a:r>
+          </a:p>
+          <a:p>
+            <a:pPr marL="342900" indent="-342900">
+              <a:buFont typeface="Arial" panose="020B0604020202020204" pitchFamily="34" charset="0"/>
+              <a:buChar char="•"/>
+            </a:pPr>
+            <a:r>
+              <a:rPr lang="en-AU" sz="2000" dirty="0">
+                <a:solidFill>
+                  <a:schemeClr val="tx1"/>
+                </a:solidFill>
+              </a:rPr>
+              <a:t>Time for implementation 3 hours</a:t>
             </a:r>
           </a:p>
           <a:p>
@@ -15620,7 +16048,7 @@
                   <a:schemeClr val="tx1"/>
                 </a:solidFill>
               </a:rPr>
-              <a:t> Website will provide data manipulation and creation for admin users.</a:t>
+              <a:t> Website will provide data manipulation and creation tools for admin users.</a:t>
             </a:r>
           </a:p>
         </p:txBody>
@@ -15752,8 +16180,8 @@
         </p:nvSpPr>
         <p:spPr>
           <a:xfrm>
-            <a:off x="39153" y="5128590"/>
-            <a:ext cx="9828000" cy="1620000"/>
+            <a:off x="39153" y="5059017"/>
+            <a:ext cx="9828000" cy="1699512"/>
           </a:xfrm>
           <a:prstGeom prst="rect">
             <a:avLst/>
@@ -15809,7 +16237,21 @@
                   <a:schemeClr val="tx1"/>
                 </a:solidFill>
               </a:rPr>
-              <a:t> GUI will have + for creation, - for removal, and ‘edit’ for data modifications.</a:t>
+              <a:t> GUI will have + for creation, - for removal, and ‘edit’ for data modifications</a:t>
+            </a:r>
+          </a:p>
+          <a:p>
+            <a:pPr marL="179388" indent="-179388">
+              <a:buFont typeface="Arial" pitchFamily="34" charset="0"/>
+              <a:buChar char="•"/>
+            </a:pPr>
+            <a:r>
+              <a:rPr lang="en-AU" sz="2000" dirty="0">
+                <a:solidFill>
+                  <a:schemeClr val="tx1"/>
+                </a:solidFill>
+              </a:rPr>
+              <a:t>Time for implementation 5-6 hours.</a:t>
             </a:r>
           </a:p>
         </p:txBody>
@@ -16008,7 +16450,17 @@
                   <a:schemeClr val="tx1"/>
                 </a:solidFill>
               </a:rPr>
-              <a:t>As an administrator, I want all relevant city information (parks, zoos, museums, restaurants, map) to be grouped together under a single category, so that page isn’t cluttered with over 10 different categories. </a:t>
+              <a:t>As a Administrator I want categories (parks, zoo, museums, etc) to be on different pages so that the page doesn’t become cluttered.</a:t>
+            </a:r>
+          </a:p>
+          <a:p>
+            <a:r>
+              <a:rPr lang="en-AU" sz="2400" dirty="0">
+                <a:solidFill>
+                  <a:schemeClr val="tx1"/>
+                </a:solidFill>
+              </a:rPr>
+              <a:t> </a:t>
             </a:r>
           </a:p>
         </p:txBody>
@@ -16081,7 +16533,7 @@
                   <a:schemeClr val="tx1"/>
                 </a:solidFill>
               </a:rPr>
-              <a:t> Website will group categories such as parks, zoos, museum, restaurants and city map data under city information.</a:t>
+              <a:t> Have categories on different pages</a:t>
             </a:r>
           </a:p>
         </p:txBody>
@@ -16270,7 +16722,37 @@
                   <a:schemeClr val="tx1"/>
                 </a:solidFill>
               </a:rPr>
-              <a:t> </a:t>
+              <a:t> Maybe have main sections (i.e. student) and inside of that then have the venue type (</a:t>
+            </a:r>
+            <a:r>
+              <a:rPr lang="en-AU" sz="2000" dirty="0" err="1">
+                <a:solidFill>
+                  <a:schemeClr val="tx1"/>
+                </a:solidFill>
+              </a:rPr>
+              <a:t>i.e</a:t>
+            </a:r>
+            <a:r>
+              <a:rPr lang="en-AU" sz="2000" dirty="0">
+                <a:solidFill>
+                  <a:schemeClr val="tx1"/>
+                </a:solidFill>
+              </a:rPr>
+              <a:t> universities, libraries) </a:t>
+            </a:r>
+          </a:p>
+          <a:p>
+            <a:pPr marL="179388" indent="-179388">
+              <a:buFont typeface="Arial" pitchFamily="34" charset="0"/>
+              <a:buChar char="•"/>
+            </a:pPr>
+            <a:r>
+              <a:rPr lang="en-AU" sz="2000" dirty="0">
+                <a:solidFill>
+                  <a:schemeClr val="tx1"/>
+                </a:solidFill>
+              </a:rPr>
+              <a:t>Time for implementation 2-4 hours</a:t>
             </a:r>
           </a:p>
         </p:txBody>
@@ -16731,8 +17213,19 @@
                   <a:schemeClr val="tx1"/>
                 </a:solidFill>
               </a:rPr>
-              <a:t> </a:t>
-            </a:r>
+              <a:t> time for implementation 2-3 hours</a:t>
+            </a:r>
+          </a:p>
+          <a:p>
+            <a:pPr marL="179388" indent="-179388">
+              <a:buFont typeface="Arial" pitchFamily="34" charset="0"/>
+              <a:buChar char="•"/>
+            </a:pPr>
+            <a:endParaRPr lang="en-AU" sz="2000" dirty="0">
+              <a:solidFill>
+                <a:schemeClr val="tx1"/>
+              </a:solidFill>
+            </a:endParaRPr>
           </a:p>
         </p:txBody>
       </p:sp>
@@ -17122,7 +17615,7 @@
                   <a:schemeClr val="tx1"/>
                 </a:solidFill>
               </a:rPr>
-              <a:t>Must</a:t>
+              <a:t>Won’t</a:t>
             </a:r>
           </a:p>
         </p:txBody>
@@ -17135,7 +17628,7 @@
         </p:nvSpPr>
         <p:spPr>
           <a:xfrm>
-            <a:off x="39153" y="5128590"/>
+            <a:off x="39153" y="5138529"/>
             <a:ext cx="9828000" cy="1620000"/>
           </a:xfrm>
           <a:prstGeom prst="rect">
@@ -17192,7 +17685,21 @@
                   <a:schemeClr val="tx1"/>
                 </a:solidFill>
               </a:rPr>
-              <a:t> </a:t>
+              <a:t> Might not be necessary as map feature is planned to be implemented in later versions of the website</a:t>
+            </a:r>
+          </a:p>
+          <a:p>
+            <a:pPr marL="179388" indent="-179388">
+              <a:buFont typeface="Arial" pitchFamily="34" charset="0"/>
+              <a:buChar char="•"/>
+            </a:pPr>
+            <a:r>
+              <a:rPr lang="en-AU" sz="2000" dirty="0">
+                <a:solidFill>
+                  <a:schemeClr val="tx1"/>
+                </a:solidFill>
+              </a:rPr>
+              <a:t>Time for Implementation 1-2 hours </a:t>
             </a:r>
           </a:p>
         </p:txBody>
@@ -17653,7 +18160,15 @@
                   <a:schemeClr val="tx1"/>
                 </a:solidFill>
               </a:rPr>
-              <a:t> The search bar will be located near the top of the screen, and allow searches for category selections, names of places, emails etc. </a:t>
+              <a:t> </a:t>
+            </a:r>
+            <a:r>
+              <a:rPr lang="en-AU" sz="1600" dirty="0">
+                <a:solidFill>
+                  <a:schemeClr val="tx1"/>
+                </a:solidFill>
+              </a:rPr>
+              <a:t>The search bar will be located near the top of the screen, and allow searches for category selections, names of places, emails etc. </a:t>
             </a:r>
           </a:p>
           <a:p>
@@ -17662,7 +18177,7 @@
               <a:buChar char="•"/>
             </a:pPr>
             <a:r>
-              <a:rPr lang="en-AU" sz="2000" dirty="0">
+              <a:rPr lang="en-AU" sz="1600" dirty="0">
                 <a:solidFill>
                   <a:schemeClr val="tx1"/>
                 </a:solidFill>
@@ -17676,12 +18191,26 @@
               <a:buChar char="•"/>
             </a:pPr>
             <a:r>
-              <a:rPr lang="en-AU" sz="2000" dirty="0">
+              <a:rPr lang="en-AU" sz="1600" dirty="0">
                 <a:solidFill>
                   <a:schemeClr val="tx1"/>
                 </a:solidFill>
               </a:rPr>
               <a:t>Search selections will redirect to page. </a:t>
+            </a:r>
+          </a:p>
+          <a:p>
+            <a:pPr marL="179388" indent="-179388">
+              <a:buFont typeface="Arial" pitchFamily="34" charset="0"/>
+              <a:buChar char="•"/>
+            </a:pPr>
+            <a:r>
+              <a:rPr lang="en-AU" sz="1600" dirty="0">
+                <a:solidFill>
+                  <a:schemeClr val="tx1"/>
+                </a:solidFill>
+              </a:rPr>
+              <a:t>Time for implementation 2-4 hours</a:t>
             </a:r>
           </a:p>
         </p:txBody>
@@ -18142,7 +18671,35 @@
                   <a:schemeClr val="tx1"/>
                 </a:solidFill>
               </a:rPr>
-              <a:t>Create new admin option will be displayed on the first page, after homepage.  </a:t>
+              <a:t>Create new admin option will be displayed on the first page, after homepage. </a:t>
+            </a:r>
+          </a:p>
+          <a:p>
+            <a:pPr marL="179388" indent="-179388">
+              <a:buFont typeface="Arial" pitchFamily="34" charset="0"/>
+              <a:buChar char="•"/>
+            </a:pPr>
+            <a:r>
+              <a:rPr lang="en-AU" sz="2000" dirty="0">
+                <a:solidFill>
+                  <a:schemeClr val="tx1"/>
+                </a:solidFill>
+              </a:rPr>
+              <a:t>Only original admin could add more admins</a:t>
+            </a:r>
+          </a:p>
+          <a:p>
+            <a:pPr marL="179388" indent="-179388">
+              <a:buFont typeface="Arial" pitchFamily="34" charset="0"/>
+              <a:buChar char="•"/>
+            </a:pPr>
+            <a:r>
+              <a:rPr lang="en-AU" sz="2000" dirty="0">
+                <a:solidFill>
+                  <a:schemeClr val="tx1"/>
+                </a:solidFill>
+              </a:rPr>
+              <a:t>Time for implementation 1-2 hours </a:t>
             </a:r>
           </a:p>
         </p:txBody>
@@ -18634,6 +19191,33 @@
               <a:t>After city selection, colleges, industries, hotels and city information selections will be shown for that city.</a:t>
             </a:r>
           </a:p>
+          <a:p>
+            <a:pPr marL="179388" indent="-179388">
+              <a:buFont typeface="Arial" pitchFamily="34" charset="0"/>
+              <a:buChar char="•"/>
+            </a:pPr>
+            <a:r>
+              <a:rPr lang="en-AU" sz="2000" dirty="0">
+                <a:solidFill>
+                  <a:schemeClr val="tx1"/>
+                </a:solidFill>
+              </a:rPr>
+              <a:t>Time for implementation 2-3 hours, might come in later </a:t>
+            </a:r>
+            <a:r>
+              <a:rPr lang="en-AU" sz="2000" dirty="0" err="1">
+                <a:solidFill>
+                  <a:schemeClr val="tx1"/>
+                </a:solidFill>
+              </a:rPr>
+              <a:t>bulids</a:t>
+            </a:r>
+            <a:endParaRPr lang="en-AU" sz="2000" dirty="0">
+              <a:solidFill>
+                <a:schemeClr val="tx1"/>
+              </a:solidFill>
+            </a:endParaRPr>
+          </a:p>
         </p:txBody>
       </p:sp>
     </p:spTree>
@@ -19092,8 +19676,71 @@
                   <a:schemeClr val="tx1"/>
                 </a:solidFill>
               </a:rPr>
-              <a:t> Website will allow admin users to create new selections of information, with existing templates. </a:t>
-            </a:r>
+              <a:t> </a:t>
+            </a:r>
+            <a:r>
+              <a:rPr lang="en-AU" dirty="0">
+                <a:solidFill>
+                  <a:schemeClr val="tx1"/>
+                </a:solidFill>
+              </a:rPr>
+              <a:t>Website will allow admin users to create new selections of information, with existing templates. </a:t>
+            </a:r>
+          </a:p>
+          <a:p>
+            <a:pPr marL="179388" indent="-179388">
+              <a:buFont typeface="Arial" pitchFamily="34" charset="0"/>
+              <a:buChar char="•"/>
+            </a:pPr>
+            <a:r>
+              <a:rPr lang="en-AU" dirty="0">
+                <a:solidFill>
+                  <a:schemeClr val="tx1"/>
+                </a:solidFill>
+              </a:rPr>
+              <a:t>Maybe have a link to those businesses</a:t>
+            </a:r>
+          </a:p>
+          <a:p>
+            <a:pPr marL="179388" indent="-179388">
+              <a:buFont typeface="Arial" pitchFamily="34" charset="0"/>
+              <a:buChar char="•"/>
+            </a:pPr>
+            <a:r>
+              <a:rPr lang="en-AU" dirty="0">
+                <a:solidFill>
+                  <a:schemeClr val="tx1"/>
+                </a:solidFill>
+              </a:rPr>
+              <a:t>Time for implementation 3-6 hours</a:t>
+            </a:r>
+          </a:p>
+          <a:p>
+            <a:pPr marL="179388" indent="-179388">
+              <a:buFont typeface="Arial" pitchFamily="34" charset="0"/>
+              <a:buChar char="•"/>
+            </a:pPr>
+            <a:r>
+              <a:rPr lang="en-AU" dirty="0">
+                <a:solidFill>
+                  <a:schemeClr val="tx1"/>
+                </a:solidFill>
+              </a:rPr>
+              <a:t>Maybe in future </a:t>
+            </a:r>
+            <a:r>
+              <a:rPr lang="en-AU" dirty="0" err="1">
+                <a:solidFill>
+                  <a:schemeClr val="tx1"/>
+                </a:solidFill>
+              </a:rPr>
+              <a:t>bulids</a:t>
+            </a:r>
+            <a:endParaRPr lang="en-AU" dirty="0">
+              <a:solidFill>
+                <a:schemeClr val="tx1"/>
+              </a:solidFill>
+            </a:endParaRPr>
           </a:p>
         </p:txBody>
       </p:sp>
@@ -20215,7 +20862,7 @@
                   <a:schemeClr val="tx1"/>
                 </a:solidFill>
               </a:rPr>
-              <a:t>As an administrator, after choosing a selection of data (e.g. Colleges), I want the data arranged in a basic list form with headers, so that I can choose how to view the data (e.g. Name: A-Z, Address: A-Z etc).  </a:t>
+              <a:t>As an administrator, after choosing a section of data (e.g. Colleges), I want the data arranged in a basic list form with headers, so that I can choose how to view the data (e.g. Name: A-Z, Address: A-Z etc).  </a:t>
             </a:r>
           </a:p>
         </p:txBody>
@@ -20492,6 +21139,20 @@
                 </a:solidFill>
               </a:rPr>
               <a:t> Data can be viewed A-Z/Z-A by name, address, department or email by pressing the header in the list. </a:t>
+            </a:r>
+          </a:p>
+          <a:p>
+            <a:pPr marL="179388" indent="-179388">
+              <a:buFont typeface="Arial" pitchFamily="34" charset="0"/>
+              <a:buChar char="•"/>
+            </a:pPr>
+            <a:r>
+              <a:rPr lang="en-AU" sz="2000" dirty="0">
+                <a:solidFill>
+                  <a:schemeClr val="tx1"/>
+                </a:solidFill>
+              </a:rPr>
+              <a:t>Time for implementation 2-3 hours</a:t>
             </a:r>
           </a:p>
         </p:txBody>
@@ -21043,12 +21704,1437 @@
               <a:t>All information/data required will be in the centre of focus of the screen. </a:t>
             </a:r>
           </a:p>
+          <a:p>
+            <a:pPr marL="179388" indent="-179388">
+              <a:buFont typeface="Arial" pitchFamily="34" charset="0"/>
+              <a:buChar char="•"/>
+            </a:pPr>
+            <a:r>
+              <a:rPr lang="en-AU" sz="2000" dirty="0">
+                <a:solidFill>
+                  <a:schemeClr val="tx1"/>
+                </a:solidFill>
+              </a:rPr>
+              <a:t>Time for implementation 1-2 hours</a:t>
+            </a:r>
+          </a:p>
         </p:txBody>
       </p:sp>
     </p:spTree>
     <p:extLst>
       <p:ext uri="{BB962C8B-B14F-4D97-AF65-F5344CB8AC3E}">
         <p14:creationId xmlns:p14="http://schemas.microsoft.com/office/powerpoint/2010/main" val="1678575026"/>
+      </p:ext>
+    </p:extLst>
+  </p:cSld>
+  <p:clrMapOvr>
+    <a:masterClrMapping/>
+  </p:clrMapOvr>
+</p:sld>
+</file>
+
+<file path=ppt/slides/slide42.xml><?xml version="1.0" encoding="utf-8"?>
+<p:sld xmlns:a="http://schemas.openxmlformats.org/drawingml/2006/main" xmlns:r="http://schemas.openxmlformats.org/officeDocument/2006/relationships" xmlns:p="http://schemas.openxmlformats.org/presentationml/2006/main">
+  <p:cSld>
+    <p:spTree>
+      <p:nvGrpSpPr>
+        <p:cNvPr id="1" name=""/>
+        <p:cNvGrpSpPr/>
+        <p:nvPr/>
+      </p:nvGrpSpPr>
+      <p:grpSpPr>
+        <a:xfrm>
+          <a:off x="0" y="0"/>
+          <a:ext cx="0" cy="0"/>
+          <a:chOff x="0" y="0"/>
+          <a:chExt cx="0" cy="0"/>
+        </a:xfrm>
+      </p:grpSpPr>
+      <p:sp>
+        <p:nvSpPr>
+          <p:cNvPr id="4" name="Rectangle 3"/>
+          <p:cNvSpPr/>
+          <p:nvPr/>
+        </p:nvSpPr>
+        <p:spPr>
+          <a:xfrm>
+            <a:off x="39153" y="109410"/>
+            <a:ext cx="720000" cy="540000"/>
+          </a:xfrm>
+          <a:prstGeom prst="rect">
+            <a:avLst/>
+          </a:prstGeom>
+          <a:solidFill>
+            <a:schemeClr val="accent1">
+              <a:lumMod val="40000"/>
+              <a:lumOff val="60000"/>
+            </a:schemeClr>
+          </a:solidFill>
+          <a:ln>
+            <a:solidFill>
+              <a:schemeClr val="accent1">
+                <a:lumMod val="50000"/>
+              </a:schemeClr>
+            </a:solidFill>
+          </a:ln>
+        </p:spPr>
+        <p:style>
+          <a:lnRef idx="2">
+            <a:schemeClr val="accent1">
+              <a:shade val="50000"/>
+            </a:schemeClr>
+          </a:lnRef>
+          <a:fillRef idx="1">
+            <a:schemeClr val="accent1"/>
+          </a:fillRef>
+          <a:effectRef idx="0">
+            <a:schemeClr val="accent1"/>
+          </a:effectRef>
+          <a:fontRef idx="minor">
+            <a:schemeClr val="lt1"/>
+          </a:fontRef>
+        </p:style>
+        <p:txBody>
+          <a:bodyPr wrap="square" lIns="0" rIns="0" rtlCol="0" anchor="ctr"/>
+          <a:lstStyle/>
+          <a:p>
+            <a:pPr algn="ctr"/>
+            <a:r>
+              <a:rPr lang="en-AU" sz="2000" dirty="0">
+                <a:solidFill>
+                  <a:schemeClr val="tx1"/>
+                </a:solidFill>
+              </a:rPr>
+              <a:t>Story ID: 41</a:t>
+            </a:r>
+          </a:p>
+        </p:txBody>
+      </p:sp>
+      <p:sp>
+        <p:nvSpPr>
+          <p:cNvPr id="6" name="Rectangle 5"/>
+          <p:cNvSpPr/>
+          <p:nvPr/>
+        </p:nvSpPr>
+        <p:spPr>
+          <a:xfrm>
+            <a:off x="831153" y="109410"/>
+            <a:ext cx="7380000" cy="540000"/>
+          </a:xfrm>
+          <a:prstGeom prst="rect">
+            <a:avLst/>
+          </a:prstGeom>
+          <a:ln>
+            <a:solidFill>
+              <a:schemeClr val="accent1">
+                <a:lumMod val="50000"/>
+              </a:schemeClr>
+            </a:solidFill>
+          </a:ln>
+        </p:spPr>
+        <p:style>
+          <a:lnRef idx="2">
+            <a:schemeClr val="accent1">
+              <a:shade val="50000"/>
+            </a:schemeClr>
+          </a:lnRef>
+          <a:fillRef idx="1">
+            <a:schemeClr val="accent1"/>
+          </a:fillRef>
+          <a:effectRef idx="0">
+            <a:schemeClr val="accent1"/>
+          </a:effectRef>
+          <a:fontRef idx="minor">
+            <a:schemeClr val="lt1"/>
+          </a:fontRef>
+        </p:style>
+        <p:txBody>
+          <a:bodyPr rtlCol="0" anchor="ctr"/>
+          <a:lstStyle/>
+          <a:p>
+            <a:pPr algn="ctr"/>
+            <a:r>
+              <a:rPr lang="en-AU" sz="2800" dirty="0"/>
+              <a:t>City Information on Homepage</a:t>
+            </a:r>
+          </a:p>
+        </p:txBody>
+      </p:sp>
+      <p:sp>
+        <p:nvSpPr>
+          <p:cNvPr id="7" name="Rectangle 6"/>
+          <p:cNvSpPr/>
+          <p:nvPr/>
+        </p:nvSpPr>
+        <p:spPr>
+          <a:xfrm>
+            <a:off x="39153" y="822470"/>
+            <a:ext cx="9828000" cy="2340000"/>
+          </a:xfrm>
+          <a:prstGeom prst="rect">
+            <a:avLst/>
+          </a:prstGeom>
+          <a:solidFill>
+            <a:schemeClr val="tx2">
+              <a:lumMod val="20000"/>
+              <a:lumOff val="80000"/>
+            </a:schemeClr>
+          </a:solidFill>
+          <a:ln>
+            <a:solidFill>
+              <a:schemeClr val="accent1">
+                <a:lumMod val="50000"/>
+              </a:schemeClr>
+            </a:solidFill>
+          </a:ln>
+        </p:spPr>
+        <p:style>
+          <a:lnRef idx="2">
+            <a:schemeClr val="accent1">
+              <a:shade val="50000"/>
+            </a:schemeClr>
+          </a:lnRef>
+          <a:fillRef idx="1">
+            <a:schemeClr val="accent1"/>
+          </a:fillRef>
+          <a:effectRef idx="0">
+            <a:schemeClr val="accent1"/>
+          </a:effectRef>
+          <a:fontRef idx="minor">
+            <a:schemeClr val="lt1"/>
+          </a:fontRef>
+        </p:style>
+        <p:txBody>
+          <a:bodyPr rtlCol="0" anchor="t" anchorCtr="0"/>
+          <a:lstStyle/>
+          <a:p>
+            <a:r>
+              <a:rPr lang="en-AU" sz="2400" dirty="0">
+                <a:solidFill>
+                  <a:schemeClr val="tx1"/>
+                </a:solidFill>
+              </a:rPr>
+              <a:t>As a General User I want some of the city basic information to be shown on the homepage so that I don’t have to commit to making an account</a:t>
+            </a:r>
+          </a:p>
+        </p:txBody>
+      </p:sp>
+      <p:sp>
+        <p:nvSpPr>
+          <p:cNvPr id="8" name="Rectangle 7"/>
+          <p:cNvSpPr/>
+          <p:nvPr/>
+        </p:nvSpPr>
+        <p:spPr>
+          <a:xfrm>
+            <a:off x="39153" y="3335530"/>
+            <a:ext cx="9828000" cy="1620000"/>
+          </a:xfrm>
+          <a:prstGeom prst="rect">
+            <a:avLst/>
+          </a:prstGeom>
+          <a:solidFill>
+            <a:schemeClr val="accent1">
+              <a:lumMod val="20000"/>
+              <a:lumOff val="80000"/>
+            </a:schemeClr>
+          </a:solidFill>
+          <a:ln>
+            <a:solidFill>
+              <a:schemeClr val="accent1">
+                <a:lumMod val="50000"/>
+              </a:schemeClr>
+            </a:solidFill>
+          </a:ln>
+        </p:spPr>
+        <p:style>
+          <a:lnRef idx="2">
+            <a:schemeClr val="accent1">
+              <a:shade val="50000"/>
+            </a:schemeClr>
+          </a:lnRef>
+          <a:fillRef idx="1">
+            <a:schemeClr val="accent1"/>
+          </a:fillRef>
+          <a:effectRef idx="0">
+            <a:schemeClr val="accent1"/>
+          </a:effectRef>
+          <a:fontRef idx="minor">
+            <a:schemeClr val="lt1"/>
+          </a:fontRef>
+        </p:style>
+        <p:txBody>
+          <a:bodyPr tIns="36000" rtlCol="0" anchor="t" anchorCtr="0"/>
+          <a:lstStyle/>
+          <a:p>
+            <a:r>
+              <a:rPr lang="en-AU" sz="2000" dirty="0">
+                <a:solidFill>
+                  <a:schemeClr val="tx1"/>
+                </a:solidFill>
+              </a:rPr>
+              <a:t>Acceptance Criteria</a:t>
+            </a:r>
+          </a:p>
+          <a:p>
+            <a:pPr marL="179388" indent="-179388">
+              <a:buFont typeface="Arial" pitchFamily="34" charset="0"/>
+              <a:buChar char="•"/>
+            </a:pPr>
+            <a:r>
+              <a:rPr lang="en-AU" sz="2000" dirty="0">
+                <a:solidFill>
+                  <a:schemeClr val="tx1"/>
+                </a:solidFill>
+              </a:rPr>
+              <a:t> Few picture and a simple description on city on homepage.</a:t>
+            </a:r>
+          </a:p>
+        </p:txBody>
+      </p:sp>
+      <p:sp>
+        <p:nvSpPr>
+          <p:cNvPr id="11" name="Rectangle 10"/>
+          <p:cNvSpPr/>
+          <p:nvPr/>
+        </p:nvSpPr>
+        <p:spPr>
+          <a:xfrm>
+            <a:off x="9147153" y="109410"/>
+            <a:ext cx="720000" cy="540000"/>
+          </a:xfrm>
+          <a:prstGeom prst="rect">
+            <a:avLst/>
+          </a:prstGeom>
+          <a:solidFill>
+            <a:srgbClr val="CCF0CD">
+              <a:alpha val="20000"/>
+            </a:srgbClr>
+          </a:solidFill>
+          <a:ln>
+            <a:solidFill>
+              <a:schemeClr val="accent1">
+                <a:lumMod val="50000"/>
+              </a:schemeClr>
+            </a:solidFill>
+          </a:ln>
+        </p:spPr>
+        <p:style>
+          <a:lnRef idx="2">
+            <a:schemeClr val="accent1">
+              <a:shade val="50000"/>
+            </a:schemeClr>
+          </a:lnRef>
+          <a:fillRef idx="1">
+            <a:schemeClr val="accent1"/>
+          </a:fillRef>
+          <a:effectRef idx="0">
+            <a:schemeClr val="accent1"/>
+          </a:effectRef>
+          <a:fontRef idx="minor">
+            <a:schemeClr val="lt1"/>
+          </a:fontRef>
+        </p:style>
+        <p:txBody>
+          <a:bodyPr wrap="square" lIns="0" rIns="0" rtlCol="0" anchor="ctr"/>
+          <a:lstStyle/>
+          <a:p>
+            <a:pPr algn="ctr"/>
+            <a:r>
+              <a:rPr lang="en-AU" sz="2000" dirty="0">
+                <a:solidFill>
+                  <a:schemeClr val="tx1"/>
+                </a:solidFill>
+              </a:rPr>
+              <a:t>1</a:t>
+            </a:r>
+          </a:p>
+        </p:txBody>
+      </p:sp>
+      <p:sp>
+        <p:nvSpPr>
+          <p:cNvPr id="12" name="Rectangle 11"/>
+          <p:cNvSpPr/>
+          <p:nvPr/>
+        </p:nvSpPr>
+        <p:spPr>
+          <a:xfrm>
+            <a:off x="8283153" y="109410"/>
+            <a:ext cx="792000" cy="540000"/>
+          </a:xfrm>
+          <a:prstGeom prst="rect">
+            <a:avLst/>
+          </a:prstGeom>
+          <a:solidFill>
+            <a:schemeClr val="accent4">
+              <a:lumMod val="20000"/>
+              <a:lumOff val="80000"/>
+            </a:schemeClr>
+          </a:solidFill>
+          <a:ln>
+            <a:solidFill>
+              <a:schemeClr val="accent1">
+                <a:lumMod val="50000"/>
+              </a:schemeClr>
+            </a:solidFill>
+          </a:ln>
+        </p:spPr>
+        <p:style>
+          <a:lnRef idx="2">
+            <a:schemeClr val="accent1">
+              <a:shade val="50000"/>
+            </a:schemeClr>
+          </a:lnRef>
+          <a:fillRef idx="1">
+            <a:schemeClr val="accent1"/>
+          </a:fillRef>
+          <a:effectRef idx="0">
+            <a:schemeClr val="accent1"/>
+          </a:effectRef>
+          <a:fontRef idx="minor">
+            <a:schemeClr val="lt1"/>
+          </a:fontRef>
+        </p:style>
+        <p:txBody>
+          <a:bodyPr wrap="none" lIns="0" rIns="0" rtlCol="0" anchor="ctr"/>
+          <a:lstStyle/>
+          <a:p>
+            <a:pPr algn="ctr"/>
+            <a:r>
+              <a:rPr lang="en-AU" sz="2000" dirty="0">
+                <a:solidFill>
+                  <a:schemeClr val="tx1"/>
+                </a:solidFill>
+              </a:rPr>
+              <a:t>Should</a:t>
+            </a:r>
+          </a:p>
+        </p:txBody>
+      </p:sp>
+      <p:sp>
+        <p:nvSpPr>
+          <p:cNvPr id="13" name="Rectangle 12"/>
+          <p:cNvSpPr/>
+          <p:nvPr/>
+        </p:nvSpPr>
+        <p:spPr>
+          <a:xfrm>
+            <a:off x="39153" y="5128590"/>
+            <a:ext cx="9828000" cy="1620000"/>
+          </a:xfrm>
+          <a:prstGeom prst="rect">
+            <a:avLst/>
+          </a:prstGeom>
+          <a:solidFill>
+            <a:schemeClr val="bg1"/>
+          </a:solidFill>
+          <a:ln>
+            <a:solidFill>
+              <a:schemeClr val="accent1">
+                <a:lumMod val="50000"/>
+              </a:schemeClr>
+            </a:solidFill>
+          </a:ln>
+        </p:spPr>
+        <p:style>
+          <a:lnRef idx="2">
+            <a:schemeClr val="accent1">
+              <a:shade val="50000"/>
+            </a:schemeClr>
+          </a:lnRef>
+          <a:fillRef idx="1">
+            <a:schemeClr val="accent1"/>
+          </a:fillRef>
+          <a:effectRef idx="0">
+            <a:schemeClr val="accent1"/>
+          </a:effectRef>
+          <a:fontRef idx="minor">
+            <a:schemeClr val="lt1"/>
+          </a:fontRef>
+        </p:style>
+        <p:txBody>
+          <a:bodyPr tIns="36000" rtlCol="0" anchor="t" anchorCtr="0"/>
+          <a:lstStyle/>
+          <a:p>
+            <a:r>
+              <a:rPr lang="en-AU" sz="2000" dirty="0">
+                <a:solidFill>
+                  <a:schemeClr val="tx1"/>
+                </a:solidFill>
+              </a:rPr>
+              <a:t>Notes</a:t>
+            </a:r>
+          </a:p>
+          <a:p>
+            <a:pPr marL="179388" indent="-179388">
+              <a:buFont typeface="Arial" pitchFamily="34" charset="0"/>
+              <a:buChar char="•"/>
+            </a:pPr>
+            <a:r>
+              <a:rPr lang="en-AU" sz="2000" dirty="0">
+                <a:solidFill>
+                  <a:schemeClr val="tx1"/>
+                </a:solidFill>
+              </a:rPr>
+              <a:t>Time for implementation 1-2 hours</a:t>
+            </a:r>
+          </a:p>
+        </p:txBody>
+      </p:sp>
+    </p:spTree>
+    <p:extLst>
+      <p:ext uri="{BB962C8B-B14F-4D97-AF65-F5344CB8AC3E}">
+        <p14:creationId xmlns:p14="http://schemas.microsoft.com/office/powerpoint/2010/main" val="623383938"/>
+      </p:ext>
+    </p:extLst>
+  </p:cSld>
+  <p:clrMapOvr>
+    <a:masterClrMapping/>
+  </p:clrMapOvr>
+</p:sld>
+</file>
+
+<file path=ppt/slides/slide43.xml><?xml version="1.0" encoding="utf-8"?>
+<p:sld xmlns:a="http://schemas.openxmlformats.org/drawingml/2006/main" xmlns:r="http://schemas.openxmlformats.org/officeDocument/2006/relationships" xmlns:p="http://schemas.openxmlformats.org/presentationml/2006/main">
+  <p:cSld>
+    <p:spTree>
+      <p:nvGrpSpPr>
+        <p:cNvPr id="1" name=""/>
+        <p:cNvGrpSpPr/>
+        <p:nvPr/>
+      </p:nvGrpSpPr>
+      <p:grpSpPr>
+        <a:xfrm>
+          <a:off x="0" y="0"/>
+          <a:ext cx="0" cy="0"/>
+          <a:chOff x="0" y="0"/>
+          <a:chExt cx="0" cy="0"/>
+        </a:xfrm>
+      </p:grpSpPr>
+      <p:sp>
+        <p:nvSpPr>
+          <p:cNvPr id="4" name="Rectangle 3"/>
+          <p:cNvSpPr/>
+          <p:nvPr/>
+        </p:nvSpPr>
+        <p:spPr>
+          <a:xfrm>
+            <a:off x="39153" y="109410"/>
+            <a:ext cx="720000" cy="540000"/>
+          </a:xfrm>
+          <a:prstGeom prst="rect">
+            <a:avLst/>
+          </a:prstGeom>
+          <a:solidFill>
+            <a:schemeClr val="accent1">
+              <a:lumMod val="40000"/>
+              <a:lumOff val="60000"/>
+            </a:schemeClr>
+          </a:solidFill>
+          <a:ln>
+            <a:solidFill>
+              <a:schemeClr val="accent1">
+                <a:lumMod val="50000"/>
+              </a:schemeClr>
+            </a:solidFill>
+          </a:ln>
+        </p:spPr>
+        <p:style>
+          <a:lnRef idx="2">
+            <a:schemeClr val="accent1">
+              <a:shade val="50000"/>
+            </a:schemeClr>
+          </a:lnRef>
+          <a:fillRef idx="1">
+            <a:schemeClr val="accent1"/>
+          </a:fillRef>
+          <a:effectRef idx="0">
+            <a:schemeClr val="accent1"/>
+          </a:effectRef>
+          <a:fontRef idx="minor">
+            <a:schemeClr val="lt1"/>
+          </a:fontRef>
+        </p:style>
+        <p:txBody>
+          <a:bodyPr wrap="square" lIns="0" rIns="0" rtlCol="0" anchor="ctr"/>
+          <a:lstStyle/>
+          <a:p>
+            <a:pPr algn="ctr"/>
+            <a:r>
+              <a:rPr lang="en-AU" sz="2000" dirty="0">
+                <a:solidFill>
+                  <a:schemeClr val="tx1"/>
+                </a:solidFill>
+              </a:rPr>
+              <a:t>Story ID: 42</a:t>
+            </a:r>
+          </a:p>
+        </p:txBody>
+      </p:sp>
+      <p:sp>
+        <p:nvSpPr>
+          <p:cNvPr id="6" name="Rectangle 5"/>
+          <p:cNvSpPr/>
+          <p:nvPr/>
+        </p:nvSpPr>
+        <p:spPr>
+          <a:xfrm>
+            <a:off x="831153" y="99471"/>
+            <a:ext cx="7380000" cy="540000"/>
+          </a:xfrm>
+          <a:prstGeom prst="rect">
+            <a:avLst/>
+          </a:prstGeom>
+          <a:ln>
+            <a:solidFill>
+              <a:schemeClr val="accent1">
+                <a:lumMod val="50000"/>
+              </a:schemeClr>
+            </a:solidFill>
+          </a:ln>
+        </p:spPr>
+        <p:style>
+          <a:lnRef idx="2">
+            <a:schemeClr val="accent1">
+              <a:shade val="50000"/>
+            </a:schemeClr>
+          </a:lnRef>
+          <a:fillRef idx="1">
+            <a:schemeClr val="accent1"/>
+          </a:fillRef>
+          <a:effectRef idx="0">
+            <a:schemeClr val="accent1"/>
+          </a:effectRef>
+          <a:fontRef idx="minor">
+            <a:schemeClr val="lt1"/>
+          </a:fontRef>
+        </p:style>
+        <p:txBody>
+          <a:bodyPr rtlCol="0" anchor="ctr"/>
+          <a:lstStyle/>
+          <a:p>
+            <a:pPr algn="ctr"/>
+            <a:r>
+              <a:rPr lang="en-AU" sz="2800" dirty="0"/>
+              <a:t>Terms and Conditions</a:t>
+            </a:r>
+          </a:p>
+        </p:txBody>
+      </p:sp>
+      <p:sp>
+        <p:nvSpPr>
+          <p:cNvPr id="7" name="Rectangle 6"/>
+          <p:cNvSpPr/>
+          <p:nvPr/>
+        </p:nvSpPr>
+        <p:spPr>
+          <a:xfrm>
+            <a:off x="39153" y="822470"/>
+            <a:ext cx="9828000" cy="2340000"/>
+          </a:xfrm>
+          <a:prstGeom prst="rect">
+            <a:avLst/>
+          </a:prstGeom>
+          <a:solidFill>
+            <a:schemeClr val="tx2">
+              <a:lumMod val="20000"/>
+              <a:lumOff val="80000"/>
+            </a:schemeClr>
+          </a:solidFill>
+          <a:ln>
+            <a:solidFill>
+              <a:schemeClr val="accent1">
+                <a:lumMod val="50000"/>
+              </a:schemeClr>
+            </a:solidFill>
+          </a:ln>
+        </p:spPr>
+        <p:style>
+          <a:lnRef idx="2">
+            <a:schemeClr val="accent1">
+              <a:shade val="50000"/>
+            </a:schemeClr>
+          </a:lnRef>
+          <a:fillRef idx="1">
+            <a:schemeClr val="accent1"/>
+          </a:fillRef>
+          <a:effectRef idx="0">
+            <a:schemeClr val="accent1"/>
+          </a:effectRef>
+          <a:fontRef idx="minor">
+            <a:schemeClr val="lt1"/>
+          </a:fontRef>
+        </p:style>
+        <p:txBody>
+          <a:bodyPr rtlCol="0" anchor="t" anchorCtr="0"/>
+          <a:lstStyle/>
+          <a:p>
+            <a:r>
+              <a:rPr lang="en-AU" sz="2400" dirty="0">
+                <a:solidFill>
+                  <a:schemeClr val="tx1"/>
+                </a:solidFill>
+              </a:rPr>
+              <a:t>As a General User I want to see the terms and conditions of using the service so that I know what I am signing up for.</a:t>
+            </a:r>
+          </a:p>
+        </p:txBody>
+      </p:sp>
+      <p:sp>
+        <p:nvSpPr>
+          <p:cNvPr id="8" name="Rectangle 7"/>
+          <p:cNvSpPr/>
+          <p:nvPr/>
+        </p:nvSpPr>
+        <p:spPr>
+          <a:xfrm>
+            <a:off x="39153" y="3335530"/>
+            <a:ext cx="9828000" cy="1620000"/>
+          </a:xfrm>
+          <a:prstGeom prst="rect">
+            <a:avLst/>
+          </a:prstGeom>
+          <a:solidFill>
+            <a:schemeClr val="accent1">
+              <a:lumMod val="20000"/>
+              <a:lumOff val="80000"/>
+            </a:schemeClr>
+          </a:solidFill>
+          <a:ln>
+            <a:solidFill>
+              <a:schemeClr val="accent1">
+                <a:lumMod val="50000"/>
+              </a:schemeClr>
+            </a:solidFill>
+          </a:ln>
+        </p:spPr>
+        <p:style>
+          <a:lnRef idx="2">
+            <a:schemeClr val="accent1">
+              <a:shade val="50000"/>
+            </a:schemeClr>
+          </a:lnRef>
+          <a:fillRef idx="1">
+            <a:schemeClr val="accent1"/>
+          </a:fillRef>
+          <a:effectRef idx="0">
+            <a:schemeClr val="accent1"/>
+          </a:effectRef>
+          <a:fontRef idx="minor">
+            <a:schemeClr val="lt1"/>
+          </a:fontRef>
+        </p:style>
+        <p:txBody>
+          <a:bodyPr tIns="36000" rtlCol="0" anchor="t" anchorCtr="0"/>
+          <a:lstStyle/>
+          <a:p>
+            <a:r>
+              <a:rPr lang="en-AU" sz="2000" dirty="0">
+                <a:solidFill>
+                  <a:schemeClr val="tx1"/>
+                </a:solidFill>
+              </a:rPr>
+              <a:t>Acceptance Criteria</a:t>
+            </a:r>
+          </a:p>
+          <a:p>
+            <a:pPr marL="179388" indent="-179388">
+              <a:buFont typeface="Arial" pitchFamily="34" charset="0"/>
+              <a:buChar char="•"/>
+            </a:pPr>
+            <a:r>
+              <a:rPr lang="en-AU" sz="2000" dirty="0">
+                <a:solidFill>
+                  <a:schemeClr val="tx1"/>
+                </a:solidFill>
+              </a:rPr>
+              <a:t> Have the user agree to term of service prior to signing up.</a:t>
+            </a:r>
+          </a:p>
+        </p:txBody>
+      </p:sp>
+      <p:sp>
+        <p:nvSpPr>
+          <p:cNvPr id="11" name="Rectangle 10"/>
+          <p:cNvSpPr/>
+          <p:nvPr/>
+        </p:nvSpPr>
+        <p:spPr>
+          <a:xfrm>
+            <a:off x="9147153" y="109410"/>
+            <a:ext cx="720000" cy="540000"/>
+          </a:xfrm>
+          <a:prstGeom prst="rect">
+            <a:avLst/>
+          </a:prstGeom>
+          <a:solidFill>
+            <a:srgbClr val="CCF0CD">
+              <a:alpha val="20000"/>
+            </a:srgbClr>
+          </a:solidFill>
+          <a:ln>
+            <a:solidFill>
+              <a:schemeClr val="accent1">
+                <a:lumMod val="50000"/>
+              </a:schemeClr>
+            </a:solidFill>
+          </a:ln>
+        </p:spPr>
+        <p:style>
+          <a:lnRef idx="2">
+            <a:schemeClr val="accent1">
+              <a:shade val="50000"/>
+            </a:schemeClr>
+          </a:lnRef>
+          <a:fillRef idx="1">
+            <a:schemeClr val="accent1"/>
+          </a:fillRef>
+          <a:effectRef idx="0">
+            <a:schemeClr val="accent1"/>
+          </a:effectRef>
+          <a:fontRef idx="minor">
+            <a:schemeClr val="lt1"/>
+          </a:fontRef>
+        </p:style>
+        <p:txBody>
+          <a:bodyPr wrap="square" lIns="0" rIns="0" rtlCol="0" anchor="ctr"/>
+          <a:lstStyle/>
+          <a:p>
+            <a:pPr algn="ctr"/>
+            <a:r>
+              <a:rPr lang="en-AU" sz="2000" dirty="0">
+                <a:solidFill>
+                  <a:schemeClr val="tx1"/>
+                </a:solidFill>
+              </a:rPr>
+              <a:t>1</a:t>
+            </a:r>
+          </a:p>
+        </p:txBody>
+      </p:sp>
+      <p:sp>
+        <p:nvSpPr>
+          <p:cNvPr id="12" name="Rectangle 11"/>
+          <p:cNvSpPr/>
+          <p:nvPr/>
+        </p:nvSpPr>
+        <p:spPr>
+          <a:xfrm>
+            <a:off x="8283153" y="109410"/>
+            <a:ext cx="792000" cy="540000"/>
+          </a:xfrm>
+          <a:prstGeom prst="rect">
+            <a:avLst/>
+          </a:prstGeom>
+          <a:solidFill>
+            <a:schemeClr val="accent4">
+              <a:lumMod val="20000"/>
+              <a:lumOff val="80000"/>
+            </a:schemeClr>
+          </a:solidFill>
+          <a:ln>
+            <a:solidFill>
+              <a:schemeClr val="accent1">
+                <a:lumMod val="50000"/>
+              </a:schemeClr>
+            </a:solidFill>
+          </a:ln>
+        </p:spPr>
+        <p:style>
+          <a:lnRef idx="2">
+            <a:schemeClr val="accent1">
+              <a:shade val="50000"/>
+            </a:schemeClr>
+          </a:lnRef>
+          <a:fillRef idx="1">
+            <a:schemeClr val="accent1"/>
+          </a:fillRef>
+          <a:effectRef idx="0">
+            <a:schemeClr val="accent1"/>
+          </a:effectRef>
+          <a:fontRef idx="minor">
+            <a:schemeClr val="lt1"/>
+          </a:fontRef>
+        </p:style>
+        <p:txBody>
+          <a:bodyPr wrap="none" lIns="0" rIns="0" rtlCol="0" anchor="ctr"/>
+          <a:lstStyle/>
+          <a:p>
+            <a:pPr algn="ctr"/>
+            <a:r>
+              <a:rPr lang="en-AU" sz="2000" dirty="0">
+                <a:solidFill>
+                  <a:schemeClr val="tx1"/>
+                </a:solidFill>
+              </a:rPr>
+              <a:t>Should</a:t>
+            </a:r>
+          </a:p>
+        </p:txBody>
+      </p:sp>
+      <p:sp>
+        <p:nvSpPr>
+          <p:cNvPr id="13" name="Rectangle 12"/>
+          <p:cNvSpPr/>
+          <p:nvPr/>
+        </p:nvSpPr>
+        <p:spPr>
+          <a:xfrm>
+            <a:off x="39153" y="5128590"/>
+            <a:ext cx="9828000" cy="1620000"/>
+          </a:xfrm>
+          <a:prstGeom prst="rect">
+            <a:avLst/>
+          </a:prstGeom>
+          <a:solidFill>
+            <a:schemeClr val="bg1"/>
+          </a:solidFill>
+          <a:ln>
+            <a:solidFill>
+              <a:schemeClr val="accent1">
+                <a:lumMod val="50000"/>
+              </a:schemeClr>
+            </a:solidFill>
+          </a:ln>
+        </p:spPr>
+        <p:style>
+          <a:lnRef idx="2">
+            <a:schemeClr val="accent1">
+              <a:shade val="50000"/>
+            </a:schemeClr>
+          </a:lnRef>
+          <a:fillRef idx="1">
+            <a:schemeClr val="accent1"/>
+          </a:fillRef>
+          <a:effectRef idx="0">
+            <a:schemeClr val="accent1"/>
+          </a:effectRef>
+          <a:fontRef idx="minor">
+            <a:schemeClr val="lt1"/>
+          </a:fontRef>
+        </p:style>
+        <p:txBody>
+          <a:bodyPr tIns="36000" rtlCol="0" anchor="t" anchorCtr="0"/>
+          <a:lstStyle/>
+          <a:p>
+            <a:r>
+              <a:rPr lang="en-AU" sz="2000" dirty="0">
+                <a:solidFill>
+                  <a:schemeClr val="tx1"/>
+                </a:solidFill>
+              </a:rPr>
+              <a:t>Notes</a:t>
+            </a:r>
+          </a:p>
+          <a:p>
+            <a:pPr marL="179388" indent="-179388">
+              <a:buFont typeface="Arial" pitchFamily="34" charset="0"/>
+              <a:buChar char="•"/>
+            </a:pPr>
+            <a:r>
+              <a:rPr lang="en-AU" sz="2000" dirty="0">
+                <a:solidFill>
+                  <a:schemeClr val="tx1"/>
+                </a:solidFill>
+              </a:rPr>
+              <a:t>Time for implementation 1-2 hours</a:t>
+            </a:r>
+          </a:p>
+          <a:p>
+            <a:pPr marL="179388" indent="-179388">
+              <a:buFont typeface="Arial" pitchFamily="34" charset="0"/>
+              <a:buChar char="•"/>
+            </a:pPr>
+            <a:r>
+              <a:rPr lang="en-AU" sz="2000" dirty="0">
+                <a:solidFill>
+                  <a:schemeClr val="tx1"/>
+                </a:solidFill>
+              </a:rPr>
+              <a:t>Have a pdf that can be downloaded from sign up page</a:t>
+            </a:r>
+          </a:p>
+        </p:txBody>
+      </p:sp>
+    </p:spTree>
+    <p:extLst>
+      <p:ext uri="{BB962C8B-B14F-4D97-AF65-F5344CB8AC3E}">
+        <p14:creationId xmlns:p14="http://schemas.microsoft.com/office/powerpoint/2010/main" val="744023238"/>
+      </p:ext>
+    </p:extLst>
+  </p:cSld>
+  <p:clrMapOvr>
+    <a:masterClrMapping/>
+  </p:clrMapOvr>
+</p:sld>
+</file>
+
+<file path=ppt/slides/slide44.xml><?xml version="1.0" encoding="utf-8"?>
+<p:sld xmlns:a="http://schemas.openxmlformats.org/drawingml/2006/main" xmlns:r="http://schemas.openxmlformats.org/officeDocument/2006/relationships" xmlns:p="http://schemas.openxmlformats.org/presentationml/2006/main">
+  <p:cSld>
+    <p:spTree>
+      <p:nvGrpSpPr>
+        <p:cNvPr id="1" name=""/>
+        <p:cNvGrpSpPr/>
+        <p:nvPr/>
+      </p:nvGrpSpPr>
+      <p:grpSpPr>
+        <a:xfrm>
+          <a:off x="0" y="0"/>
+          <a:ext cx="0" cy="0"/>
+          <a:chOff x="0" y="0"/>
+          <a:chExt cx="0" cy="0"/>
+        </a:xfrm>
+      </p:grpSpPr>
+      <p:sp>
+        <p:nvSpPr>
+          <p:cNvPr id="4" name="Rectangle 3"/>
+          <p:cNvSpPr/>
+          <p:nvPr/>
+        </p:nvSpPr>
+        <p:spPr>
+          <a:xfrm>
+            <a:off x="39153" y="109410"/>
+            <a:ext cx="720000" cy="540000"/>
+          </a:xfrm>
+          <a:prstGeom prst="rect">
+            <a:avLst/>
+          </a:prstGeom>
+          <a:solidFill>
+            <a:schemeClr val="accent1">
+              <a:lumMod val="40000"/>
+              <a:lumOff val="60000"/>
+            </a:schemeClr>
+          </a:solidFill>
+          <a:ln>
+            <a:solidFill>
+              <a:schemeClr val="accent1">
+                <a:lumMod val="50000"/>
+              </a:schemeClr>
+            </a:solidFill>
+          </a:ln>
+        </p:spPr>
+        <p:style>
+          <a:lnRef idx="2">
+            <a:schemeClr val="accent1">
+              <a:shade val="50000"/>
+            </a:schemeClr>
+          </a:lnRef>
+          <a:fillRef idx="1">
+            <a:schemeClr val="accent1"/>
+          </a:fillRef>
+          <a:effectRef idx="0">
+            <a:schemeClr val="accent1"/>
+          </a:effectRef>
+          <a:fontRef idx="minor">
+            <a:schemeClr val="lt1"/>
+          </a:fontRef>
+        </p:style>
+        <p:txBody>
+          <a:bodyPr wrap="square" lIns="0" rIns="0" rtlCol="0" anchor="ctr"/>
+          <a:lstStyle/>
+          <a:p>
+            <a:pPr algn="ctr"/>
+            <a:r>
+              <a:rPr lang="en-AU" sz="2000" dirty="0">
+                <a:solidFill>
+                  <a:schemeClr val="tx1"/>
+                </a:solidFill>
+              </a:rPr>
+              <a:t>Story ID 43</a:t>
+            </a:r>
+          </a:p>
+        </p:txBody>
+      </p:sp>
+      <p:sp>
+        <p:nvSpPr>
+          <p:cNvPr id="6" name="Rectangle 5"/>
+          <p:cNvSpPr/>
+          <p:nvPr/>
+        </p:nvSpPr>
+        <p:spPr>
+          <a:xfrm>
+            <a:off x="831153" y="109410"/>
+            <a:ext cx="7380000" cy="540000"/>
+          </a:xfrm>
+          <a:prstGeom prst="rect">
+            <a:avLst/>
+          </a:prstGeom>
+          <a:ln>
+            <a:solidFill>
+              <a:schemeClr val="accent1">
+                <a:lumMod val="50000"/>
+              </a:schemeClr>
+            </a:solidFill>
+          </a:ln>
+        </p:spPr>
+        <p:style>
+          <a:lnRef idx="2">
+            <a:schemeClr val="accent1">
+              <a:shade val="50000"/>
+            </a:schemeClr>
+          </a:lnRef>
+          <a:fillRef idx="1">
+            <a:schemeClr val="accent1"/>
+          </a:fillRef>
+          <a:effectRef idx="0">
+            <a:schemeClr val="accent1"/>
+          </a:effectRef>
+          <a:fontRef idx="minor">
+            <a:schemeClr val="lt1"/>
+          </a:fontRef>
+        </p:style>
+        <p:txBody>
+          <a:bodyPr rtlCol="0" anchor="ctr"/>
+          <a:lstStyle/>
+          <a:p>
+            <a:pPr algn="ctr"/>
+            <a:r>
+              <a:rPr lang="en-AU" sz="2800" dirty="0"/>
+              <a:t>Notifications</a:t>
+            </a:r>
+          </a:p>
+        </p:txBody>
+      </p:sp>
+      <p:sp>
+        <p:nvSpPr>
+          <p:cNvPr id="7" name="Rectangle 6"/>
+          <p:cNvSpPr/>
+          <p:nvPr/>
+        </p:nvSpPr>
+        <p:spPr>
+          <a:xfrm>
+            <a:off x="0" y="846698"/>
+            <a:ext cx="9828000" cy="2340000"/>
+          </a:xfrm>
+          <a:prstGeom prst="rect">
+            <a:avLst/>
+          </a:prstGeom>
+          <a:solidFill>
+            <a:schemeClr val="tx2">
+              <a:lumMod val="20000"/>
+              <a:lumOff val="80000"/>
+            </a:schemeClr>
+          </a:solidFill>
+          <a:ln>
+            <a:solidFill>
+              <a:schemeClr val="accent1">
+                <a:lumMod val="50000"/>
+              </a:schemeClr>
+            </a:solidFill>
+          </a:ln>
+        </p:spPr>
+        <p:style>
+          <a:lnRef idx="2">
+            <a:schemeClr val="accent1">
+              <a:shade val="50000"/>
+            </a:schemeClr>
+          </a:lnRef>
+          <a:fillRef idx="1">
+            <a:schemeClr val="accent1"/>
+          </a:fillRef>
+          <a:effectRef idx="0">
+            <a:schemeClr val="accent1"/>
+          </a:effectRef>
+          <a:fontRef idx="minor">
+            <a:schemeClr val="lt1"/>
+          </a:fontRef>
+        </p:style>
+        <p:txBody>
+          <a:bodyPr rtlCol="0" anchor="t" anchorCtr="0"/>
+          <a:lstStyle/>
+          <a:p>
+            <a:r>
+              <a:rPr lang="en-AU" sz="2400" dirty="0">
+                <a:solidFill>
+                  <a:schemeClr val="tx1"/>
+                </a:solidFill>
+              </a:rPr>
+              <a:t>As a Tourist I want notifications on what happening so that I can stay up to date.</a:t>
+            </a:r>
+          </a:p>
+        </p:txBody>
+      </p:sp>
+      <p:sp>
+        <p:nvSpPr>
+          <p:cNvPr id="8" name="Rectangle 7"/>
+          <p:cNvSpPr/>
+          <p:nvPr/>
+        </p:nvSpPr>
+        <p:spPr>
+          <a:xfrm>
+            <a:off x="0" y="3364106"/>
+            <a:ext cx="9828000" cy="1620000"/>
+          </a:xfrm>
+          <a:prstGeom prst="rect">
+            <a:avLst/>
+          </a:prstGeom>
+          <a:solidFill>
+            <a:schemeClr val="accent1">
+              <a:lumMod val="20000"/>
+              <a:lumOff val="80000"/>
+            </a:schemeClr>
+          </a:solidFill>
+          <a:ln>
+            <a:solidFill>
+              <a:schemeClr val="accent1">
+                <a:lumMod val="50000"/>
+              </a:schemeClr>
+            </a:solidFill>
+          </a:ln>
+        </p:spPr>
+        <p:style>
+          <a:lnRef idx="2">
+            <a:schemeClr val="accent1">
+              <a:shade val="50000"/>
+            </a:schemeClr>
+          </a:lnRef>
+          <a:fillRef idx="1">
+            <a:schemeClr val="accent1"/>
+          </a:fillRef>
+          <a:effectRef idx="0">
+            <a:schemeClr val="accent1"/>
+          </a:effectRef>
+          <a:fontRef idx="minor">
+            <a:schemeClr val="lt1"/>
+          </a:fontRef>
+        </p:style>
+        <p:txBody>
+          <a:bodyPr tIns="36000" rtlCol="0" anchor="t" anchorCtr="0"/>
+          <a:lstStyle/>
+          <a:p>
+            <a:r>
+              <a:rPr lang="en-AU" sz="2000" dirty="0">
+                <a:solidFill>
+                  <a:schemeClr val="tx1"/>
+                </a:solidFill>
+              </a:rPr>
+              <a:t>Acceptance Criteria</a:t>
+            </a:r>
+          </a:p>
+          <a:p>
+            <a:pPr marL="342900" indent="-342900">
+              <a:buFont typeface="Arial" charset="0"/>
+              <a:buChar char="•"/>
+            </a:pPr>
+            <a:r>
+              <a:rPr lang="en-AU" sz="2000" dirty="0">
+                <a:solidFill>
+                  <a:schemeClr val="tx1"/>
+                </a:solidFill>
+              </a:rPr>
+              <a:t>Have some form of notifications (whether be on site (like a message screen) or off (email, text)).</a:t>
+            </a:r>
+          </a:p>
+        </p:txBody>
+      </p:sp>
+      <p:sp>
+        <p:nvSpPr>
+          <p:cNvPr id="11" name="Rectangle 10"/>
+          <p:cNvSpPr/>
+          <p:nvPr/>
+        </p:nvSpPr>
+        <p:spPr>
+          <a:xfrm>
+            <a:off x="9147153" y="109410"/>
+            <a:ext cx="720000" cy="540000"/>
+          </a:xfrm>
+          <a:prstGeom prst="rect">
+            <a:avLst/>
+          </a:prstGeom>
+          <a:solidFill>
+            <a:srgbClr val="CCF0CD">
+              <a:alpha val="20000"/>
+            </a:srgbClr>
+          </a:solidFill>
+          <a:ln>
+            <a:solidFill>
+              <a:schemeClr val="accent1">
+                <a:lumMod val="50000"/>
+              </a:schemeClr>
+            </a:solidFill>
+          </a:ln>
+        </p:spPr>
+        <p:style>
+          <a:lnRef idx="2">
+            <a:schemeClr val="accent1">
+              <a:shade val="50000"/>
+            </a:schemeClr>
+          </a:lnRef>
+          <a:fillRef idx="1">
+            <a:schemeClr val="accent1"/>
+          </a:fillRef>
+          <a:effectRef idx="0">
+            <a:schemeClr val="accent1"/>
+          </a:effectRef>
+          <a:fontRef idx="minor">
+            <a:schemeClr val="lt1"/>
+          </a:fontRef>
+        </p:style>
+        <p:txBody>
+          <a:bodyPr wrap="square" lIns="0" rIns="0" rtlCol="0" anchor="ctr"/>
+          <a:lstStyle/>
+          <a:p>
+            <a:pPr algn="ctr"/>
+            <a:r>
+              <a:rPr lang="en-AU" sz="2000" dirty="0">
+                <a:solidFill>
+                  <a:schemeClr val="tx1"/>
+                </a:solidFill>
+              </a:rPr>
+              <a:t>3</a:t>
+            </a:r>
+          </a:p>
+        </p:txBody>
+      </p:sp>
+      <p:sp>
+        <p:nvSpPr>
+          <p:cNvPr id="12" name="Rectangle 11"/>
+          <p:cNvSpPr/>
+          <p:nvPr/>
+        </p:nvSpPr>
+        <p:spPr>
+          <a:xfrm>
+            <a:off x="8283153" y="109410"/>
+            <a:ext cx="792000" cy="540000"/>
+          </a:xfrm>
+          <a:prstGeom prst="rect">
+            <a:avLst/>
+          </a:prstGeom>
+          <a:solidFill>
+            <a:schemeClr val="accent4">
+              <a:lumMod val="20000"/>
+              <a:lumOff val="80000"/>
+            </a:schemeClr>
+          </a:solidFill>
+          <a:ln>
+            <a:solidFill>
+              <a:schemeClr val="accent1">
+                <a:lumMod val="50000"/>
+              </a:schemeClr>
+            </a:solidFill>
+          </a:ln>
+        </p:spPr>
+        <p:style>
+          <a:lnRef idx="2">
+            <a:schemeClr val="accent1">
+              <a:shade val="50000"/>
+            </a:schemeClr>
+          </a:lnRef>
+          <a:fillRef idx="1">
+            <a:schemeClr val="accent1"/>
+          </a:fillRef>
+          <a:effectRef idx="0">
+            <a:schemeClr val="accent1"/>
+          </a:effectRef>
+          <a:fontRef idx="minor">
+            <a:schemeClr val="lt1"/>
+          </a:fontRef>
+        </p:style>
+        <p:txBody>
+          <a:bodyPr wrap="none" lIns="0" rIns="0" rtlCol="0" anchor="ctr"/>
+          <a:lstStyle/>
+          <a:p>
+            <a:pPr algn="ctr"/>
+            <a:r>
+              <a:rPr lang="en-AU" sz="2000" dirty="0">
+                <a:solidFill>
+                  <a:schemeClr val="tx1"/>
+                </a:solidFill>
+              </a:rPr>
+              <a:t>Won’t</a:t>
+            </a:r>
+          </a:p>
+        </p:txBody>
+      </p:sp>
+      <p:sp>
+        <p:nvSpPr>
+          <p:cNvPr id="13" name="Rectangle 12"/>
+          <p:cNvSpPr/>
+          <p:nvPr/>
+        </p:nvSpPr>
+        <p:spPr>
+          <a:xfrm>
+            <a:off x="39153" y="5128590"/>
+            <a:ext cx="9828000" cy="1620000"/>
+          </a:xfrm>
+          <a:prstGeom prst="rect">
+            <a:avLst/>
+          </a:prstGeom>
+          <a:solidFill>
+            <a:schemeClr val="bg1"/>
+          </a:solidFill>
+          <a:ln>
+            <a:solidFill>
+              <a:schemeClr val="accent1">
+                <a:lumMod val="50000"/>
+              </a:schemeClr>
+            </a:solidFill>
+          </a:ln>
+        </p:spPr>
+        <p:style>
+          <a:lnRef idx="2">
+            <a:schemeClr val="accent1">
+              <a:shade val="50000"/>
+            </a:schemeClr>
+          </a:lnRef>
+          <a:fillRef idx="1">
+            <a:schemeClr val="accent1"/>
+          </a:fillRef>
+          <a:effectRef idx="0">
+            <a:schemeClr val="accent1"/>
+          </a:effectRef>
+          <a:fontRef idx="minor">
+            <a:schemeClr val="lt1"/>
+          </a:fontRef>
+        </p:style>
+        <p:txBody>
+          <a:bodyPr tIns="36000" rtlCol="0" anchor="t" anchorCtr="0"/>
+          <a:lstStyle/>
+          <a:p>
+            <a:r>
+              <a:rPr lang="en-AU" sz="2000" dirty="0">
+                <a:solidFill>
+                  <a:schemeClr val="tx1"/>
+                </a:solidFill>
+              </a:rPr>
+              <a:t>Notes</a:t>
+            </a:r>
+          </a:p>
+          <a:p>
+            <a:pPr marL="179388" indent="-179388">
+              <a:buFont typeface="Arial" pitchFamily="34" charset="0"/>
+              <a:buChar char="•"/>
+            </a:pPr>
+            <a:r>
+              <a:rPr lang="en-AU" sz="2000" dirty="0">
+                <a:solidFill>
+                  <a:schemeClr val="tx1"/>
+                </a:solidFill>
+              </a:rPr>
+              <a:t> Could probably do a daily email and have them on a mailing list</a:t>
+            </a:r>
+          </a:p>
+          <a:p>
+            <a:pPr marL="179388" indent="-179388">
+              <a:buFont typeface="Arial" pitchFamily="34" charset="0"/>
+              <a:buChar char="•"/>
+            </a:pPr>
+            <a:r>
+              <a:rPr lang="en-AU" sz="2000" dirty="0">
+                <a:solidFill>
+                  <a:schemeClr val="tx1"/>
+                </a:solidFill>
+              </a:rPr>
+              <a:t>Time to implement 4+ hours</a:t>
+            </a:r>
+          </a:p>
+        </p:txBody>
+      </p:sp>
+    </p:spTree>
+    <p:extLst>
+      <p:ext uri="{BB962C8B-B14F-4D97-AF65-F5344CB8AC3E}">
+        <p14:creationId xmlns:p14="http://schemas.microsoft.com/office/powerpoint/2010/main" val="3761552017"/>
       </p:ext>
     </p:extLst>
   </p:cSld>
